--- a/Quack-A-Moley.pptx
+++ b/Quack-A-Moley.pptx
@@ -3311,6 +3311,14 @@
 <file path=ppt/slides/slide1.xml><?xml version="1.0" encoding="utf-8"?>
 <p:sld xmlns:a="http://schemas.openxmlformats.org/drawingml/2006/main" xmlns:r="http://schemas.openxmlformats.org/officeDocument/2006/relationships" xmlns:p="http://schemas.openxmlformats.org/presentationml/2006/main">
   <p:cSld>
+    <p:bg>
+      <p:bgPr>
+        <a:solidFill>
+          <a:schemeClr val="bg1"/>
+        </a:solidFill>
+        <a:effectLst/>
+      </p:bgPr>
+    </p:bg>
     <p:spTree>
       <p:nvGrpSpPr>
         <p:cNvPr id="1" name=""/>
@@ -3327,6 +3335,136 @@
       </p:grpSpPr>
       <p:sp>
         <p:nvSpPr>
+          <p:cNvPr id="8" name="Rectangle 7">
+            <a:extLst>
+              <a:ext uri="{FF2B5EF4-FFF2-40B4-BE49-F238E27FC236}">
+                <a16:creationId xmlns:a16="http://schemas.microsoft.com/office/drawing/2014/main" id="{23962611-DFD5-4092-AAFD-559E3DFCE2C9}"/>
+              </a:ext>
+              <a:ext uri="{C183D7F6-B498-43B3-948B-1728B52AA6E4}">
+                <adec:decorative xmlns:adec="http://schemas.microsoft.com/office/drawing/2017/decorative" val="1"/>
+              </a:ext>
+            </a:extLst>
+          </p:cNvPr>
+          <p:cNvSpPr>
+            <a:spLocks noGrp="1" noRot="1" noChangeAspect="1" noMove="1" noResize="1" noEditPoints="1" noAdjustHandles="1" noChangeArrowheads="1" noChangeShapeType="1" noTextEdit="1"/>
+          </p:cNvSpPr>
+          <p:nvPr>
+            <p:extLst>
+              <p:ext uri="{386F3935-93C4-4BCD-93E2-E3B085C9AB24}">
+                <p16:designElem xmlns:p16="http://schemas.microsoft.com/office/powerpoint/2015/main" val="1"/>
+              </p:ext>
+            </p:extLst>
+          </p:nvPr>
+        </p:nvSpPr>
+        <p:spPr>
+          <a:xfrm>
+            <a:off x="475488" y="0"/>
+            <a:ext cx="10910292" cy="6858000"/>
+          </a:xfrm>
+          <a:prstGeom prst="rect">
+            <a:avLst/>
+          </a:prstGeom>
+          <a:gradFill>
+            <a:gsLst>
+              <a:gs pos="0">
+                <a:schemeClr val="accent1">
+                  <a:lumMod val="90000"/>
+                </a:schemeClr>
+              </a:gs>
+              <a:gs pos="25000">
+                <a:schemeClr val="accent1">
+                  <a:lumMod val="90000"/>
+                </a:schemeClr>
+              </a:gs>
+              <a:gs pos="94000">
+                <a:schemeClr val="bg2">
+                  <a:lumMod val="25000"/>
+                </a:schemeClr>
+              </a:gs>
+              <a:gs pos="100000">
+                <a:schemeClr val="bg2">
+                  <a:lumMod val="25000"/>
+                </a:schemeClr>
+              </a:gs>
+            </a:gsLst>
+            <a:lin ang="4200000" scaled="0"/>
+          </a:gradFill>
+          <a:ln>
+            <a:noFill/>
+          </a:ln>
+        </p:spPr>
+        <p:style>
+          <a:lnRef idx="2">
+            <a:schemeClr val="accent1">
+              <a:shade val="50000"/>
+            </a:schemeClr>
+          </a:lnRef>
+          <a:fillRef idx="1">
+            <a:schemeClr val="accent1"/>
+          </a:fillRef>
+          <a:effectRef idx="0">
+            <a:schemeClr val="accent1"/>
+          </a:effectRef>
+          <a:fontRef idx="minor">
+            <a:schemeClr val="lt1"/>
+          </a:fontRef>
+        </p:style>
+        <p:txBody>
+          <a:bodyPr rtlCol="0" anchor="ctr"/>
+          <a:lstStyle/>
+          <a:p>
+            <a:pPr algn="ctr"/>
+            <a:endParaRPr lang="en-US"/>
+          </a:p>
+        </p:txBody>
+      </p:sp>
+      <p:pic>
+        <p:nvPicPr>
+          <p:cNvPr id="10" name="Picture 9">
+            <a:extLst>
+              <a:ext uri="{FF2B5EF4-FFF2-40B4-BE49-F238E27FC236}">
+                <a16:creationId xmlns:a16="http://schemas.microsoft.com/office/drawing/2014/main" id="{2270F1FA-0425-408F-9861-80BF5AFB276D}"/>
+              </a:ext>
+              <a:ext uri="{C183D7F6-B498-43B3-948B-1728B52AA6E4}">
+                <adec:decorative xmlns:adec="http://schemas.microsoft.com/office/drawing/2017/decorative" val="1"/>
+              </a:ext>
+            </a:extLst>
+          </p:cNvPr>
+          <p:cNvPicPr>
+            <a:picLocks noGrp="1" noRot="1" noChangeAspect="1" noMove="1" noResize="1" noEditPoints="1" noAdjustHandles="1" noChangeArrowheads="1" noChangeShapeType="1" noCrop="1"/>
+          </p:cNvPicPr>
+          <p:nvPr>
+            <p:extLst>
+              <p:ext uri="{386F3935-93C4-4BCD-93E2-E3B085C9AB24}">
+                <p16:designElem xmlns:p16="http://schemas.microsoft.com/office/powerpoint/2015/main" val="1"/>
+              </p:ext>
+            </p:extLst>
+          </p:nvPr>
+        </p:nvPicPr>
+        <p:blipFill>
+          <a:blip r:embed="rId2">
+            <a:extLst>
+              <a:ext uri="{28A0092B-C50C-407E-A947-70E740481C1C}">
+                <a14:useLocalDpi xmlns:a14="http://schemas.microsoft.com/office/drawing/2010/main" val="0"/>
+              </a:ext>
+            </a:extLst>
+          </a:blip>
+          <a:stretch>
+            <a:fillRect/>
+          </a:stretch>
+        </p:blipFill>
+        <p:spPr>
+          <a:xfrm>
+            <a:off x="0" y="0"/>
+            <a:ext cx="12192000" cy="6858000"/>
+          </a:xfrm>
+          <a:prstGeom prst="rect">
+            <a:avLst/>
+          </a:prstGeom>
+        </p:spPr>
+      </p:pic>
+      <p:sp>
+        <p:nvSpPr>
           <p:cNvPr id="2" name="Otsikko 1">
             <a:extLst>
               <a:ext uri="{FF2B5EF4-FFF2-40B4-BE49-F238E27FC236}">
@@ -3341,20 +3479,26 @@
             <p:ph type="ctrTitle"/>
           </p:nvPr>
         </p:nvSpPr>
-        <p:spPr/>
-        <p:txBody>
-          <a:bodyPr/>
-          <a:lstStyle/>
-          <a:p>
-            <a:r>
-              <a:rPr lang="fi-FI" dirty="0"/>
-              <a:t>Quack-A-</a:t>
-            </a:r>
-            <a:r>
-              <a:rPr lang="fi-FI" dirty="0" err="1"/>
-              <a:t>Moley</a:t>
-            </a:r>
-            <a:endParaRPr lang="fi-FI" dirty="0"/>
+        <p:spPr>
+          <a:xfrm>
+            <a:off x="3045368" y="2043663"/>
+            <a:ext cx="6105194" cy="2031055"/>
+          </a:xfrm>
+        </p:spPr>
+        <p:txBody>
+          <a:bodyPr>
+            <a:normAutofit/>
+          </a:bodyPr>
+          <a:lstStyle/>
+          <a:p>
+            <a:r>
+              <a:rPr lang="fi-FI">
+                <a:solidFill>
+                  <a:srgbClr val="FFFFFF"/>
+                </a:solidFill>
+              </a:rPr>
+              <a:t>Quack-A-Moley</a:t>
+            </a:r>
           </a:p>
         </p:txBody>
       </p:sp>
@@ -3374,32 +3518,26 @@
             <p:ph type="subTitle" idx="1"/>
           </p:nvPr>
         </p:nvSpPr>
-        <p:spPr/>
-        <p:txBody>
-          <a:bodyPr/>
-          <a:lstStyle/>
-          <a:p>
-            <a:r>
-              <a:rPr lang="fi-FI" dirty="0" err="1"/>
-              <a:t>Whack</a:t>
-            </a:r>
-            <a:r>
-              <a:rPr lang="fi-FI" dirty="0"/>
-              <a:t>-A-</a:t>
-            </a:r>
-            <a:r>
-              <a:rPr lang="fi-FI" dirty="0" err="1"/>
-              <a:t>Moley</a:t>
-            </a:r>
-            <a:r>
-              <a:rPr lang="fi-FI" dirty="0"/>
-              <a:t> In </a:t>
-            </a:r>
-            <a:r>
-              <a:rPr lang="fi-FI" dirty="0" err="1"/>
-              <a:t>Stereoids</a:t>
-            </a:r>
-            <a:endParaRPr lang="fi-FI" dirty="0"/>
+        <p:spPr>
+          <a:xfrm>
+            <a:off x="3045368" y="4074718"/>
+            <a:ext cx="6105194" cy="682079"/>
+          </a:xfrm>
+        </p:spPr>
+        <p:txBody>
+          <a:bodyPr>
+            <a:normAutofit/>
+          </a:bodyPr>
+          <a:lstStyle/>
+          <a:p>
+            <a:r>
+              <a:rPr lang="fi-FI">
+                <a:solidFill>
+                  <a:srgbClr val="FFFFFF"/>
+                </a:solidFill>
+              </a:rPr>
+              <a:t>Whack-A-Moley In Stereoids</a:t>
+            </a:r>
           </a:p>
         </p:txBody>
       </p:sp>
@@ -3419,6 +3557,14 @@
 <file path=ppt/slides/slide2.xml><?xml version="1.0" encoding="utf-8"?>
 <p:sld xmlns:a="http://schemas.openxmlformats.org/drawingml/2006/main" xmlns:r="http://schemas.openxmlformats.org/officeDocument/2006/relationships" xmlns:p="http://schemas.openxmlformats.org/presentationml/2006/main">
   <p:cSld>
+    <p:bg>
+      <p:bgPr>
+        <a:solidFill>
+          <a:schemeClr val="bg1"/>
+        </a:solidFill>
+        <a:effectLst/>
+      </p:bgPr>
+    </p:bg>
     <p:spTree>
       <p:nvGrpSpPr>
         <p:cNvPr id="1" name=""/>
@@ -3433,6 +3579,196 @@
           <a:chExt cx="0" cy="0"/>
         </a:xfrm>
       </p:grpSpPr>
+      <p:sp useBgFill="1">
+        <p:nvSpPr>
+          <p:cNvPr id="8" name="Rectangle 7">
+            <a:extLst>
+              <a:ext uri="{FF2B5EF4-FFF2-40B4-BE49-F238E27FC236}">
+                <a16:creationId xmlns:a16="http://schemas.microsoft.com/office/drawing/2014/main" id="{3B854194-185D-494D-905C-7C7CB2E30F6E}"/>
+              </a:ext>
+              <a:ext uri="{C183D7F6-B498-43B3-948B-1728B52AA6E4}">
+                <adec:decorative xmlns:adec="http://schemas.microsoft.com/office/drawing/2017/decorative" val="1"/>
+              </a:ext>
+            </a:extLst>
+          </p:cNvPr>
+          <p:cNvSpPr>
+            <a:spLocks noGrp="1" noRot="1" noChangeAspect="1" noMove="1" noResize="1" noEditPoints="1" noAdjustHandles="1" noChangeArrowheads="1" noChangeShapeType="1" noTextEdit="1"/>
+          </p:cNvSpPr>
+          <p:nvPr>
+            <p:extLst>
+              <p:ext uri="{386F3935-93C4-4BCD-93E2-E3B085C9AB24}">
+                <p16:designElem xmlns:p16="http://schemas.microsoft.com/office/powerpoint/2015/main" val="1"/>
+              </p:ext>
+            </p:extLst>
+          </p:nvPr>
+        </p:nvSpPr>
+        <p:spPr>
+          <a:xfrm>
+            <a:off x="1" y="0"/>
+            <a:ext cx="6082110" cy="6858000"/>
+          </a:xfrm>
+          <a:prstGeom prst="rect">
+            <a:avLst/>
+          </a:prstGeom>
+          <a:ln>
+            <a:noFill/>
+          </a:ln>
+        </p:spPr>
+        <p:style>
+          <a:lnRef idx="2">
+            <a:schemeClr val="accent1">
+              <a:shade val="50000"/>
+            </a:schemeClr>
+          </a:lnRef>
+          <a:fillRef idx="1">
+            <a:schemeClr val="accent1"/>
+          </a:fillRef>
+          <a:effectRef idx="0">
+            <a:schemeClr val="accent1"/>
+          </a:effectRef>
+          <a:fontRef idx="minor">
+            <a:schemeClr val="lt1"/>
+          </a:fontRef>
+        </p:style>
+        <p:txBody>
+          <a:bodyPr rtlCol="0" anchor="ctr"/>
+          <a:lstStyle/>
+          <a:p>
+            <a:pPr algn="ctr"/>
+            <a:endParaRPr lang="en-US"/>
+          </a:p>
+        </p:txBody>
+      </p:sp>
+      <p:sp>
+        <p:nvSpPr>
+          <p:cNvPr id="10" name="Rectangle 9">
+            <a:extLst>
+              <a:ext uri="{FF2B5EF4-FFF2-40B4-BE49-F238E27FC236}">
+                <a16:creationId xmlns:a16="http://schemas.microsoft.com/office/drawing/2014/main" id="{B4F5FA0D-0104-4987-8241-EFF7C85B88DE}"/>
+              </a:ext>
+              <a:ext uri="{C183D7F6-B498-43B3-948B-1728B52AA6E4}">
+                <adec:decorative xmlns:adec="http://schemas.microsoft.com/office/drawing/2017/decorative" val="1"/>
+              </a:ext>
+            </a:extLst>
+          </p:cNvPr>
+          <p:cNvSpPr>
+            <a:spLocks noGrp="1" noRot="1" noChangeAspect="1" noMove="1" noResize="1" noEditPoints="1" noAdjustHandles="1" noChangeArrowheads="1" noChangeShapeType="1" noTextEdit="1"/>
+          </p:cNvSpPr>
+          <p:nvPr>
+            <p:extLst>
+              <p:ext uri="{386F3935-93C4-4BCD-93E2-E3B085C9AB24}">
+                <p16:designElem xmlns:p16="http://schemas.microsoft.com/office/powerpoint/2015/main" val="1"/>
+              </p:ext>
+            </p:extLst>
+          </p:nvPr>
+        </p:nvSpPr>
+        <p:spPr>
+          <a:xfrm>
+            <a:off x="1" y="0"/>
+            <a:ext cx="12191998" cy="6858000"/>
+          </a:xfrm>
+          <a:prstGeom prst="rect">
+            <a:avLst/>
+          </a:prstGeom>
+          <a:gradFill>
+            <a:gsLst>
+              <a:gs pos="0">
+                <a:schemeClr val="accent1">
+                  <a:lumMod val="90000"/>
+                </a:schemeClr>
+              </a:gs>
+              <a:gs pos="25000">
+                <a:schemeClr val="accent1">
+                  <a:lumMod val="90000"/>
+                </a:schemeClr>
+              </a:gs>
+              <a:gs pos="94000">
+                <a:schemeClr val="bg2">
+                  <a:lumMod val="25000"/>
+                </a:schemeClr>
+              </a:gs>
+              <a:gs pos="100000">
+                <a:schemeClr val="bg2">
+                  <a:lumMod val="25000"/>
+                </a:schemeClr>
+              </a:gs>
+            </a:gsLst>
+            <a:lin ang="4200000" scaled="0"/>
+          </a:gradFill>
+          <a:ln>
+            <a:noFill/>
+          </a:ln>
+        </p:spPr>
+        <p:style>
+          <a:lnRef idx="2">
+            <a:schemeClr val="accent1">
+              <a:shade val="50000"/>
+            </a:schemeClr>
+          </a:lnRef>
+          <a:fillRef idx="1">
+            <a:schemeClr val="accent1"/>
+          </a:fillRef>
+          <a:effectRef idx="0">
+            <a:schemeClr val="accent1"/>
+          </a:effectRef>
+          <a:fontRef idx="minor">
+            <a:schemeClr val="lt1"/>
+          </a:fontRef>
+        </p:style>
+        <p:txBody>
+          <a:bodyPr rtlCol="0" anchor="ctr"/>
+          <a:lstStyle/>
+          <a:p>
+            <a:pPr algn="ctr"/>
+            <a:endParaRPr lang="en-US"/>
+          </a:p>
+        </p:txBody>
+      </p:sp>
+      <p:pic>
+        <p:nvPicPr>
+          <p:cNvPr id="12" name="Picture 11">
+            <a:extLst>
+              <a:ext uri="{FF2B5EF4-FFF2-40B4-BE49-F238E27FC236}">
+                <a16:creationId xmlns:a16="http://schemas.microsoft.com/office/drawing/2014/main" id="{2897127E-6CEF-446C-BE87-93B7C46E49D1}"/>
+              </a:ext>
+              <a:ext uri="{C183D7F6-B498-43B3-948B-1728B52AA6E4}">
+                <adec:decorative xmlns:adec="http://schemas.microsoft.com/office/drawing/2017/decorative" val="1"/>
+              </a:ext>
+            </a:extLst>
+          </p:cNvPr>
+          <p:cNvPicPr>
+            <a:picLocks noGrp="1" noRot="1" noChangeAspect="1" noMove="1" noResize="1" noEditPoints="1" noAdjustHandles="1" noChangeArrowheads="1" noChangeShapeType="1" noCrop="1"/>
+          </p:cNvPicPr>
+          <p:nvPr>
+            <p:extLst>
+              <p:ext uri="{386F3935-93C4-4BCD-93E2-E3B085C9AB24}">
+                <p16:designElem xmlns:p16="http://schemas.microsoft.com/office/powerpoint/2015/main" val="1"/>
+              </p:ext>
+            </p:extLst>
+          </p:nvPr>
+        </p:nvPicPr>
+        <p:blipFill>
+          <a:blip r:embed="rId2">
+            <a:extLst>
+              <a:ext uri="{28A0092B-C50C-407E-A947-70E740481C1C}">
+                <a14:useLocalDpi xmlns:a14="http://schemas.microsoft.com/office/drawing/2010/main" val="0"/>
+              </a:ext>
+            </a:extLst>
+          </a:blip>
+          <a:stretch>
+            <a:fillRect/>
+          </a:stretch>
+        </p:blipFill>
+        <p:spPr>
+          <a:xfrm>
+            <a:off x="0" y="0"/>
+            <a:ext cx="12192000" cy="6858000"/>
+          </a:xfrm>
+          <a:prstGeom prst="rect">
+            <a:avLst/>
+          </a:prstGeom>
+        </p:spPr>
+      </p:pic>
       <p:sp>
         <p:nvSpPr>
           <p:cNvPr id="2" name="Otsikko 1">
@@ -3449,18 +3785,25 @@
             <p:ph type="title"/>
           </p:nvPr>
         </p:nvSpPr>
-        <p:spPr/>
-        <p:txBody>
-          <a:bodyPr/>
-          <a:lstStyle/>
-          <a:p>
-            <a:r>
-              <a:rPr lang="fi-FI" dirty="0" err="1"/>
-              <a:t>Why</a:t>
-            </a:r>
-            <a:r>
-              <a:rPr lang="fi-FI" dirty="0"/>
-              <a:t>?</a:t>
+        <p:spPr>
+          <a:xfrm>
+            <a:off x="640079" y="2053641"/>
+            <a:ext cx="3669161" cy="2760098"/>
+          </a:xfrm>
+        </p:spPr>
+        <p:txBody>
+          <a:bodyPr>
+            <a:normAutofit/>
+          </a:bodyPr>
+          <a:lstStyle/>
+          <a:p>
+            <a:r>
+              <a:rPr lang="fi-FI">
+                <a:solidFill>
+                  <a:srgbClr val="FFFFFF"/>
+                </a:solidFill>
+              </a:rPr>
+              <a:t>Why?</a:t>
             </a:r>
           </a:p>
         </p:txBody>
@@ -3481,46 +3824,53 @@
             <p:ph idx="1"/>
           </p:nvPr>
         </p:nvSpPr>
-        <p:spPr/>
-        <p:txBody>
-          <a:bodyPr/>
-          <a:lstStyle/>
-          <a:p>
-            <a:r>
-              <a:rPr lang="fi-FI" dirty="0" err="1"/>
-              <a:t>Brackeys</a:t>
-            </a:r>
-            <a:r>
-              <a:rPr lang="fi-FI" dirty="0"/>
-              <a:t> Game Jam</a:t>
-            </a:r>
-          </a:p>
-          <a:p>
-            <a:r>
-              <a:rPr lang="fi-FI" dirty="0"/>
-              <a:t>ONE </a:t>
-            </a:r>
-            <a:r>
-              <a:rPr lang="fi-FI" dirty="0" err="1"/>
-              <a:t>week</a:t>
-            </a:r>
-            <a:r>
-              <a:rPr lang="fi-FI" dirty="0"/>
-              <a:t> 16.-23.2.2020</a:t>
-            </a:r>
-          </a:p>
-          <a:p>
-            <a:r>
-              <a:rPr lang="fi-FI" dirty="0" err="1"/>
-              <a:t>Theme</a:t>
-            </a:r>
-            <a:r>
-              <a:rPr lang="fi-FI" dirty="0"/>
-              <a:t>: HOLES</a:t>
-            </a:r>
-          </a:p>
-          <a:p>
-            <a:endParaRPr lang="fi-FI" dirty="0"/>
+        <p:spPr>
+          <a:xfrm>
+            <a:off x="6090574" y="801866"/>
+            <a:ext cx="5306084" cy="5230634"/>
+          </a:xfrm>
+        </p:spPr>
+        <p:txBody>
+          <a:bodyPr anchor="ctr">
+            <a:normAutofit/>
+          </a:bodyPr>
+          <a:lstStyle/>
+          <a:p>
+            <a:r>
+              <a:rPr lang="fi-FI" sz="2400">
+                <a:solidFill>
+                  <a:srgbClr val="000000"/>
+                </a:solidFill>
+              </a:rPr>
+              <a:t>Brackeys Game Jam</a:t>
+            </a:r>
+          </a:p>
+          <a:p>
+            <a:r>
+              <a:rPr lang="fi-FI" sz="2400">
+                <a:solidFill>
+                  <a:srgbClr val="000000"/>
+                </a:solidFill>
+              </a:rPr>
+              <a:t>ONE week 16.-23.2.2020</a:t>
+            </a:r>
+          </a:p>
+          <a:p>
+            <a:r>
+              <a:rPr lang="fi-FI" sz="2400">
+                <a:solidFill>
+                  <a:srgbClr val="000000"/>
+                </a:solidFill>
+              </a:rPr>
+              <a:t>Theme: HOLES</a:t>
+            </a:r>
+          </a:p>
+          <a:p>
+            <a:endParaRPr lang="fi-FI" sz="2400">
+              <a:solidFill>
+                <a:srgbClr val="000000"/>
+              </a:solidFill>
+            </a:endParaRPr>
           </a:p>
         </p:txBody>
       </p:sp>
@@ -3540,6 +3890,14 @@
 <file path=ppt/slides/slide3.xml><?xml version="1.0" encoding="utf-8"?>
 <p:sld xmlns:a="http://schemas.openxmlformats.org/drawingml/2006/main" xmlns:r="http://schemas.openxmlformats.org/officeDocument/2006/relationships" xmlns:p="http://schemas.openxmlformats.org/presentationml/2006/main">
   <p:cSld>
+    <p:bg>
+      <p:bgPr>
+        <a:solidFill>
+          <a:schemeClr val="bg1"/>
+        </a:solidFill>
+        <a:effectLst/>
+      </p:bgPr>
+    </p:bg>
     <p:spTree>
       <p:nvGrpSpPr>
         <p:cNvPr id="1" name=""/>
@@ -3554,6 +3912,196 @@
           <a:chExt cx="0" cy="0"/>
         </a:xfrm>
       </p:grpSpPr>
+      <p:sp useBgFill="1">
+        <p:nvSpPr>
+          <p:cNvPr id="15" name="Rectangle 14">
+            <a:extLst>
+              <a:ext uri="{FF2B5EF4-FFF2-40B4-BE49-F238E27FC236}">
+                <a16:creationId xmlns:a16="http://schemas.microsoft.com/office/drawing/2014/main" id="{3B854194-185D-494D-905C-7C7CB2E30F6E}"/>
+              </a:ext>
+              <a:ext uri="{C183D7F6-B498-43B3-948B-1728B52AA6E4}">
+                <adec:decorative xmlns:adec="http://schemas.microsoft.com/office/drawing/2017/decorative" val="1"/>
+              </a:ext>
+            </a:extLst>
+          </p:cNvPr>
+          <p:cNvSpPr>
+            <a:spLocks noGrp="1" noRot="1" noChangeAspect="1" noMove="1" noResize="1" noEditPoints="1" noAdjustHandles="1" noChangeArrowheads="1" noChangeShapeType="1" noTextEdit="1"/>
+          </p:cNvSpPr>
+          <p:nvPr>
+            <p:extLst>
+              <p:ext uri="{386F3935-93C4-4BCD-93E2-E3B085C9AB24}">
+                <p16:designElem xmlns:p16="http://schemas.microsoft.com/office/powerpoint/2015/main" val="1"/>
+              </p:ext>
+            </p:extLst>
+          </p:nvPr>
+        </p:nvSpPr>
+        <p:spPr>
+          <a:xfrm>
+            <a:off x="1" y="0"/>
+            <a:ext cx="6082110" cy="6858000"/>
+          </a:xfrm>
+          <a:prstGeom prst="rect">
+            <a:avLst/>
+          </a:prstGeom>
+          <a:ln>
+            <a:noFill/>
+          </a:ln>
+        </p:spPr>
+        <p:style>
+          <a:lnRef idx="2">
+            <a:schemeClr val="accent1">
+              <a:shade val="50000"/>
+            </a:schemeClr>
+          </a:lnRef>
+          <a:fillRef idx="1">
+            <a:schemeClr val="accent1"/>
+          </a:fillRef>
+          <a:effectRef idx="0">
+            <a:schemeClr val="accent1"/>
+          </a:effectRef>
+          <a:fontRef idx="minor">
+            <a:schemeClr val="lt1"/>
+          </a:fontRef>
+        </p:style>
+        <p:txBody>
+          <a:bodyPr rtlCol="0" anchor="ctr"/>
+          <a:lstStyle/>
+          <a:p>
+            <a:pPr algn="ctr"/>
+            <a:endParaRPr lang="en-US"/>
+          </a:p>
+        </p:txBody>
+      </p:sp>
+      <p:sp>
+        <p:nvSpPr>
+          <p:cNvPr id="17" name="Rectangle 16">
+            <a:extLst>
+              <a:ext uri="{FF2B5EF4-FFF2-40B4-BE49-F238E27FC236}">
+                <a16:creationId xmlns:a16="http://schemas.microsoft.com/office/drawing/2014/main" id="{B4F5FA0D-0104-4987-8241-EFF7C85B88DE}"/>
+              </a:ext>
+              <a:ext uri="{C183D7F6-B498-43B3-948B-1728B52AA6E4}">
+                <adec:decorative xmlns:adec="http://schemas.microsoft.com/office/drawing/2017/decorative" val="1"/>
+              </a:ext>
+            </a:extLst>
+          </p:cNvPr>
+          <p:cNvSpPr>
+            <a:spLocks noGrp="1" noRot="1" noChangeAspect="1" noMove="1" noResize="1" noEditPoints="1" noAdjustHandles="1" noChangeArrowheads="1" noChangeShapeType="1" noTextEdit="1"/>
+          </p:cNvSpPr>
+          <p:nvPr>
+            <p:extLst>
+              <p:ext uri="{386F3935-93C4-4BCD-93E2-E3B085C9AB24}">
+                <p16:designElem xmlns:p16="http://schemas.microsoft.com/office/powerpoint/2015/main" val="1"/>
+              </p:ext>
+            </p:extLst>
+          </p:nvPr>
+        </p:nvSpPr>
+        <p:spPr>
+          <a:xfrm>
+            <a:off x="1" y="0"/>
+            <a:ext cx="12191998" cy="6858000"/>
+          </a:xfrm>
+          <a:prstGeom prst="rect">
+            <a:avLst/>
+          </a:prstGeom>
+          <a:gradFill>
+            <a:gsLst>
+              <a:gs pos="0">
+                <a:schemeClr val="accent1">
+                  <a:lumMod val="90000"/>
+                </a:schemeClr>
+              </a:gs>
+              <a:gs pos="25000">
+                <a:schemeClr val="accent1">
+                  <a:lumMod val="90000"/>
+                </a:schemeClr>
+              </a:gs>
+              <a:gs pos="94000">
+                <a:schemeClr val="bg2">
+                  <a:lumMod val="25000"/>
+                </a:schemeClr>
+              </a:gs>
+              <a:gs pos="100000">
+                <a:schemeClr val="bg2">
+                  <a:lumMod val="25000"/>
+                </a:schemeClr>
+              </a:gs>
+            </a:gsLst>
+            <a:lin ang="4200000" scaled="0"/>
+          </a:gradFill>
+          <a:ln>
+            <a:noFill/>
+          </a:ln>
+        </p:spPr>
+        <p:style>
+          <a:lnRef idx="2">
+            <a:schemeClr val="accent1">
+              <a:shade val="50000"/>
+            </a:schemeClr>
+          </a:lnRef>
+          <a:fillRef idx="1">
+            <a:schemeClr val="accent1"/>
+          </a:fillRef>
+          <a:effectRef idx="0">
+            <a:schemeClr val="accent1"/>
+          </a:effectRef>
+          <a:fontRef idx="minor">
+            <a:schemeClr val="lt1"/>
+          </a:fontRef>
+        </p:style>
+        <p:txBody>
+          <a:bodyPr rtlCol="0" anchor="ctr"/>
+          <a:lstStyle/>
+          <a:p>
+            <a:pPr algn="ctr"/>
+            <a:endParaRPr lang="en-US"/>
+          </a:p>
+        </p:txBody>
+      </p:sp>
+      <p:pic>
+        <p:nvPicPr>
+          <p:cNvPr id="19" name="Picture 18">
+            <a:extLst>
+              <a:ext uri="{FF2B5EF4-FFF2-40B4-BE49-F238E27FC236}">
+                <a16:creationId xmlns:a16="http://schemas.microsoft.com/office/drawing/2014/main" id="{2897127E-6CEF-446C-BE87-93B7C46E49D1}"/>
+              </a:ext>
+              <a:ext uri="{C183D7F6-B498-43B3-948B-1728B52AA6E4}">
+                <adec:decorative xmlns:adec="http://schemas.microsoft.com/office/drawing/2017/decorative" val="1"/>
+              </a:ext>
+            </a:extLst>
+          </p:cNvPr>
+          <p:cNvPicPr>
+            <a:picLocks noGrp="1" noRot="1" noChangeAspect="1" noMove="1" noResize="1" noEditPoints="1" noAdjustHandles="1" noChangeArrowheads="1" noChangeShapeType="1" noCrop="1"/>
+          </p:cNvPicPr>
+          <p:nvPr>
+            <p:extLst>
+              <p:ext uri="{386F3935-93C4-4BCD-93E2-E3B085C9AB24}">
+                <p16:designElem xmlns:p16="http://schemas.microsoft.com/office/powerpoint/2015/main" val="1"/>
+              </p:ext>
+            </p:extLst>
+          </p:nvPr>
+        </p:nvPicPr>
+        <p:blipFill>
+          <a:blip r:embed="rId2">
+            <a:extLst>
+              <a:ext uri="{28A0092B-C50C-407E-A947-70E740481C1C}">
+                <a14:useLocalDpi xmlns:a14="http://schemas.microsoft.com/office/drawing/2010/main" val="0"/>
+              </a:ext>
+            </a:extLst>
+          </a:blip>
+          <a:stretch>
+            <a:fillRect/>
+          </a:stretch>
+        </p:blipFill>
+        <p:spPr>
+          <a:xfrm>
+            <a:off x="0" y="0"/>
+            <a:ext cx="12192000" cy="6858000"/>
+          </a:xfrm>
+          <a:prstGeom prst="rect">
+            <a:avLst/>
+          </a:prstGeom>
+        </p:spPr>
+      </p:pic>
       <p:sp>
         <p:nvSpPr>
           <p:cNvPr id="2" name="Otsikko 1">
@@ -3570,18 +4118,25 @@
             <p:ph type="title"/>
           </p:nvPr>
         </p:nvSpPr>
-        <p:spPr/>
-        <p:txBody>
-          <a:bodyPr/>
-          <a:lstStyle/>
-          <a:p>
-            <a:r>
-              <a:rPr lang="fi-FI" dirty="0" err="1"/>
-              <a:t>What</a:t>
-            </a:r>
-            <a:r>
-              <a:rPr lang="fi-FI" dirty="0"/>
-              <a:t>?</a:t>
+        <p:spPr>
+          <a:xfrm>
+            <a:off x="640079" y="2053641"/>
+            <a:ext cx="3669161" cy="2760098"/>
+          </a:xfrm>
+        </p:spPr>
+        <p:txBody>
+          <a:bodyPr>
+            <a:normAutofit/>
+          </a:bodyPr>
+          <a:lstStyle/>
+          <a:p>
+            <a:r>
+              <a:rPr lang="fi-FI">
+                <a:solidFill>
+                  <a:srgbClr val="FFFFFF"/>
+                </a:solidFill>
+              </a:rPr>
+              <a:t>What?</a:t>
             </a:r>
           </a:p>
         </p:txBody>
@@ -3602,60 +4157,99 @@
             <p:ph idx="1"/>
           </p:nvPr>
         </p:nvSpPr>
-        <p:spPr/>
-        <p:txBody>
-          <a:bodyPr/>
-          <a:lstStyle/>
-          <a:p>
-            <a:r>
-              <a:rPr lang="en-US" dirty="0"/>
-              <a:t>Let's bump up original "boring" Whack-A-Mole in a hole new level!</a:t>
-            </a:r>
-          </a:p>
-          <a:p>
-            <a:r>
-              <a:rPr lang="en-US" dirty="0"/>
-              <a:t>If you miss, mole will create a new hole.</a:t>
+        <p:spPr>
+          <a:xfrm>
+            <a:off x="6090574" y="801866"/>
+            <a:ext cx="5306084" cy="5230634"/>
+          </a:xfrm>
+        </p:spPr>
+        <p:txBody>
+          <a:bodyPr anchor="ctr">
+            <a:normAutofit/>
+          </a:bodyPr>
+          <a:lstStyle/>
+          <a:p>
+            <a:r>
+              <a:rPr lang="en-US" sz="2400">
+                <a:solidFill>
+                  <a:srgbClr val="000000"/>
+                </a:solidFill>
+              </a:rPr>
+              <a:t>We took classic Whack-A-Mole concept and gave it a hole new twist</a:t>
+            </a:r>
+          </a:p>
+          <a:p>
+            <a:r>
+              <a:rPr lang="en-US" sz="2400">
+                <a:solidFill>
+                  <a:srgbClr val="000000"/>
+                </a:solidFill>
+              </a:rPr>
+              <a:t>If you miss, mole will create a new hole</a:t>
             </a:r>
           </a:p>
           <a:p>
             <a:pPr lvl="1"/>
             <a:r>
-              <a:rPr lang="en-US" dirty="0"/>
+              <a:rPr lang="en-US">
+                <a:solidFill>
+                  <a:srgbClr val="000000"/>
+                </a:solidFill>
+              </a:rPr>
               <a:t>Lot of holes = Lot of moles</a:t>
             </a:r>
           </a:p>
           <a:p>
             <a:r>
-              <a:rPr lang="en-US" dirty="0"/>
+              <a:rPr lang="en-US" sz="2400">
+                <a:solidFill>
+                  <a:srgbClr val="000000"/>
+                </a:solidFill>
+              </a:rPr>
               <a:t>But you have Power Ups!</a:t>
             </a:r>
           </a:p>
           <a:p>
             <a:pPr lvl="1"/>
             <a:r>
-              <a:rPr lang="en-US" dirty="0"/>
+              <a:rPr lang="en-US">
+                <a:solidFill>
+                  <a:srgbClr val="000000"/>
+                </a:solidFill>
+              </a:rPr>
               <a:t>Planks</a:t>
             </a:r>
           </a:p>
           <a:p>
             <a:pPr lvl="1"/>
             <a:r>
-              <a:rPr lang="en-US" dirty="0"/>
+              <a:rPr lang="en-US">
+                <a:solidFill>
+                  <a:srgbClr val="000000"/>
+                </a:solidFill>
+              </a:rPr>
               <a:t>Water hose</a:t>
             </a:r>
           </a:p>
           <a:p>
             <a:pPr lvl="1"/>
             <a:r>
-              <a:rPr lang="en-US" dirty="0"/>
+              <a:rPr lang="en-US">
+                <a:solidFill>
+                  <a:srgbClr val="000000"/>
+                </a:solidFill>
+              </a:rPr>
               <a:t>Explosions</a:t>
             </a:r>
           </a:p>
           <a:p>
             <a:r>
-              <a:rPr lang="en-US" dirty="0"/>
-              <a:t>Try to kill all moles, before they get your avocados!</a:t>
+              <a:rPr lang="en-US" sz="2400">
+                <a:solidFill>
+                  <a:srgbClr val="000000"/>
+                </a:solidFill>
+              </a:rPr>
+              <a:t>Kill the moles before they get to the edge of the level!</a:t>
             </a:r>
           </a:p>
         </p:txBody>
@@ -3676,6 +4270,14 @@
 <file path=ppt/slides/slide4.xml><?xml version="1.0" encoding="utf-8"?>
 <p:sld xmlns:a="http://schemas.openxmlformats.org/drawingml/2006/main" xmlns:r="http://schemas.openxmlformats.org/officeDocument/2006/relationships" xmlns:p="http://schemas.openxmlformats.org/presentationml/2006/main">
   <p:cSld>
+    <p:bg>
+      <p:bgPr>
+        <a:solidFill>
+          <a:schemeClr val="bg1"/>
+        </a:solidFill>
+        <a:effectLst/>
+      </p:bgPr>
+    </p:bg>
     <p:spTree>
       <p:nvGrpSpPr>
         <p:cNvPr id="1" name=""/>
@@ -3690,6 +4292,196 @@
           <a:chExt cx="0" cy="0"/>
         </a:xfrm>
       </p:grpSpPr>
+      <p:sp useBgFill="1">
+        <p:nvSpPr>
+          <p:cNvPr id="8" name="Rectangle 7">
+            <a:extLst>
+              <a:ext uri="{FF2B5EF4-FFF2-40B4-BE49-F238E27FC236}">
+                <a16:creationId xmlns:a16="http://schemas.microsoft.com/office/drawing/2014/main" id="{3B854194-185D-494D-905C-7C7CB2E30F6E}"/>
+              </a:ext>
+              <a:ext uri="{C183D7F6-B498-43B3-948B-1728B52AA6E4}">
+                <adec:decorative xmlns:adec="http://schemas.microsoft.com/office/drawing/2017/decorative" val="1"/>
+              </a:ext>
+            </a:extLst>
+          </p:cNvPr>
+          <p:cNvSpPr>
+            <a:spLocks noGrp="1" noRot="1" noChangeAspect="1" noMove="1" noResize="1" noEditPoints="1" noAdjustHandles="1" noChangeArrowheads="1" noChangeShapeType="1" noTextEdit="1"/>
+          </p:cNvSpPr>
+          <p:nvPr>
+            <p:extLst>
+              <p:ext uri="{386F3935-93C4-4BCD-93E2-E3B085C9AB24}">
+                <p16:designElem xmlns:p16="http://schemas.microsoft.com/office/powerpoint/2015/main" val="1"/>
+              </p:ext>
+            </p:extLst>
+          </p:nvPr>
+        </p:nvSpPr>
+        <p:spPr>
+          <a:xfrm>
+            <a:off x="1" y="0"/>
+            <a:ext cx="6082110" cy="6858000"/>
+          </a:xfrm>
+          <a:prstGeom prst="rect">
+            <a:avLst/>
+          </a:prstGeom>
+          <a:ln>
+            <a:noFill/>
+          </a:ln>
+        </p:spPr>
+        <p:style>
+          <a:lnRef idx="2">
+            <a:schemeClr val="accent1">
+              <a:shade val="50000"/>
+            </a:schemeClr>
+          </a:lnRef>
+          <a:fillRef idx="1">
+            <a:schemeClr val="accent1"/>
+          </a:fillRef>
+          <a:effectRef idx="0">
+            <a:schemeClr val="accent1"/>
+          </a:effectRef>
+          <a:fontRef idx="minor">
+            <a:schemeClr val="lt1"/>
+          </a:fontRef>
+        </p:style>
+        <p:txBody>
+          <a:bodyPr rtlCol="0" anchor="ctr"/>
+          <a:lstStyle/>
+          <a:p>
+            <a:pPr algn="ctr"/>
+            <a:endParaRPr lang="en-US"/>
+          </a:p>
+        </p:txBody>
+      </p:sp>
+      <p:sp>
+        <p:nvSpPr>
+          <p:cNvPr id="10" name="Rectangle 9">
+            <a:extLst>
+              <a:ext uri="{FF2B5EF4-FFF2-40B4-BE49-F238E27FC236}">
+                <a16:creationId xmlns:a16="http://schemas.microsoft.com/office/drawing/2014/main" id="{B4F5FA0D-0104-4987-8241-EFF7C85B88DE}"/>
+              </a:ext>
+              <a:ext uri="{C183D7F6-B498-43B3-948B-1728B52AA6E4}">
+                <adec:decorative xmlns:adec="http://schemas.microsoft.com/office/drawing/2017/decorative" val="1"/>
+              </a:ext>
+            </a:extLst>
+          </p:cNvPr>
+          <p:cNvSpPr>
+            <a:spLocks noGrp="1" noRot="1" noChangeAspect="1" noMove="1" noResize="1" noEditPoints="1" noAdjustHandles="1" noChangeArrowheads="1" noChangeShapeType="1" noTextEdit="1"/>
+          </p:cNvSpPr>
+          <p:nvPr>
+            <p:extLst>
+              <p:ext uri="{386F3935-93C4-4BCD-93E2-E3B085C9AB24}">
+                <p16:designElem xmlns:p16="http://schemas.microsoft.com/office/powerpoint/2015/main" val="1"/>
+              </p:ext>
+            </p:extLst>
+          </p:nvPr>
+        </p:nvSpPr>
+        <p:spPr>
+          <a:xfrm>
+            <a:off x="1" y="0"/>
+            <a:ext cx="12191998" cy="6858000"/>
+          </a:xfrm>
+          <a:prstGeom prst="rect">
+            <a:avLst/>
+          </a:prstGeom>
+          <a:gradFill>
+            <a:gsLst>
+              <a:gs pos="0">
+                <a:schemeClr val="accent1">
+                  <a:lumMod val="90000"/>
+                </a:schemeClr>
+              </a:gs>
+              <a:gs pos="25000">
+                <a:schemeClr val="accent1">
+                  <a:lumMod val="90000"/>
+                </a:schemeClr>
+              </a:gs>
+              <a:gs pos="94000">
+                <a:schemeClr val="bg2">
+                  <a:lumMod val="25000"/>
+                </a:schemeClr>
+              </a:gs>
+              <a:gs pos="100000">
+                <a:schemeClr val="bg2">
+                  <a:lumMod val="25000"/>
+                </a:schemeClr>
+              </a:gs>
+            </a:gsLst>
+            <a:lin ang="4200000" scaled="0"/>
+          </a:gradFill>
+          <a:ln>
+            <a:noFill/>
+          </a:ln>
+        </p:spPr>
+        <p:style>
+          <a:lnRef idx="2">
+            <a:schemeClr val="accent1">
+              <a:shade val="50000"/>
+            </a:schemeClr>
+          </a:lnRef>
+          <a:fillRef idx="1">
+            <a:schemeClr val="accent1"/>
+          </a:fillRef>
+          <a:effectRef idx="0">
+            <a:schemeClr val="accent1"/>
+          </a:effectRef>
+          <a:fontRef idx="minor">
+            <a:schemeClr val="lt1"/>
+          </a:fontRef>
+        </p:style>
+        <p:txBody>
+          <a:bodyPr rtlCol="0" anchor="ctr"/>
+          <a:lstStyle/>
+          <a:p>
+            <a:pPr algn="ctr"/>
+            <a:endParaRPr lang="en-US"/>
+          </a:p>
+        </p:txBody>
+      </p:sp>
+      <p:pic>
+        <p:nvPicPr>
+          <p:cNvPr id="12" name="Picture 11">
+            <a:extLst>
+              <a:ext uri="{FF2B5EF4-FFF2-40B4-BE49-F238E27FC236}">
+                <a16:creationId xmlns:a16="http://schemas.microsoft.com/office/drawing/2014/main" id="{2897127E-6CEF-446C-BE87-93B7C46E49D1}"/>
+              </a:ext>
+              <a:ext uri="{C183D7F6-B498-43B3-948B-1728B52AA6E4}">
+                <adec:decorative xmlns:adec="http://schemas.microsoft.com/office/drawing/2017/decorative" val="1"/>
+              </a:ext>
+            </a:extLst>
+          </p:cNvPr>
+          <p:cNvPicPr>
+            <a:picLocks noGrp="1" noRot="1" noChangeAspect="1" noMove="1" noResize="1" noEditPoints="1" noAdjustHandles="1" noChangeArrowheads="1" noChangeShapeType="1" noCrop="1"/>
+          </p:cNvPicPr>
+          <p:nvPr>
+            <p:extLst>
+              <p:ext uri="{386F3935-93C4-4BCD-93E2-E3B085C9AB24}">
+                <p16:designElem xmlns:p16="http://schemas.microsoft.com/office/powerpoint/2015/main" val="1"/>
+              </p:ext>
+            </p:extLst>
+          </p:nvPr>
+        </p:nvPicPr>
+        <p:blipFill>
+          <a:blip r:embed="rId2">
+            <a:extLst>
+              <a:ext uri="{28A0092B-C50C-407E-A947-70E740481C1C}">
+                <a14:useLocalDpi xmlns:a14="http://schemas.microsoft.com/office/drawing/2010/main" val="0"/>
+              </a:ext>
+            </a:extLst>
+          </a:blip>
+          <a:stretch>
+            <a:fillRect/>
+          </a:stretch>
+        </p:blipFill>
+        <p:spPr>
+          <a:xfrm>
+            <a:off x="0" y="0"/>
+            <a:ext cx="12192000" cy="6858000"/>
+          </a:xfrm>
+          <a:prstGeom prst="rect">
+            <a:avLst/>
+          </a:prstGeom>
+        </p:spPr>
+      </p:pic>
       <p:sp>
         <p:nvSpPr>
           <p:cNvPr id="2" name="Otsikko 1">
@@ -3706,18 +4498,25 @@
             <p:ph type="title"/>
           </p:nvPr>
         </p:nvSpPr>
-        <p:spPr/>
-        <p:txBody>
-          <a:bodyPr/>
-          <a:lstStyle/>
-          <a:p>
-            <a:r>
-              <a:rPr lang="fi-FI" dirty="0" err="1"/>
-              <a:t>Who</a:t>
-            </a:r>
-            <a:r>
-              <a:rPr lang="fi-FI" dirty="0"/>
-              <a:t>?</a:t>
+        <p:spPr>
+          <a:xfrm>
+            <a:off x="640079" y="2053641"/>
+            <a:ext cx="3669161" cy="2760098"/>
+          </a:xfrm>
+        </p:spPr>
+        <p:txBody>
+          <a:bodyPr>
+            <a:normAutofit/>
+          </a:bodyPr>
+          <a:lstStyle/>
+          <a:p>
+            <a:r>
+              <a:rPr lang="fi-FI">
+                <a:solidFill>
+                  <a:srgbClr val="FFFFFF"/>
+                </a:solidFill>
+              </a:rPr>
+              <a:t>Who?</a:t>
             </a:r>
           </a:p>
         </p:txBody>
@@ -3738,91 +4537,108 @@
             <p:ph idx="1"/>
           </p:nvPr>
         </p:nvSpPr>
-        <p:spPr/>
-        <p:txBody>
-          <a:bodyPr/>
-          <a:lstStyle/>
-          <a:p>
-            <a:r>
-              <a:rPr lang="fi-FI" dirty="0"/>
-              <a:t>Team of </a:t>
-            </a:r>
-            <a:r>
-              <a:rPr lang="fi-FI" dirty="0" err="1"/>
-              <a:t>four</a:t>
-            </a:r>
-            <a:r>
-              <a:rPr lang="fi-FI" dirty="0"/>
-              <a:t>:</a:t>
-            </a:r>
-          </a:p>
-          <a:p>
-            <a:r>
-              <a:rPr lang="fi-FI" dirty="0"/>
+        <p:spPr>
+          <a:xfrm>
+            <a:off x="6090574" y="801866"/>
+            <a:ext cx="5306084" cy="5230634"/>
+          </a:xfrm>
+        </p:spPr>
+        <p:txBody>
+          <a:bodyPr anchor="ctr">
+            <a:normAutofit/>
+          </a:bodyPr>
+          <a:lstStyle/>
+          <a:p>
+            <a:r>
+              <a:rPr lang="fi-FI" sz="2400">
+                <a:solidFill>
+                  <a:srgbClr val="000000"/>
+                </a:solidFill>
+              </a:rPr>
+              <a:t>Team of four:</a:t>
+            </a:r>
+          </a:p>
+          <a:p>
+            <a:r>
+              <a:rPr lang="fi-FI" sz="2400">
+                <a:solidFill>
+                  <a:srgbClr val="000000"/>
+                </a:solidFill>
+              </a:rPr>
               <a:t>Pekka Kääriäinen </a:t>
             </a:r>
           </a:p>
           <a:p>
             <a:pPr lvl="1"/>
             <a:r>
-              <a:rPr lang="fi-FI" dirty="0"/>
+              <a:rPr lang="fi-FI">
+                <a:solidFill>
+                  <a:srgbClr val="000000"/>
+                </a:solidFill>
+              </a:rPr>
               <a:t>Programming + Design</a:t>
             </a:r>
           </a:p>
           <a:p>
             <a:r>
-              <a:rPr lang="fi-FI" dirty="0"/>
+              <a:rPr lang="fi-FI" sz="2400">
+                <a:solidFill>
+                  <a:srgbClr val="000000"/>
+                </a:solidFill>
+              </a:rPr>
               <a:t>Antero Patteri</a:t>
             </a:r>
           </a:p>
           <a:p>
             <a:pPr lvl="1"/>
             <a:r>
-              <a:rPr lang="fi-FI" dirty="0" err="1"/>
-              <a:t>Art</a:t>
-            </a:r>
-            <a:r>
-              <a:rPr lang="fi-FI" dirty="0"/>
-              <a:t> + Design</a:t>
-            </a:r>
-          </a:p>
-          <a:p>
-            <a:r>
-              <a:rPr lang="fi-FI" dirty="0" err="1"/>
-              <a:t>Cerdic</a:t>
-            </a:r>
-            <a:r>
-              <a:rPr lang="fi-FI" dirty="0"/>
-              <a:t> </a:t>
-            </a:r>
-            <a:r>
-              <a:rPr lang="fi-FI" dirty="0" err="1"/>
-              <a:t>Voncken</a:t>
-            </a:r>
-            <a:endParaRPr lang="fi-FI" dirty="0"/>
+              <a:rPr lang="fi-FI">
+                <a:solidFill>
+                  <a:srgbClr val="000000"/>
+                </a:solidFill>
+              </a:rPr>
+              <a:t>Art + Design</a:t>
+            </a:r>
+          </a:p>
+          <a:p>
+            <a:r>
+              <a:rPr lang="fi-FI" sz="2400">
+                <a:solidFill>
+                  <a:srgbClr val="000000"/>
+                </a:solidFill>
+              </a:rPr>
+              <a:t>Cerdic Voncken</a:t>
+            </a:r>
           </a:p>
           <a:p>
             <a:pPr lvl="1"/>
             <a:r>
-              <a:rPr lang="fi-FI" dirty="0"/>
+              <a:rPr lang="fi-FI">
+                <a:solidFill>
+                  <a:srgbClr val="000000"/>
+                </a:solidFill>
+              </a:rPr>
               <a:t>Programming</a:t>
             </a:r>
           </a:p>
           <a:p>
             <a:r>
-              <a:rPr lang="fi-FI" dirty="0"/>
-              <a:t>Nick </a:t>
-            </a:r>
-            <a:r>
-              <a:rPr lang="fi-FI" dirty="0" err="1"/>
-              <a:t>Hermsen</a:t>
-            </a:r>
-            <a:endParaRPr lang="fi-FI" dirty="0"/>
+              <a:rPr lang="fi-FI" sz="2400">
+                <a:solidFill>
+                  <a:srgbClr val="000000"/>
+                </a:solidFill>
+              </a:rPr>
+              <a:t>Nick Hermsen</a:t>
+            </a:r>
           </a:p>
           <a:p>
             <a:pPr lvl="1"/>
             <a:r>
-              <a:rPr lang="fi-FI" dirty="0"/>
+              <a:rPr lang="fi-FI">
+                <a:solidFill>
+                  <a:srgbClr val="000000"/>
+                </a:solidFill>
+              </a:rPr>
               <a:t>Sound + Music</a:t>
             </a:r>
           </a:p>
@@ -3844,6 +4660,14 @@
 <file path=ppt/slides/slide5.xml><?xml version="1.0" encoding="utf-8"?>
 <p:sld xmlns:a="http://schemas.openxmlformats.org/drawingml/2006/main" xmlns:r="http://schemas.openxmlformats.org/officeDocument/2006/relationships" xmlns:p="http://schemas.openxmlformats.org/presentationml/2006/main">
   <p:cSld>
+    <p:bg>
+      <p:bgPr>
+        <a:solidFill>
+          <a:schemeClr val="bg1"/>
+        </a:solidFill>
+        <a:effectLst/>
+      </p:bgPr>
+    </p:bg>
     <p:spTree>
       <p:nvGrpSpPr>
         <p:cNvPr id="1" name=""/>
@@ -3860,6 +4684,136 @@
       </p:grpSpPr>
       <p:sp>
         <p:nvSpPr>
+          <p:cNvPr id="8" name="Rectangle 7">
+            <a:extLst>
+              <a:ext uri="{FF2B5EF4-FFF2-40B4-BE49-F238E27FC236}">
+                <a16:creationId xmlns:a16="http://schemas.microsoft.com/office/drawing/2014/main" id="{4351DFE5-F63D-4BE0-BDA9-E3EB88F01AA5}"/>
+              </a:ext>
+              <a:ext uri="{C183D7F6-B498-43B3-948B-1728B52AA6E4}">
+                <adec:decorative xmlns:adec="http://schemas.microsoft.com/office/drawing/2017/decorative" val="1"/>
+              </a:ext>
+            </a:extLst>
+          </p:cNvPr>
+          <p:cNvSpPr>
+            <a:spLocks noGrp="1" noRot="1" noChangeAspect="1" noMove="1" noResize="1" noEditPoints="1" noAdjustHandles="1" noChangeArrowheads="1" noChangeShapeType="1" noTextEdit="1"/>
+          </p:cNvSpPr>
+          <p:nvPr>
+            <p:extLst>
+              <p:ext uri="{386F3935-93C4-4BCD-93E2-E3B085C9AB24}">
+                <p16:designElem xmlns:p16="http://schemas.microsoft.com/office/powerpoint/2015/main" val="1"/>
+              </p:ext>
+            </p:extLst>
+          </p:nvPr>
+        </p:nvSpPr>
+        <p:spPr>
+          <a:xfrm>
+            <a:off x="355601" y="0"/>
+            <a:ext cx="11480494" cy="2753936"/>
+          </a:xfrm>
+          <a:prstGeom prst="rect">
+            <a:avLst/>
+          </a:prstGeom>
+          <a:gradFill>
+            <a:gsLst>
+              <a:gs pos="0">
+                <a:schemeClr val="accent1">
+                  <a:lumMod val="90000"/>
+                </a:schemeClr>
+              </a:gs>
+              <a:gs pos="25000">
+                <a:schemeClr val="accent1">
+                  <a:lumMod val="90000"/>
+                </a:schemeClr>
+              </a:gs>
+              <a:gs pos="94000">
+                <a:schemeClr val="bg2">
+                  <a:lumMod val="25000"/>
+                </a:schemeClr>
+              </a:gs>
+              <a:gs pos="100000">
+                <a:schemeClr val="bg2">
+                  <a:lumMod val="25000"/>
+                </a:schemeClr>
+              </a:gs>
+            </a:gsLst>
+            <a:lin ang="4200000" scaled="0"/>
+          </a:gradFill>
+          <a:ln>
+            <a:noFill/>
+          </a:ln>
+        </p:spPr>
+        <p:style>
+          <a:lnRef idx="2">
+            <a:schemeClr val="accent1">
+              <a:shade val="50000"/>
+            </a:schemeClr>
+          </a:lnRef>
+          <a:fillRef idx="1">
+            <a:schemeClr val="accent1"/>
+          </a:fillRef>
+          <a:effectRef idx="0">
+            <a:schemeClr val="accent1"/>
+          </a:effectRef>
+          <a:fontRef idx="minor">
+            <a:schemeClr val="lt1"/>
+          </a:fontRef>
+        </p:style>
+        <p:txBody>
+          <a:bodyPr rtlCol="0" anchor="ctr"/>
+          <a:lstStyle/>
+          <a:p>
+            <a:pPr algn="ctr"/>
+            <a:endParaRPr lang="en-US"/>
+          </a:p>
+        </p:txBody>
+      </p:sp>
+      <p:pic>
+        <p:nvPicPr>
+          <p:cNvPr id="10" name="Picture 9">
+            <a:extLst>
+              <a:ext uri="{FF2B5EF4-FFF2-40B4-BE49-F238E27FC236}">
+                <a16:creationId xmlns:a16="http://schemas.microsoft.com/office/drawing/2014/main" id="{3AA16612-ACD2-4A16-8F2B-4514FD6BF28F}"/>
+              </a:ext>
+              <a:ext uri="{C183D7F6-B498-43B3-948B-1728B52AA6E4}">
+                <adec:decorative xmlns:adec="http://schemas.microsoft.com/office/drawing/2017/decorative" val="1"/>
+              </a:ext>
+            </a:extLst>
+          </p:cNvPr>
+          <p:cNvPicPr>
+            <a:picLocks noGrp="1" noRot="1" noChangeAspect="1" noMove="1" noResize="1" noEditPoints="1" noAdjustHandles="1" noChangeArrowheads="1" noChangeShapeType="1" noCrop="1"/>
+          </p:cNvPicPr>
+          <p:nvPr>
+            <p:extLst>
+              <p:ext uri="{386F3935-93C4-4BCD-93E2-E3B085C9AB24}">
+                <p16:designElem xmlns:p16="http://schemas.microsoft.com/office/powerpoint/2015/main" val="1"/>
+              </p:ext>
+            </p:extLst>
+          </p:nvPr>
+        </p:nvPicPr>
+        <p:blipFill>
+          <a:blip r:embed="rId2">
+            <a:extLst>
+              <a:ext uri="{28A0092B-C50C-407E-A947-70E740481C1C}">
+                <a14:useLocalDpi xmlns:a14="http://schemas.microsoft.com/office/drawing/2010/main" val="0"/>
+              </a:ext>
+            </a:extLst>
+          </a:blip>
+          <a:stretch>
+            <a:fillRect/>
+          </a:stretch>
+        </p:blipFill>
+        <p:spPr>
+          <a:xfrm>
+            <a:off x="0" y="0"/>
+            <a:ext cx="12192000" cy="6858000"/>
+          </a:xfrm>
+          <a:prstGeom prst="rect">
+            <a:avLst/>
+          </a:prstGeom>
+        </p:spPr>
+      </p:pic>
+      <p:sp>
+        <p:nvSpPr>
           <p:cNvPr id="2" name="Otsikko 1">
             <a:extLst>
               <a:ext uri="{FF2B5EF4-FFF2-40B4-BE49-F238E27FC236}">
@@ -3874,34 +4828,66 @@
             <p:ph type="title"/>
           </p:nvPr>
         </p:nvSpPr>
-        <p:spPr/>
-        <p:txBody>
-          <a:bodyPr/>
-          <a:lstStyle/>
-          <a:p>
-            <a:r>
-              <a:rPr lang="fi-FI" dirty="0" err="1"/>
+        <p:spPr>
+          <a:xfrm>
+            <a:off x="1179226" y="826680"/>
+            <a:ext cx="9833548" cy="1325563"/>
+          </a:xfrm>
+        </p:spPr>
+        <p:txBody>
+          <a:bodyPr>
+            <a:normAutofit/>
+          </a:bodyPr>
+          <a:lstStyle/>
+          <a:p>
+            <a:pPr algn="ctr"/>
+            <a:r>
+              <a:rPr lang="fi-FI" sz="4000" dirty="0" err="1">
+                <a:solidFill>
+                  <a:srgbClr val="FFFFFF"/>
+                </a:solidFill>
+              </a:rPr>
               <a:t>Where</a:t>
             </a:r>
             <a:r>
-              <a:rPr lang="fi-FI" dirty="0"/>
+              <a:rPr lang="fi-FI" sz="4000" dirty="0">
+                <a:solidFill>
+                  <a:srgbClr val="FFFFFF"/>
+                </a:solidFill>
+              </a:rPr>
               <a:t> I </a:t>
             </a:r>
             <a:r>
-              <a:rPr lang="fi-FI" dirty="0" err="1"/>
+              <a:rPr lang="fi-FI" sz="4000" dirty="0" err="1">
+                <a:solidFill>
+                  <a:srgbClr val="FFFFFF"/>
+                </a:solidFill>
+              </a:rPr>
               <a:t>can</a:t>
             </a:r>
             <a:r>
-              <a:rPr lang="fi-FI" dirty="0"/>
+              <a:rPr lang="fi-FI" sz="4000" dirty="0">
+                <a:solidFill>
+                  <a:srgbClr val="FFFFFF"/>
+                </a:solidFill>
+              </a:rPr>
               <a:t> </a:t>
             </a:r>
             <a:r>
-              <a:rPr lang="fi-FI" dirty="0" err="1"/>
+              <a:rPr lang="fi-FI" sz="4000" dirty="0" err="1">
+                <a:solidFill>
+                  <a:srgbClr val="FFFFFF"/>
+                </a:solidFill>
+              </a:rPr>
               <a:t>download</a:t>
             </a:r>
             <a:r>
-              <a:rPr lang="fi-FI" dirty="0"/>
-              <a:t>?</a:t>
+              <a:rPr lang="fi-FI" sz="4000" dirty="0">
+                <a:solidFill>
+                  <a:srgbClr val="FFFFFF"/>
+                </a:solidFill>
+              </a:rPr>
+              <a:t> it?</a:t>
             </a:r>
           </a:p>
         </p:txBody>
@@ -3922,57 +4908,104 @@
             <p:ph idx="1"/>
           </p:nvPr>
         </p:nvSpPr>
-        <p:spPr/>
-        <p:txBody>
-          <a:bodyPr/>
-          <a:lstStyle/>
-          <a:p>
-            <a:r>
-              <a:rPr lang="fi-FI" dirty="0"/>
+        <p:spPr>
+          <a:xfrm>
+            <a:off x="1179226" y="3092970"/>
+            <a:ext cx="9833548" cy="2693976"/>
+          </a:xfrm>
+        </p:spPr>
+        <p:txBody>
+          <a:bodyPr>
+            <a:normAutofit/>
+          </a:bodyPr>
+          <a:lstStyle/>
+          <a:p>
+            <a:pPr marL="0" indent="0" algn="ctr">
+              <a:buNone/>
+            </a:pPr>
+            <a:r>
+              <a:rPr lang="fi-FI" sz="3600" dirty="0">
+                <a:solidFill>
+                  <a:srgbClr val="000000"/>
+                </a:solidFill>
+              </a:rPr>
               <a:t>Itch.io </a:t>
             </a:r>
             <a:r>
-              <a:rPr lang="fi-FI" dirty="0" err="1"/>
+              <a:rPr lang="fi-FI" sz="3600" dirty="0" err="1">
+                <a:solidFill>
+                  <a:srgbClr val="000000"/>
+                </a:solidFill>
+              </a:rPr>
               <a:t>search</a:t>
             </a:r>
             <a:r>
-              <a:rPr lang="fi-FI" dirty="0"/>
+              <a:rPr lang="fi-FI" sz="3600" dirty="0">
+                <a:solidFill>
+                  <a:srgbClr val="000000"/>
+                </a:solidFill>
+              </a:rPr>
               <a:t> </a:t>
             </a:r>
             <a:r>
-              <a:rPr lang="fi-FI" sz="3200" b="1" dirty="0"/>
+              <a:rPr lang="fi-FI" sz="3600" b="1" dirty="0">
+                <a:solidFill>
+                  <a:srgbClr val="000000"/>
+                </a:solidFill>
+              </a:rPr>
               <a:t>Quack-A-</a:t>
             </a:r>
             <a:r>
-              <a:rPr lang="fi-FI" sz="3200" b="1" dirty="0" err="1"/>
+              <a:rPr lang="fi-FI" sz="3600" b="1" dirty="0" err="1">
+                <a:solidFill>
+                  <a:srgbClr val="000000"/>
+                </a:solidFill>
+              </a:rPr>
               <a:t>Moley</a:t>
             </a:r>
-            <a:endParaRPr lang="fi-FI" b="1" dirty="0">
-              <a:hlinkClick r:id="rId2"/>
+            <a:endParaRPr lang="fi-FI" sz="3600" b="1" dirty="0">
+              <a:solidFill>
+                <a:srgbClr val="000000"/>
+              </a:solidFill>
+              <a:hlinkClick r:id="rId3"/>
             </a:endParaRPr>
           </a:p>
           <a:p>
-            <a:pPr marL="0" indent="0">
+            <a:pPr marL="0" indent="0" algn="ctr">
               <a:buNone/>
             </a:pPr>
             <a:endParaRPr lang="fi-FI" sz="3600" dirty="0">
-              <a:hlinkClick r:id="rId2"/>
+              <a:solidFill>
+                <a:srgbClr val="000000"/>
+              </a:solidFill>
+              <a:hlinkClick r:id="rId3"/>
             </a:endParaRPr>
           </a:p>
           <a:p>
-            <a:pPr marL="0" indent="0">
+            <a:pPr marL="0" indent="0" algn="ctr">
               <a:buNone/>
             </a:pPr>
             <a:r>
               <a:rPr lang="fi-FI" sz="3600" dirty="0">
-                <a:hlinkClick r:id="rId2"/>
+                <a:solidFill>
+                  <a:srgbClr val="000000"/>
+                </a:solidFill>
+                <a:hlinkClick r:id="rId3"/>
               </a:rPr>
               <a:t>https://gentlemanni.itch.io/quack-a-moley</a:t>
             </a:r>
-            <a:endParaRPr lang="fi-FI" sz="3600" dirty="0"/>
-          </a:p>
-          <a:p>
-            <a:endParaRPr lang="fi-FI" dirty="0"/>
+            <a:endParaRPr lang="fi-FI" sz="3600" dirty="0">
+              <a:solidFill>
+                <a:srgbClr val="000000"/>
+              </a:solidFill>
+            </a:endParaRPr>
+          </a:p>
+          <a:p>
+            <a:endParaRPr lang="fi-FI" sz="2000" dirty="0">
+              <a:solidFill>
+                <a:srgbClr val="000000"/>
+              </a:solidFill>
+            </a:endParaRPr>
           </a:p>
         </p:txBody>
       </p:sp>
@@ -3992,7 +5025,7 @@
 <file path=ppt/theme/theme1.xml><?xml version="1.0" encoding="utf-8"?>
 <a:theme xmlns:a="http://schemas.openxmlformats.org/drawingml/2006/main" name="Office-teema">
   <a:themeElements>
-    <a:clrScheme name="Office">
+    <a:clrScheme name="Iltarusko">
       <a:dk1>
         <a:sysClr val="windowText" lastClr="000000"/>
       </a:dk1>
@@ -4000,34 +5033,34 @@
         <a:sysClr val="window" lastClr="FFFFFF"/>
       </a:lt1>
       <a:dk2>
-        <a:srgbClr val="44546A"/>
+        <a:srgbClr val="323232"/>
       </a:dk2>
       <a:lt2>
-        <a:srgbClr val="E7E6E6"/>
+        <a:srgbClr val="E3DED1"/>
       </a:lt2>
       <a:accent1>
-        <a:srgbClr val="4472C4"/>
+        <a:srgbClr val="F07F09"/>
       </a:accent1>
       <a:accent2>
-        <a:srgbClr val="ED7D31"/>
+        <a:srgbClr val="9F2936"/>
       </a:accent2>
       <a:accent3>
-        <a:srgbClr val="A5A5A5"/>
+        <a:srgbClr val="1B587C"/>
       </a:accent3>
       <a:accent4>
-        <a:srgbClr val="FFC000"/>
+        <a:srgbClr val="4E8542"/>
       </a:accent4>
       <a:accent5>
-        <a:srgbClr val="5B9BD5"/>
+        <a:srgbClr val="604878"/>
       </a:accent5>
       <a:accent6>
-        <a:srgbClr val="70AD47"/>
+        <a:srgbClr val="C19859"/>
       </a:accent6>
       <a:hlink>
-        <a:srgbClr val="0563C1"/>
+        <a:srgbClr val="6B9F25"/>
       </a:hlink>
       <a:folHlink>
-        <a:srgbClr val="954F72"/>
+        <a:srgbClr val="B26B02"/>
       </a:folHlink>
     </a:clrScheme>
     <a:fontScheme name="Office">

--- a/Quack-A-Moley.pptx
+++ b/Quack-A-Moley.pptx
@@ -3463,84 +3463,49 @@
           </a:prstGeom>
         </p:spPr>
       </p:pic>
-      <p:sp>
-        <p:nvSpPr>
-          <p:cNvPr id="2" name="Otsikko 1">
-            <a:extLst>
-              <a:ext uri="{FF2B5EF4-FFF2-40B4-BE49-F238E27FC236}">
-                <a16:creationId xmlns:a16="http://schemas.microsoft.com/office/drawing/2014/main" id="{EA4DEA2F-4A97-440E-B10F-CEF865CD5102}"/>
-              </a:ext>
-            </a:extLst>
-          </p:cNvPr>
-          <p:cNvSpPr>
-            <a:spLocks noGrp="1"/>
-          </p:cNvSpPr>
-          <p:nvPr>
-            <p:ph type="ctrTitle"/>
-          </p:nvPr>
-        </p:nvSpPr>
+      <p:pic>
+        <p:nvPicPr>
+          <p:cNvPr id="5" name="Kuva 4" descr="Kuva, joka sisältää kohteen merkki&#10;&#10;Kuvaus luotu automaattisesti">
+            <a:extLst>
+              <a:ext uri="{FF2B5EF4-FFF2-40B4-BE49-F238E27FC236}">
+                <a16:creationId xmlns:a16="http://schemas.microsoft.com/office/drawing/2014/main" id="{78A04488-9B26-435A-8BC5-7AB2D0DF47A7}"/>
+              </a:ext>
+            </a:extLst>
+          </p:cNvPr>
+          <p:cNvPicPr>
+            <a:picLocks noChangeAspect="1"/>
+          </p:cNvPicPr>
+          <p:nvPr/>
+        </p:nvPicPr>
+        <p:blipFill>
+          <a:blip r:embed="rId3">
+            <a:extLst>
+              <a:ext uri="{28A0092B-C50C-407E-A947-70E740481C1C}">
+                <a14:useLocalDpi xmlns:a14="http://schemas.microsoft.com/office/drawing/2010/main" val="0"/>
+              </a:ext>
+            </a:extLst>
+          </a:blip>
+          <a:stretch>
+            <a:fillRect/>
+          </a:stretch>
+        </p:blipFill>
         <p:spPr>
-          <a:xfrm>
-            <a:off x="3045368" y="2043663"/>
-            <a:ext cx="6105194" cy="2031055"/>
+          <a:xfrm rot="456089">
+            <a:off x="2672930" y="509939"/>
+            <a:ext cx="6846139" cy="5838118"/>
           </a:xfrm>
+          <a:prstGeom prst="rect">
+            <a:avLst/>
+          </a:prstGeom>
+          <a:effectLst>
+            <a:outerShdw blurRad="76200" dist="63500" algn="l" rotWithShape="0">
+              <a:prstClr val="black">
+                <a:alpha val="40000"/>
+              </a:prstClr>
+            </a:outerShdw>
+          </a:effectLst>
         </p:spPr>
-        <p:txBody>
-          <a:bodyPr>
-            <a:normAutofit/>
-          </a:bodyPr>
-          <a:lstStyle/>
-          <a:p>
-            <a:r>
-              <a:rPr lang="fi-FI">
-                <a:solidFill>
-                  <a:srgbClr val="FFFFFF"/>
-                </a:solidFill>
-              </a:rPr>
-              <a:t>Quack-A-Moley</a:t>
-            </a:r>
-          </a:p>
-        </p:txBody>
-      </p:sp>
-      <p:sp>
-        <p:nvSpPr>
-          <p:cNvPr id="3" name="Alaotsikko 2">
-            <a:extLst>
-              <a:ext uri="{FF2B5EF4-FFF2-40B4-BE49-F238E27FC236}">
-                <a16:creationId xmlns:a16="http://schemas.microsoft.com/office/drawing/2014/main" id="{FBCE83C3-BEA8-4F43-9B70-47507879662B}"/>
-              </a:ext>
-            </a:extLst>
-          </p:cNvPr>
-          <p:cNvSpPr>
-            <a:spLocks noGrp="1"/>
-          </p:cNvSpPr>
-          <p:nvPr>
-            <p:ph type="subTitle" idx="1"/>
-          </p:nvPr>
-        </p:nvSpPr>
-        <p:spPr>
-          <a:xfrm>
-            <a:off x="3045368" y="4074718"/>
-            <a:ext cx="6105194" cy="682079"/>
-          </a:xfrm>
-        </p:spPr>
-        <p:txBody>
-          <a:bodyPr>
-            <a:normAutofit/>
-          </a:bodyPr>
-          <a:lstStyle/>
-          <a:p>
-            <a:r>
-              <a:rPr lang="fi-FI">
-                <a:solidFill>
-                  <a:srgbClr val="FFFFFF"/>
-                </a:solidFill>
-              </a:rPr>
-              <a:t>Whack-A-Moley In Stereoids</a:t>
-            </a:r>
-          </a:p>
-        </p:txBody>
-      </p:sp>
+      </p:pic>
     </p:spTree>
     <p:extLst>
       <p:ext uri="{BB962C8B-B14F-4D97-AF65-F5344CB8AC3E}">
@@ -3551,6 +3516,138 @@
   <p:clrMapOvr>
     <a:masterClrMapping/>
   </p:clrMapOvr>
+  <p:timing>
+    <p:tnLst>
+      <p:par>
+        <p:cTn id="1" dur="indefinite" restart="never" nodeType="tmRoot">
+          <p:childTnLst>
+            <p:seq concurrent="1" nextAc="seek">
+              <p:cTn id="2" dur="indefinite" nodeType="mainSeq">
+                <p:childTnLst>
+                  <p:par>
+                    <p:cTn id="3" fill="hold">
+                      <p:stCondLst>
+                        <p:cond delay="indefinite"/>
+                        <p:cond evt="onBegin" delay="0">
+                          <p:tn val="2"/>
+                        </p:cond>
+                      </p:stCondLst>
+                      <p:childTnLst>
+                        <p:par>
+                          <p:cTn id="4" fill="hold">
+                            <p:stCondLst>
+                              <p:cond delay="0"/>
+                            </p:stCondLst>
+                            <p:childTnLst>
+                              <p:par>
+                                <p:cTn id="5" presetID="53" presetClass="entr" presetSubtype="16" fill="hold" nodeType="afterEffect">
+                                  <p:stCondLst>
+                                    <p:cond delay="0"/>
+                                  </p:stCondLst>
+                                  <p:childTnLst>
+                                    <p:set>
+                                      <p:cBhvr>
+                                        <p:cTn id="6" dur="1" fill="hold">
+                                          <p:stCondLst>
+                                            <p:cond delay="0"/>
+                                          </p:stCondLst>
+                                        </p:cTn>
+                                        <p:tgtEl>
+                                          <p:spTgt spid="5"/>
+                                        </p:tgtEl>
+                                        <p:attrNameLst>
+                                          <p:attrName>style.visibility</p:attrName>
+                                        </p:attrNameLst>
+                                      </p:cBhvr>
+                                      <p:to>
+                                        <p:strVal val="visible"/>
+                                      </p:to>
+                                    </p:set>
+                                    <p:anim calcmode="lin" valueType="num">
+                                      <p:cBhvr>
+                                        <p:cTn id="7" dur="400" fill="hold"/>
+                                        <p:tgtEl>
+                                          <p:spTgt spid="5"/>
+                                        </p:tgtEl>
+                                        <p:attrNameLst>
+                                          <p:attrName>ppt_w</p:attrName>
+                                        </p:attrNameLst>
+                                      </p:cBhvr>
+                                      <p:tavLst>
+                                        <p:tav tm="0">
+                                          <p:val>
+                                            <p:fltVal val="0"/>
+                                          </p:val>
+                                        </p:tav>
+                                        <p:tav tm="100000">
+                                          <p:val>
+                                            <p:strVal val="#ppt_w"/>
+                                          </p:val>
+                                        </p:tav>
+                                      </p:tavLst>
+                                    </p:anim>
+                                    <p:anim calcmode="lin" valueType="num">
+                                      <p:cBhvr>
+                                        <p:cTn id="8" dur="400" fill="hold"/>
+                                        <p:tgtEl>
+                                          <p:spTgt spid="5"/>
+                                        </p:tgtEl>
+                                        <p:attrNameLst>
+                                          <p:attrName>ppt_h</p:attrName>
+                                        </p:attrNameLst>
+                                      </p:cBhvr>
+                                      <p:tavLst>
+                                        <p:tav tm="0">
+                                          <p:val>
+                                            <p:fltVal val="0"/>
+                                          </p:val>
+                                        </p:tav>
+                                        <p:tav tm="100000">
+                                          <p:val>
+                                            <p:strVal val="#ppt_h"/>
+                                          </p:val>
+                                        </p:tav>
+                                      </p:tavLst>
+                                    </p:anim>
+                                    <p:animEffect transition="in" filter="fade">
+                                      <p:cBhvr>
+                                        <p:cTn id="9" dur="400"/>
+                                        <p:tgtEl>
+                                          <p:spTgt spid="5"/>
+                                        </p:tgtEl>
+                                      </p:cBhvr>
+                                    </p:animEffect>
+                                  </p:childTnLst>
+                                </p:cTn>
+                              </p:par>
+                            </p:childTnLst>
+                          </p:cTn>
+                        </p:par>
+                      </p:childTnLst>
+                    </p:cTn>
+                  </p:par>
+                </p:childTnLst>
+              </p:cTn>
+              <p:prevCondLst>
+                <p:cond evt="onPrev" delay="0">
+                  <p:tgtEl>
+                    <p:sldTgt/>
+                  </p:tgtEl>
+                </p:cond>
+              </p:prevCondLst>
+              <p:nextCondLst>
+                <p:cond evt="onNext" delay="0">
+                  <p:tgtEl>
+                    <p:sldTgt/>
+                  </p:tgtEl>
+                </p:cond>
+              </p:nextCondLst>
+            </p:seq>
+          </p:childTnLst>
+        </p:cTn>
+      </p:par>
+    </p:tnLst>
+  </p:timing>
 </p:sld>
 </file>
 

--- a/Quack-A-Moley.pptx
+++ b/Quack-A-Moley.pptx
@@ -3490,7 +3490,7 @@
           </a:stretch>
         </p:blipFill>
         <p:spPr>
-          <a:xfrm rot="456089">
+          <a:xfrm rot="20922182">
             <a:off x="2672930" y="509939"/>
             <a:ext cx="6846139" cy="5838118"/>
           </a:xfrm>
@@ -3934,36 +3934,68 @@
           <a:lstStyle/>
           <a:p>
             <a:r>
-              <a:rPr lang="fi-FI" sz="2400">
+              <a:rPr lang="fi-FI" sz="2400" dirty="0" err="1">
                 <a:solidFill>
                   <a:srgbClr val="000000"/>
                 </a:solidFill>
               </a:rPr>
-              <a:t>Brackeys Game Jam</a:t>
-            </a:r>
-          </a:p>
-          <a:p>
-            <a:r>
-              <a:rPr lang="fi-FI" sz="2400">
+              <a:t>Brackeys</a:t>
+            </a:r>
+            <a:r>
+              <a:rPr lang="fi-FI" sz="2400" dirty="0">
                 <a:solidFill>
                   <a:srgbClr val="000000"/>
                 </a:solidFill>
               </a:rPr>
-              <a:t>ONE week 16.-23.2.2020</a:t>
-            </a:r>
-          </a:p>
-          <a:p>
-            <a:r>
-              <a:rPr lang="fi-FI" sz="2400">
+              <a:t> Game Jam</a:t>
+            </a:r>
+          </a:p>
+          <a:p>
+            <a:r>
+              <a:rPr lang="fi-FI" sz="2400" dirty="0">
                 <a:solidFill>
                   <a:srgbClr val="000000"/>
                 </a:solidFill>
               </a:rPr>
-              <a:t>Theme: HOLES</a:t>
-            </a:r>
-          </a:p>
-          <a:p>
-            <a:endParaRPr lang="fi-FI" sz="2400">
+              <a:t>ONE </a:t>
+            </a:r>
+            <a:r>
+              <a:rPr lang="fi-FI" sz="2400" dirty="0" err="1">
+                <a:solidFill>
+                  <a:srgbClr val="000000"/>
+                </a:solidFill>
+              </a:rPr>
+              <a:t>week</a:t>
+            </a:r>
+            <a:r>
+              <a:rPr lang="fi-FI" sz="2400" dirty="0">
+                <a:solidFill>
+                  <a:srgbClr val="000000"/>
+                </a:solidFill>
+              </a:rPr>
+              <a:t> 16.-23.2.2020</a:t>
+            </a:r>
+          </a:p>
+          <a:p>
+            <a:r>
+              <a:rPr lang="fi-FI" sz="2400" dirty="0" err="1">
+                <a:solidFill>
+                  <a:srgbClr val="000000"/>
+                </a:solidFill>
+              </a:rPr>
+              <a:t>Theme</a:t>
+            </a:r>
+            <a:r>
+              <a:rPr lang="fi-FI" sz="2400" dirty="0">
+                <a:solidFill>
+                  <a:srgbClr val="000000"/>
+                </a:solidFill>
+              </a:rPr>
+              <a:t>: HOLES</a:t>
+            </a:r>
+          </a:p>
+          <a:p>
+            <a:endParaRPr lang="fi-FI" sz="2400" dirty="0">
               <a:solidFill>
                 <a:srgbClr val="000000"/>
               </a:solidFill>
@@ -3981,6 +4013,390 @@
   <p:clrMapOvr>
     <a:masterClrMapping/>
   </p:clrMapOvr>
+  <p:transition spd="slow">
+    <p:push dir="u"/>
+  </p:transition>
+  <p:timing>
+    <p:tnLst>
+      <p:par>
+        <p:cTn id="1" dur="indefinite" restart="never" nodeType="tmRoot">
+          <p:childTnLst>
+            <p:seq concurrent="1" nextAc="seek">
+              <p:cTn id="2" dur="indefinite" nodeType="mainSeq">
+                <p:childTnLst>
+                  <p:par>
+                    <p:cTn id="3" fill="hold">
+                      <p:stCondLst>
+                        <p:cond delay="indefinite"/>
+                        <p:cond evt="onBegin" delay="0">
+                          <p:tn val="2"/>
+                        </p:cond>
+                      </p:stCondLst>
+                      <p:childTnLst>
+                        <p:par>
+                          <p:cTn id="4" fill="hold">
+                            <p:stCondLst>
+                              <p:cond delay="0"/>
+                            </p:stCondLst>
+                            <p:childTnLst>
+                              <p:par>
+                                <p:cTn id="5" presetID="42" presetClass="entr" presetSubtype="0" fill="hold" grpId="0" nodeType="afterEffect">
+                                  <p:stCondLst>
+                                    <p:cond delay="500"/>
+                                  </p:stCondLst>
+                                  <p:childTnLst>
+                                    <p:set>
+                                      <p:cBhvr>
+                                        <p:cTn id="6" dur="1" fill="hold">
+                                          <p:stCondLst>
+                                            <p:cond delay="0"/>
+                                          </p:stCondLst>
+                                        </p:cTn>
+                                        <p:tgtEl>
+                                          <p:spTgt spid="3">
+                                            <p:txEl>
+                                              <p:pRg st="0" end="0"/>
+                                            </p:txEl>
+                                          </p:spTgt>
+                                        </p:tgtEl>
+                                        <p:attrNameLst>
+                                          <p:attrName>style.visibility</p:attrName>
+                                        </p:attrNameLst>
+                                      </p:cBhvr>
+                                      <p:to>
+                                        <p:strVal val="visible"/>
+                                      </p:to>
+                                    </p:set>
+                                    <p:animEffect transition="in" filter="fade">
+                                      <p:cBhvr>
+                                        <p:cTn id="7" dur="1000"/>
+                                        <p:tgtEl>
+                                          <p:spTgt spid="3">
+                                            <p:txEl>
+                                              <p:pRg st="0" end="0"/>
+                                            </p:txEl>
+                                          </p:spTgt>
+                                        </p:tgtEl>
+                                      </p:cBhvr>
+                                    </p:animEffect>
+                                    <p:anim calcmode="lin" valueType="num">
+                                      <p:cBhvr>
+                                        <p:cTn id="8" dur="1000" fill="hold"/>
+                                        <p:tgtEl>
+                                          <p:spTgt spid="3">
+                                            <p:txEl>
+                                              <p:pRg st="0" end="0"/>
+                                            </p:txEl>
+                                          </p:spTgt>
+                                        </p:tgtEl>
+                                        <p:attrNameLst>
+                                          <p:attrName>ppt_x</p:attrName>
+                                        </p:attrNameLst>
+                                      </p:cBhvr>
+                                      <p:tavLst>
+                                        <p:tav tm="0">
+                                          <p:val>
+                                            <p:strVal val="#ppt_x"/>
+                                          </p:val>
+                                        </p:tav>
+                                        <p:tav tm="100000">
+                                          <p:val>
+                                            <p:strVal val="#ppt_x"/>
+                                          </p:val>
+                                        </p:tav>
+                                      </p:tavLst>
+                                    </p:anim>
+                                    <p:anim calcmode="lin" valueType="num">
+                                      <p:cBhvr>
+                                        <p:cTn id="9" dur="1000" fill="hold"/>
+                                        <p:tgtEl>
+                                          <p:spTgt spid="3">
+                                            <p:txEl>
+                                              <p:pRg st="0" end="0"/>
+                                            </p:txEl>
+                                          </p:spTgt>
+                                        </p:tgtEl>
+                                        <p:attrNameLst>
+                                          <p:attrName>ppt_y</p:attrName>
+                                        </p:attrNameLst>
+                                      </p:cBhvr>
+                                      <p:tavLst>
+                                        <p:tav tm="0">
+                                          <p:val>
+                                            <p:strVal val="#ppt_y+.1"/>
+                                          </p:val>
+                                        </p:tav>
+                                        <p:tav tm="100000">
+                                          <p:val>
+                                            <p:strVal val="#ppt_y"/>
+                                          </p:val>
+                                        </p:tav>
+                                      </p:tavLst>
+                                    </p:anim>
+                                  </p:childTnLst>
+                                </p:cTn>
+                              </p:par>
+                            </p:childTnLst>
+                          </p:cTn>
+                        </p:par>
+                      </p:childTnLst>
+                    </p:cTn>
+                  </p:par>
+                  <p:par>
+                    <p:cTn id="10" fill="hold">
+                      <p:stCondLst>
+                        <p:cond delay="indefinite"/>
+                      </p:stCondLst>
+                      <p:childTnLst>
+                        <p:par>
+                          <p:cTn id="11" fill="hold">
+                            <p:stCondLst>
+                              <p:cond delay="0"/>
+                            </p:stCondLst>
+                            <p:childTnLst>
+                              <p:par>
+                                <p:cTn id="12" presetID="42" presetClass="entr" presetSubtype="0" fill="hold" grpId="0" nodeType="clickEffect">
+                                  <p:stCondLst>
+                                    <p:cond delay="0"/>
+                                  </p:stCondLst>
+                                  <p:childTnLst>
+                                    <p:set>
+                                      <p:cBhvr>
+                                        <p:cTn id="13" dur="1" fill="hold">
+                                          <p:stCondLst>
+                                            <p:cond delay="0"/>
+                                          </p:stCondLst>
+                                        </p:cTn>
+                                        <p:tgtEl>
+                                          <p:spTgt spid="3">
+                                            <p:txEl>
+                                              <p:pRg st="1" end="1"/>
+                                            </p:txEl>
+                                          </p:spTgt>
+                                        </p:tgtEl>
+                                        <p:attrNameLst>
+                                          <p:attrName>style.visibility</p:attrName>
+                                        </p:attrNameLst>
+                                      </p:cBhvr>
+                                      <p:to>
+                                        <p:strVal val="visible"/>
+                                      </p:to>
+                                    </p:set>
+                                    <p:animEffect transition="in" filter="fade">
+                                      <p:cBhvr>
+                                        <p:cTn id="14" dur="1000"/>
+                                        <p:tgtEl>
+                                          <p:spTgt spid="3">
+                                            <p:txEl>
+                                              <p:pRg st="1" end="1"/>
+                                            </p:txEl>
+                                          </p:spTgt>
+                                        </p:tgtEl>
+                                      </p:cBhvr>
+                                    </p:animEffect>
+                                    <p:anim calcmode="lin" valueType="num">
+                                      <p:cBhvr>
+                                        <p:cTn id="15" dur="1000" fill="hold"/>
+                                        <p:tgtEl>
+                                          <p:spTgt spid="3">
+                                            <p:txEl>
+                                              <p:pRg st="1" end="1"/>
+                                            </p:txEl>
+                                          </p:spTgt>
+                                        </p:tgtEl>
+                                        <p:attrNameLst>
+                                          <p:attrName>ppt_x</p:attrName>
+                                        </p:attrNameLst>
+                                      </p:cBhvr>
+                                      <p:tavLst>
+                                        <p:tav tm="0">
+                                          <p:val>
+                                            <p:strVal val="#ppt_x"/>
+                                          </p:val>
+                                        </p:tav>
+                                        <p:tav tm="100000">
+                                          <p:val>
+                                            <p:strVal val="#ppt_x"/>
+                                          </p:val>
+                                        </p:tav>
+                                      </p:tavLst>
+                                    </p:anim>
+                                    <p:anim calcmode="lin" valueType="num">
+                                      <p:cBhvr>
+                                        <p:cTn id="16" dur="1000" fill="hold"/>
+                                        <p:tgtEl>
+                                          <p:spTgt spid="3">
+                                            <p:txEl>
+                                              <p:pRg st="1" end="1"/>
+                                            </p:txEl>
+                                          </p:spTgt>
+                                        </p:tgtEl>
+                                        <p:attrNameLst>
+                                          <p:attrName>ppt_y</p:attrName>
+                                        </p:attrNameLst>
+                                      </p:cBhvr>
+                                      <p:tavLst>
+                                        <p:tav tm="0">
+                                          <p:val>
+                                            <p:strVal val="#ppt_y+.1"/>
+                                          </p:val>
+                                        </p:tav>
+                                        <p:tav tm="100000">
+                                          <p:val>
+                                            <p:strVal val="#ppt_y"/>
+                                          </p:val>
+                                        </p:tav>
+                                      </p:tavLst>
+                                    </p:anim>
+                                  </p:childTnLst>
+                                </p:cTn>
+                              </p:par>
+                            </p:childTnLst>
+                          </p:cTn>
+                        </p:par>
+                      </p:childTnLst>
+                    </p:cTn>
+                  </p:par>
+                  <p:par>
+                    <p:cTn id="17" fill="hold">
+                      <p:stCondLst>
+                        <p:cond delay="indefinite"/>
+                      </p:stCondLst>
+                      <p:childTnLst>
+                        <p:par>
+                          <p:cTn id="18" fill="hold">
+                            <p:stCondLst>
+                              <p:cond delay="0"/>
+                            </p:stCondLst>
+                            <p:childTnLst>
+                              <p:par>
+                                <p:cTn id="19" presetID="42" presetClass="entr" presetSubtype="0" fill="hold" grpId="0" nodeType="clickEffect">
+                                  <p:stCondLst>
+                                    <p:cond delay="0"/>
+                                  </p:stCondLst>
+                                  <p:childTnLst>
+                                    <p:set>
+                                      <p:cBhvr>
+                                        <p:cTn id="20" dur="1" fill="hold">
+                                          <p:stCondLst>
+                                            <p:cond delay="0"/>
+                                          </p:stCondLst>
+                                        </p:cTn>
+                                        <p:tgtEl>
+                                          <p:spTgt spid="3">
+                                            <p:txEl>
+                                              <p:pRg st="2" end="2"/>
+                                            </p:txEl>
+                                          </p:spTgt>
+                                        </p:tgtEl>
+                                        <p:attrNameLst>
+                                          <p:attrName>style.visibility</p:attrName>
+                                        </p:attrNameLst>
+                                      </p:cBhvr>
+                                      <p:to>
+                                        <p:strVal val="visible"/>
+                                      </p:to>
+                                    </p:set>
+                                    <p:animEffect transition="in" filter="fade">
+                                      <p:cBhvr>
+                                        <p:cTn id="21" dur="1000"/>
+                                        <p:tgtEl>
+                                          <p:spTgt spid="3">
+                                            <p:txEl>
+                                              <p:pRg st="2" end="2"/>
+                                            </p:txEl>
+                                          </p:spTgt>
+                                        </p:tgtEl>
+                                      </p:cBhvr>
+                                    </p:animEffect>
+                                    <p:anim calcmode="lin" valueType="num">
+                                      <p:cBhvr>
+                                        <p:cTn id="22" dur="1000" fill="hold"/>
+                                        <p:tgtEl>
+                                          <p:spTgt spid="3">
+                                            <p:txEl>
+                                              <p:pRg st="2" end="2"/>
+                                            </p:txEl>
+                                          </p:spTgt>
+                                        </p:tgtEl>
+                                        <p:attrNameLst>
+                                          <p:attrName>ppt_x</p:attrName>
+                                        </p:attrNameLst>
+                                      </p:cBhvr>
+                                      <p:tavLst>
+                                        <p:tav tm="0">
+                                          <p:val>
+                                            <p:strVal val="#ppt_x"/>
+                                          </p:val>
+                                        </p:tav>
+                                        <p:tav tm="100000">
+                                          <p:val>
+                                            <p:strVal val="#ppt_x"/>
+                                          </p:val>
+                                        </p:tav>
+                                      </p:tavLst>
+                                    </p:anim>
+                                    <p:anim calcmode="lin" valueType="num">
+                                      <p:cBhvr>
+                                        <p:cTn id="23" dur="1000" fill="hold"/>
+                                        <p:tgtEl>
+                                          <p:spTgt spid="3">
+                                            <p:txEl>
+                                              <p:pRg st="2" end="2"/>
+                                            </p:txEl>
+                                          </p:spTgt>
+                                        </p:tgtEl>
+                                        <p:attrNameLst>
+                                          <p:attrName>ppt_y</p:attrName>
+                                        </p:attrNameLst>
+                                      </p:cBhvr>
+                                      <p:tavLst>
+                                        <p:tav tm="0">
+                                          <p:val>
+                                            <p:strVal val="#ppt_y+.1"/>
+                                          </p:val>
+                                        </p:tav>
+                                        <p:tav tm="100000">
+                                          <p:val>
+                                            <p:strVal val="#ppt_y"/>
+                                          </p:val>
+                                        </p:tav>
+                                      </p:tavLst>
+                                    </p:anim>
+                                  </p:childTnLst>
+                                </p:cTn>
+                              </p:par>
+                            </p:childTnLst>
+                          </p:cTn>
+                        </p:par>
+                      </p:childTnLst>
+                    </p:cTn>
+                  </p:par>
+                </p:childTnLst>
+              </p:cTn>
+              <p:prevCondLst>
+                <p:cond evt="onPrev" delay="0">
+                  <p:tgtEl>
+                    <p:sldTgt/>
+                  </p:tgtEl>
+                </p:cond>
+              </p:prevCondLst>
+              <p:nextCondLst>
+                <p:cond evt="onNext" delay="0">
+                  <p:tgtEl>
+                    <p:sldTgt/>
+                  </p:tgtEl>
+                </p:cond>
+              </p:nextCondLst>
+            </p:seq>
+          </p:childTnLst>
+        </p:cTn>
+      </p:par>
+    </p:tnLst>
+    <p:bldLst>
+      <p:bldP spid="3" grpId="0" uiExpand="1" build="p"/>
+    </p:bldLst>
+  </p:timing>
 </p:sld>
 </file>
 
@@ -4267,7 +4683,7 @@
           <a:lstStyle/>
           <a:p>
             <a:r>
-              <a:rPr lang="en-US" sz="2400">
+              <a:rPr lang="en-US" sz="2400" dirty="0">
                 <a:solidFill>
                   <a:srgbClr val="000000"/>
                 </a:solidFill>
@@ -4277,7 +4693,7 @@
           </a:p>
           <a:p>
             <a:r>
-              <a:rPr lang="en-US" sz="2400">
+              <a:rPr lang="en-US" sz="2400" dirty="0">
                 <a:solidFill>
                   <a:srgbClr val="000000"/>
                 </a:solidFill>
@@ -4288,28 +4704,28 @@
           <a:p>
             <a:pPr lvl="1"/>
             <a:r>
-              <a:rPr lang="en-US">
+              <a:rPr lang="en-US" sz="2000" dirty="0">
                 <a:solidFill>
                   <a:srgbClr val="000000"/>
                 </a:solidFill>
               </a:rPr>
-              <a:t>Lot of holes = Lot of moles</a:t>
-            </a:r>
-          </a:p>
-          <a:p>
-            <a:r>
-              <a:rPr lang="en-US" sz="2400">
+              <a:t>Lot of holes = Lot of moles = Lot of holes...</a:t>
+            </a:r>
+          </a:p>
+          <a:p>
+            <a:r>
+              <a:rPr lang="en-US" sz="2400" dirty="0">
                 <a:solidFill>
                   <a:srgbClr val="000000"/>
                 </a:solidFill>
               </a:rPr>
-              <a:t>But you have Power Ups!</a:t>
+              <a:t>But you can buy Power Ups!</a:t>
             </a:r>
           </a:p>
           <a:p>
             <a:pPr lvl="1"/>
             <a:r>
-              <a:rPr lang="en-US">
+              <a:rPr lang="en-US" dirty="0">
                 <a:solidFill>
                   <a:srgbClr val="000000"/>
                 </a:solidFill>
@@ -4320,7 +4736,7 @@
           <a:p>
             <a:pPr lvl="1"/>
             <a:r>
-              <a:rPr lang="en-US">
+              <a:rPr lang="en-US" dirty="0">
                 <a:solidFill>
                   <a:srgbClr val="000000"/>
                 </a:solidFill>
@@ -4331,7 +4747,7 @@
           <a:p>
             <a:pPr lvl="1"/>
             <a:r>
-              <a:rPr lang="en-US">
+              <a:rPr lang="en-US" dirty="0">
                 <a:solidFill>
                   <a:srgbClr val="000000"/>
                 </a:solidFill>
@@ -4341,7 +4757,7 @@
           </a:p>
           <a:p>
             <a:r>
-              <a:rPr lang="en-US" sz="2400">
+              <a:rPr lang="en-US" sz="2400" dirty="0">
                 <a:solidFill>
                   <a:srgbClr val="000000"/>
                 </a:solidFill>
@@ -4361,6 +4777,938 @@
   <p:clrMapOvr>
     <a:masterClrMapping/>
   </p:clrMapOvr>
+  <p:transition spd="slow">
+    <p:push dir="u"/>
+  </p:transition>
+  <p:timing>
+    <p:tnLst>
+      <p:par>
+        <p:cTn id="1" dur="indefinite" restart="never" nodeType="tmRoot">
+          <p:childTnLst>
+            <p:seq concurrent="1" nextAc="seek">
+              <p:cTn id="2" dur="indefinite" nodeType="mainSeq">
+                <p:childTnLst>
+                  <p:par>
+                    <p:cTn id="3" fill="hold">
+                      <p:stCondLst>
+                        <p:cond delay="indefinite"/>
+                        <p:cond evt="onBegin" delay="0">
+                          <p:tn val="2"/>
+                        </p:cond>
+                      </p:stCondLst>
+                      <p:childTnLst>
+                        <p:par>
+                          <p:cTn id="4" fill="hold">
+                            <p:stCondLst>
+                              <p:cond delay="0"/>
+                            </p:stCondLst>
+                            <p:childTnLst>
+                              <p:par>
+                                <p:cTn id="5" presetID="42" presetClass="entr" presetSubtype="0" fill="hold" grpId="0" nodeType="afterEffect">
+                                  <p:stCondLst>
+                                    <p:cond delay="500"/>
+                                  </p:stCondLst>
+                                  <p:childTnLst>
+                                    <p:set>
+                                      <p:cBhvr>
+                                        <p:cTn id="6" dur="1" fill="hold">
+                                          <p:stCondLst>
+                                            <p:cond delay="0"/>
+                                          </p:stCondLst>
+                                        </p:cTn>
+                                        <p:tgtEl>
+                                          <p:spTgt spid="3">
+                                            <p:txEl>
+                                              <p:pRg st="0" end="0"/>
+                                            </p:txEl>
+                                          </p:spTgt>
+                                        </p:tgtEl>
+                                        <p:attrNameLst>
+                                          <p:attrName>style.visibility</p:attrName>
+                                        </p:attrNameLst>
+                                      </p:cBhvr>
+                                      <p:to>
+                                        <p:strVal val="visible"/>
+                                      </p:to>
+                                    </p:set>
+                                    <p:animEffect transition="in" filter="fade">
+                                      <p:cBhvr>
+                                        <p:cTn id="7" dur="1000"/>
+                                        <p:tgtEl>
+                                          <p:spTgt spid="3">
+                                            <p:txEl>
+                                              <p:pRg st="0" end="0"/>
+                                            </p:txEl>
+                                          </p:spTgt>
+                                        </p:tgtEl>
+                                      </p:cBhvr>
+                                    </p:animEffect>
+                                    <p:anim calcmode="lin" valueType="num">
+                                      <p:cBhvr>
+                                        <p:cTn id="8" dur="1000" fill="hold"/>
+                                        <p:tgtEl>
+                                          <p:spTgt spid="3">
+                                            <p:txEl>
+                                              <p:pRg st="0" end="0"/>
+                                            </p:txEl>
+                                          </p:spTgt>
+                                        </p:tgtEl>
+                                        <p:attrNameLst>
+                                          <p:attrName>ppt_x</p:attrName>
+                                        </p:attrNameLst>
+                                      </p:cBhvr>
+                                      <p:tavLst>
+                                        <p:tav tm="0">
+                                          <p:val>
+                                            <p:strVal val="#ppt_x"/>
+                                          </p:val>
+                                        </p:tav>
+                                        <p:tav tm="100000">
+                                          <p:val>
+                                            <p:strVal val="#ppt_x"/>
+                                          </p:val>
+                                        </p:tav>
+                                      </p:tavLst>
+                                    </p:anim>
+                                    <p:anim calcmode="lin" valueType="num">
+                                      <p:cBhvr>
+                                        <p:cTn id="9" dur="1000" fill="hold"/>
+                                        <p:tgtEl>
+                                          <p:spTgt spid="3">
+                                            <p:txEl>
+                                              <p:pRg st="0" end="0"/>
+                                            </p:txEl>
+                                          </p:spTgt>
+                                        </p:tgtEl>
+                                        <p:attrNameLst>
+                                          <p:attrName>ppt_y</p:attrName>
+                                        </p:attrNameLst>
+                                      </p:cBhvr>
+                                      <p:tavLst>
+                                        <p:tav tm="0">
+                                          <p:val>
+                                            <p:strVal val="#ppt_y+.1"/>
+                                          </p:val>
+                                        </p:tav>
+                                        <p:tav tm="100000">
+                                          <p:val>
+                                            <p:strVal val="#ppt_y"/>
+                                          </p:val>
+                                        </p:tav>
+                                      </p:tavLst>
+                                    </p:anim>
+                                  </p:childTnLst>
+                                </p:cTn>
+                              </p:par>
+                            </p:childTnLst>
+                          </p:cTn>
+                        </p:par>
+                      </p:childTnLst>
+                    </p:cTn>
+                  </p:par>
+                  <p:par>
+                    <p:cTn id="10" fill="hold">
+                      <p:stCondLst>
+                        <p:cond delay="indefinite"/>
+                      </p:stCondLst>
+                      <p:childTnLst>
+                        <p:par>
+                          <p:cTn id="11" fill="hold">
+                            <p:stCondLst>
+                              <p:cond delay="0"/>
+                            </p:stCondLst>
+                            <p:childTnLst>
+                              <p:par>
+                                <p:cTn id="12" presetID="42" presetClass="entr" presetSubtype="0" fill="hold" grpId="0" nodeType="clickEffect">
+                                  <p:stCondLst>
+                                    <p:cond delay="0"/>
+                                  </p:stCondLst>
+                                  <p:childTnLst>
+                                    <p:set>
+                                      <p:cBhvr>
+                                        <p:cTn id="13" dur="1" fill="hold">
+                                          <p:stCondLst>
+                                            <p:cond delay="0"/>
+                                          </p:stCondLst>
+                                        </p:cTn>
+                                        <p:tgtEl>
+                                          <p:spTgt spid="3">
+                                            <p:txEl>
+                                              <p:pRg st="1" end="1"/>
+                                            </p:txEl>
+                                          </p:spTgt>
+                                        </p:tgtEl>
+                                        <p:attrNameLst>
+                                          <p:attrName>style.visibility</p:attrName>
+                                        </p:attrNameLst>
+                                      </p:cBhvr>
+                                      <p:to>
+                                        <p:strVal val="visible"/>
+                                      </p:to>
+                                    </p:set>
+                                    <p:animEffect transition="in" filter="fade">
+                                      <p:cBhvr>
+                                        <p:cTn id="14" dur="1000"/>
+                                        <p:tgtEl>
+                                          <p:spTgt spid="3">
+                                            <p:txEl>
+                                              <p:pRg st="1" end="1"/>
+                                            </p:txEl>
+                                          </p:spTgt>
+                                        </p:tgtEl>
+                                      </p:cBhvr>
+                                    </p:animEffect>
+                                    <p:anim calcmode="lin" valueType="num">
+                                      <p:cBhvr>
+                                        <p:cTn id="15" dur="1000" fill="hold"/>
+                                        <p:tgtEl>
+                                          <p:spTgt spid="3">
+                                            <p:txEl>
+                                              <p:pRg st="1" end="1"/>
+                                            </p:txEl>
+                                          </p:spTgt>
+                                        </p:tgtEl>
+                                        <p:attrNameLst>
+                                          <p:attrName>ppt_x</p:attrName>
+                                        </p:attrNameLst>
+                                      </p:cBhvr>
+                                      <p:tavLst>
+                                        <p:tav tm="0">
+                                          <p:val>
+                                            <p:strVal val="#ppt_x"/>
+                                          </p:val>
+                                        </p:tav>
+                                        <p:tav tm="100000">
+                                          <p:val>
+                                            <p:strVal val="#ppt_x"/>
+                                          </p:val>
+                                        </p:tav>
+                                      </p:tavLst>
+                                    </p:anim>
+                                    <p:anim calcmode="lin" valueType="num">
+                                      <p:cBhvr>
+                                        <p:cTn id="16" dur="1000" fill="hold"/>
+                                        <p:tgtEl>
+                                          <p:spTgt spid="3">
+                                            <p:txEl>
+                                              <p:pRg st="1" end="1"/>
+                                            </p:txEl>
+                                          </p:spTgt>
+                                        </p:tgtEl>
+                                        <p:attrNameLst>
+                                          <p:attrName>ppt_y</p:attrName>
+                                        </p:attrNameLst>
+                                      </p:cBhvr>
+                                      <p:tavLst>
+                                        <p:tav tm="0">
+                                          <p:val>
+                                            <p:strVal val="#ppt_y+.1"/>
+                                          </p:val>
+                                        </p:tav>
+                                        <p:tav tm="100000">
+                                          <p:val>
+                                            <p:strVal val="#ppt_y"/>
+                                          </p:val>
+                                        </p:tav>
+                                      </p:tavLst>
+                                    </p:anim>
+                                  </p:childTnLst>
+                                </p:cTn>
+                              </p:par>
+                            </p:childTnLst>
+                          </p:cTn>
+                        </p:par>
+                        <p:par>
+                          <p:cTn id="17" fill="hold">
+                            <p:stCondLst>
+                              <p:cond delay="1000"/>
+                            </p:stCondLst>
+                            <p:childTnLst>
+                              <p:par>
+                                <p:cTn id="18" presetID="42" presetClass="entr" presetSubtype="0" fill="hold" grpId="0" nodeType="afterEffect">
+                                  <p:stCondLst>
+                                    <p:cond delay="1000"/>
+                                  </p:stCondLst>
+                                  <p:childTnLst>
+                                    <p:set>
+                                      <p:cBhvr>
+                                        <p:cTn id="19" dur="1" fill="hold">
+                                          <p:stCondLst>
+                                            <p:cond delay="0"/>
+                                          </p:stCondLst>
+                                        </p:cTn>
+                                        <p:tgtEl>
+                                          <p:spTgt spid="3">
+                                            <p:txEl>
+                                              <p:pRg st="2" end="2"/>
+                                            </p:txEl>
+                                          </p:spTgt>
+                                        </p:tgtEl>
+                                        <p:attrNameLst>
+                                          <p:attrName>style.visibility</p:attrName>
+                                        </p:attrNameLst>
+                                      </p:cBhvr>
+                                      <p:to>
+                                        <p:strVal val="visible"/>
+                                      </p:to>
+                                    </p:set>
+                                    <p:animEffect transition="in" filter="fade">
+                                      <p:cBhvr>
+                                        <p:cTn id="20" dur="1000"/>
+                                        <p:tgtEl>
+                                          <p:spTgt spid="3">
+                                            <p:txEl>
+                                              <p:pRg st="2" end="2"/>
+                                            </p:txEl>
+                                          </p:spTgt>
+                                        </p:tgtEl>
+                                      </p:cBhvr>
+                                    </p:animEffect>
+                                    <p:anim calcmode="lin" valueType="num">
+                                      <p:cBhvr>
+                                        <p:cTn id="21" dur="1000" fill="hold"/>
+                                        <p:tgtEl>
+                                          <p:spTgt spid="3">
+                                            <p:txEl>
+                                              <p:pRg st="2" end="2"/>
+                                            </p:txEl>
+                                          </p:spTgt>
+                                        </p:tgtEl>
+                                        <p:attrNameLst>
+                                          <p:attrName>ppt_x</p:attrName>
+                                        </p:attrNameLst>
+                                      </p:cBhvr>
+                                      <p:tavLst>
+                                        <p:tav tm="0">
+                                          <p:val>
+                                            <p:strVal val="#ppt_x"/>
+                                          </p:val>
+                                        </p:tav>
+                                        <p:tav tm="100000">
+                                          <p:val>
+                                            <p:strVal val="#ppt_x"/>
+                                          </p:val>
+                                        </p:tav>
+                                      </p:tavLst>
+                                    </p:anim>
+                                    <p:anim calcmode="lin" valueType="num">
+                                      <p:cBhvr>
+                                        <p:cTn id="22" dur="1000" fill="hold"/>
+                                        <p:tgtEl>
+                                          <p:spTgt spid="3">
+                                            <p:txEl>
+                                              <p:pRg st="2" end="2"/>
+                                            </p:txEl>
+                                          </p:spTgt>
+                                        </p:tgtEl>
+                                        <p:attrNameLst>
+                                          <p:attrName>ppt_y</p:attrName>
+                                        </p:attrNameLst>
+                                      </p:cBhvr>
+                                      <p:tavLst>
+                                        <p:tav tm="0">
+                                          <p:val>
+                                            <p:strVal val="#ppt_y+.1"/>
+                                          </p:val>
+                                        </p:tav>
+                                        <p:tav tm="100000">
+                                          <p:val>
+                                            <p:strVal val="#ppt_y"/>
+                                          </p:val>
+                                        </p:tav>
+                                      </p:tavLst>
+                                    </p:anim>
+                                  </p:childTnLst>
+                                </p:cTn>
+                              </p:par>
+                            </p:childTnLst>
+                          </p:cTn>
+                        </p:par>
+                      </p:childTnLst>
+                    </p:cTn>
+                  </p:par>
+                  <p:par>
+                    <p:cTn id="23" fill="hold">
+                      <p:stCondLst>
+                        <p:cond delay="indefinite"/>
+                      </p:stCondLst>
+                      <p:childTnLst>
+                        <p:par>
+                          <p:cTn id="24" fill="hold">
+                            <p:stCondLst>
+                              <p:cond delay="0"/>
+                            </p:stCondLst>
+                            <p:childTnLst>
+                              <p:par>
+                                <p:cTn id="25" presetID="42" presetClass="entr" presetSubtype="0" fill="hold" grpId="0" nodeType="clickEffect">
+                                  <p:stCondLst>
+                                    <p:cond delay="0"/>
+                                  </p:stCondLst>
+                                  <p:childTnLst>
+                                    <p:set>
+                                      <p:cBhvr>
+                                        <p:cTn id="26" dur="1" fill="hold">
+                                          <p:stCondLst>
+                                            <p:cond delay="0"/>
+                                          </p:stCondLst>
+                                        </p:cTn>
+                                        <p:tgtEl>
+                                          <p:spTgt spid="3">
+                                            <p:txEl>
+                                              <p:pRg st="3" end="3"/>
+                                            </p:txEl>
+                                          </p:spTgt>
+                                        </p:tgtEl>
+                                        <p:attrNameLst>
+                                          <p:attrName>style.visibility</p:attrName>
+                                        </p:attrNameLst>
+                                      </p:cBhvr>
+                                      <p:to>
+                                        <p:strVal val="visible"/>
+                                      </p:to>
+                                    </p:set>
+                                    <p:animEffect transition="in" filter="fade">
+                                      <p:cBhvr>
+                                        <p:cTn id="27" dur="1000"/>
+                                        <p:tgtEl>
+                                          <p:spTgt spid="3">
+                                            <p:txEl>
+                                              <p:pRg st="3" end="3"/>
+                                            </p:txEl>
+                                          </p:spTgt>
+                                        </p:tgtEl>
+                                      </p:cBhvr>
+                                    </p:animEffect>
+                                    <p:anim calcmode="lin" valueType="num">
+                                      <p:cBhvr>
+                                        <p:cTn id="28" dur="1000" fill="hold"/>
+                                        <p:tgtEl>
+                                          <p:spTgt spid="3">
+                                            <p:txEl>
+                                              <p:pRg st="3" end="3"/>
+                                            </p:txEl>
+                                          </p:spTgt>
+                                        </p:tgtEl>
+                                        <p:attrNameLst>
+                                          <p:attrName>ppt_x</p:attrName>
+                                        </p:attrNameLst>
+                                      </p:cBhvr>
+                                      <p:tavLst>
+                                        <p:tav tm="0">
+                                          <p:val>
+                                            <p:strVal val="#ppt_x"/>
+                                          </p:val>
+                                        </p:tav>
+                                        <p:tav tm="100000">
+                                          <p:val>
+                                            <p:strVal val="#ppt_x"/>
+                                          </p:val>
+                                        </p:tav>
+                                      </p:tavLst>
+                                    </p:anim>
+                                    <p:anim calcmode="lin" valueType="num">
+                                      <p:cBhvr>
+                                        <p:cTn id="29" dur="1000" fill="hold"/>
+                                        <p:tgtEl>
+                                          <p:spTgt spid="3">
+                                            <p:txEl>
+                                              <p:pRg st="3" end="3"/>
+                                            </p:txEl>
+                                          </p:spTgt>
+                                        </p:tgtEl>
+                                        <p:attrNameLst>
+                                          <p:attrName>ppt_y</p:attrName>
+                                        </p:attrNameLst>
+                                      </p:cBhvr>
+                                      <p:tavLst>
+                                        <p:tav tm="0">
+                                          <p:val>
+                                            <p:strVal val="#ppt_y+.1"/>
+                                          </p:val>
+                                        </p:tav>
+                                        <p:tav tm="100000">
+                                          <p:val>
+                                            <p:strVal val="#ppt_y"/>
+                                          </p:val>
+                                        </p:tav>
+                                      </p:tavLst>
+                                    </p:anim>
+                                  </p:childTnLst>
+                                </p:cTn>
+                              </p:par>
+                            </p:childTnLst>
+                          </p:cTn>
+                        </p:par>
+                      </p:childTnLst>
+                    </p:cTn>
+                  </p:par>
+                  <p:par>
+                    <p:cTn id="30" fill="hold">
+                      <p:stCondLst>
+                        <p:cond delay="indefinite"/>
+                      </p:stCondLst>
+                      <p:childTnLst>
+                        <p:par>
+                          <p:cTn id="31" fill="hold">
+                            <p:stCondLst>
+                              <p:cond delay="0"/>
+                            </p:stCondLst>
+                            <p:childTnLst>
+                              <p:par>
+                                <p:cTn id="32" presetID="42" presetClass="entr" presetSubtype="0" fill="hold" grpId="0" nodeType="clickEffect">
+                                  <p:stCondLst>
+                                    <p:cond delay="0"/>
+                                  </p:stCondLst>
+                                  <p:childTnLst>
+                                    <p:set>
+                                      <p:cBhvr>
+                                        <p:cTn id="33" dur="1" fill="hold">
+                                          <p:stCondLst>
+                                            <p:cond delay="0"/>
+                                          </p:stCondLst>
+                                        </p:cTn>
+                                        <p:tgtEl>
+                                          <p:spTgt spid="3">
+                                            <p:txEl>
+                                              <p:pRg st="4" end="4"/>
+                                            </p:txEl>
+                                          </p:spTgt>
+                                        </p:tgtEl>
+                                        <p:attrNameLst>
+                                          <p:attrName>style.visibility</p:attrName>
+                                        </p:attrNameLst>
+                                      </p:cBhvr>
+                                      <p:to>
+                                        <p:strVal val="visible"/>
+                                      </p:to>
+                                    </p:set>
+                                    <p:animEffect transition="in" filter="fade">
+                                      <p:cBhvr>
+                                        <p:cTn id="34" dur="1000"/>
+                                        <p:tgtEl>
+                                          <p:spTgt spid="3">
+                                            <p:txEl>
+                                              <p:pRg st="4" end="4"/>
+                                            </p:txEl>
+                                          </p:spTgt>
+                                        </p:tgtEl>
+                                      </p:cBhvr>
+                                    </p:animEffect>
+                                    <p:anim calcmode="lin" valueType="num">
+                                      <p:cBhvr>
+                                        <p:cTn id="35" dur="1000" fill="hold"/>
+                                        <p:tgtEl>
+                                          <p:spTgt spid="3">
+                                            <p:txEl>
+                                              <p:pRg st="4" end="4"/>
+                                            </p:txEl>
+                                          </p:spTgt>
+                                        </p:tgtEl>
+                                        <p:attrNameLst>
+                                          <p:attrName>ppt_x</p:attrName>
+                                        </p:attrNameLst>
+                                      </p:cBhvr>
+                                      <p:tavLst>
+                                        <p:tav tm="0">
+                                          <p:val>
+                                            <p:strVal val="#ppt_x"/>
+                                          </p:val>
+                                        </p:tav>
+                                        <p:tav tm="100000">
+                                          <p:val>
+                                            <p:strVal val="#ppt_x"/>
+                                          </p:val>
+                                        </p:tav>
+                                      </p:tavLst>
+                                    </p:anim>
+                                    <p:anim calcmode="lin" valueType="num">
+                                      <p:cBhvr>
+                                        <p:cTn id="36" dur="1000" fill="hold"/>
+                                        <p:tgtEl>
+                                          <p:spTgt spid="3">
+                                            <p:txEl>
+                                              <p:pRg st="4" end="4"/>
+                                            </p:txEl>
+                                          </p:spTgt>
+                                        </p:tgtEl>
+                                        <p:attrNameLst>
+                                          <p:attrName>ppt_y</p:attrName>
+                                        </p:attrNameLst>
+                                      </p:cBhvr>
+                                      <p:tavLst>
+                                        <p:tav tm="0">
+                                          <p:val>
+                                            <p:strVal val="#ppt_y+.1"/>
+                                          </p:val>
+                                        </p:tav>
+                                        <p:tav tm="100000">
+                                          <p:val>
+                                            <p:strVal val="#ppt_y"/>
+                                          </p:val>
+                                        </p:tav>
+                                      </p:tavLst>
+                                    </p:anim>
+                                  </p:childTnLst>
+                                </p:cTn>
+                              </p:par>
+                            </p:childTnLst>
+                          </p:cTn>
+                        </p:par>
+                        <p:par>
+                          <p:cTn id="37" fill="hold">
+                            <p:stCondLst>
+                              <p:cond delay="1000"/>
+                            </p:stCondLst>
+                            <p:childTnLst>
+                              <p:par>
+                                <p:cTn id="38" presetID="42" presetClass="entr" presetSubtype="0" fill="hold" grpId="0" nodeType="afterEffect">
+                                  <p:stCondLst>
+                                    <p:cond delay="0"/>
+                                  </p:stCondLst>
+                                  <p:childTnLst>
+                                    <p:set>
+                                      <p:cBhvr>
+                                        <p:cTn id="39" dur="1" fill="hold">
+                                          <p:stCondLst>
+                                            <p:cond delay="0"/>
+                                          </p:stCondLst>
+                                        </p:cTn>
+                                        <p:tgtEl>
+                                          <p:spTgt spid="3">
+                                            <p:txEl>
+                                              <p:pRg st="5" end="5"/>
+                                            </p:txEl>
+                                          </p:spTgt>
+                                        </p:tgtEl>
+                                        <p:attrNameLst>
+                                          <p:attrName>style.visibility</p:attrName>
+                                        </p:attrNameLst>
+                                      </p:cBhvr>
+                                      <p:to>
+                                        <p:strVal val="visible"/>
+                                      </p:to>
+                                    </p:set>
+                                    <p:animEffect transition="in" filter="fade">
+                                      <p:cBhvr>
+                                        <p:cTn id="40" dur="1000"/>
+                                        <p:tgtEl>
+                                          <p:spTgt spid="3">
+                                            <p:txEl>
+                                              <p:pRg st="5" end="5"/>
+                                            </p:txEl>
+                                          </p:spTgt>
+                                        </p:tgtEl>
+                                      </p:cBhvr>
+                                    </p:animEffect>
+                                    <p:anim calcmode="lin" valueType="num">
+                                      <p:cBhvr>
+                                        <p:cTn id="41" dur="1000" fill="hold"/>
+                                        <p:tgtEl>
+                                          <p:spTgt spid="3">
+                                            <p:txEl>
+                                              <p:pRg st="5" end="5"/>
+                                            </p:txEl>
+                                          </p:spTgt>
+                                        </p:tgtEl>
+                                        <p:attrNameLst>
+                                          <p:attrName>ppt_x</p:attrName>
+                                        </p:attrNameLst>
+                                      </p:cBhvr>
+                                      <p:tavLst>
+                                        <p:tav tm="0">
+                                          <p:val>
+                                            <p:strVal val="#ppt_x"/>
+                                          </p:val>
+                                        </p:tav>
+                                        <p:tav tm="100000">
+                                          <p:val>
+                                            <p:strVal val="#ppt_x"/>
+                                          </p:val>
+                                        </p:tav>
+                                      </p:tavLst>
+                                    </p:anim>
+                                    <p:anim calcmode="lin" valueType="num">
+                                      <p:cBhvr>
+                                        <p:cTn id="42" dur="1000" fill="hold"/>
+                                        <p:tgtEl>
+                                          <p:spTgt spid="3">
+                                            <p:txEl>
+                                              <p:pRg st="5" end="5"/>
+                                            </p:txEl>
+                                          </p:spTgt>
+                                        </p:tgtEl>
+                                        <p:attrNameLst>
+                                          <p:attrName>ppt_y</p:attrName>
+                                        </p:attrNameLst>
+                                      </p:cBhvr>
+                                      <p:tavLst>
+                                        <p:tav tm="0">
+                                          <p:val>
+                                            <p:strVal val="#ppt_y+.1"/>
+                                          </p:val>
+                                        </p:tav>
+                                        <p:tav tm="100000">
+                                          <p:val>
+                                            <p:strVal val="#ppt_y"/>
+                                          </p:val>
+                                        </p:tav>
+                                      </p:tavLst>
+                                    </p:anim>
+                                  </p:childTnLst>
+                                </p:cTn>
+                              </p:par>
+                            </p:childTnLst>
+                          </p:cTn>
+                        </p:par>
+                        <p:par>
+                          <p:cTn id="43" fill="hold">
+                            <p:stCondLst>
+                              <p:cond delay="2000"/>
+                            </p:stCondLst>
+                            <p:childTnLst>
+                              <p:par>
+                                <p:cTn id="44" presetID="42" presetClass="entr" presetSubtype="0" fill="hold" grpId="0" nodeType="afterEffect">
+                                  <p:stCondLst>
+                                    <p:cond delay="0"/>
+                                  </p:stCondLst>
+                                  <p:childTnLst>
+                                    <p:set>
+                                      <p:cBhvr>
+                                        <p:cTn id="45" dur="1" fill="hold">
+                                          <p:stCondLst>
+                                            <p:cond delay="0"/>
+                                          </p:stCondLst>
+                                        </p:cTn>
+                                        <p:tgtEl>
+                                          <p:spTgt spid="3">
+                                            <p:txEl>
+                                              <p:pRg st="6" end="6"/>
+                                            </p:txEl>
+                                          </p:spTgt>
+                                        </p:tgtEl>
+                                        <p:attrNameLst>
+                                          <p:attrName>style.visibility</p:attrName>
+                                        </p:attrNameLst>
+                                      </p:cBhvr>
+                                      <p:to>
+                                        <p:strVal val="visible"/>
+                                      </p:to>
+                                    </p:set>
+                                    <p:animEffect transition="in" filter="fade">
+                                      <p:cBhvr>
+                                        <p:cTn id="46" dur="1000"/>
+                                        <p:tgtEl>
+                                          <p:spTgt spid="3">
+                                            <p:txEl>
+                                              <p:pRg st="6" end="6"/>
+                                            </p:txEl>
+                                          </p:spTgt>
+                                        </p:tgtEl>
+                                      </p:cBhvr>
+                                    </p:animEffect>
+                                    <p:anim calcmode="lin" valueType="num">
+                                      <p:cBhvr>
+                                        <p:cTn id="47" dur="1000" fill="hold"/>
+                                        <p:tgtEl>
+                                          <p:spTgt spid="3">
+                                            <p:txEl>
+                                              <p:pRg st="6" end="6"/>
+                                            </p:txEl>
+                                          </p:spTgt>
+                                        </p:tgtEl>
+                                        <p:attrNameLst>
+                                          <p:attrName>ppt_x</p:attrName>
+                                        </p:attrNameLst>
+                                      </p:cBhvr>
+                                      <p:tavLst>
+                                        <p:tav tm="0">
+                                          <p:val>
+                                            <p:strVal val="#ppt_x"/>
+                                          </p:val>
+                                        </p:tav>
+                                        <p:tav tm="100000">
+                                          <p:val>
+                                            <p:strVal val="#ppt_x"/>
+                                          </p:val>
+                                        </p:tav>
+                                      </p:tavLst>
+                                    </p:anim>
+                                    <p:anim calcmode="lin" valueType="num">
+                                      <p:cBhvr>
+                                        <p:cTn id="48" dur="1000" fill="hold"/>
+                                        <p:tgtEl>
+                                          <p:spTgt spid="3">
+                                            <p:txEl>
+                                              <p:pRg st="6" end="6"/>
+                                            </p:txEl>
+                                          </p:spTgt>
+                                        </p:tgtEl>
+                                        <p:attrNameLst>
+                                          <p:attrName>ppt_y</p:attrName>
+                                        </p:attrNameLst>
+                                      </p:cBhvr>
+                                      <p:tavLst>
+                                        <p:tav tm="0">
+                                          <p:val>
+                                            <p:strVal val="#ppt_y+.1"/>
+                                          </p:val>
+                                        </p:tav>
+                                        <p:tav tm="100000">
+                                          <p:val>
+                                            <p:strVal val="#ppt_y"/>
+                                          </p:val>
+                                        </p:tav>
+                                      </p:tavLst>
+                                    </p:anim>
+                                  </p:childTnLst>
+                                </p:cTn>
+                              </p:par>
+                            </p:childTnLst>
+                          </p:cTn>
+                        </p:par>
+                      </p:childTnLst>
+                    </p:cTn>
+                  </p:par>
+                  <p:par>
+                    <p:cTn id="49" fill="hold">
+                      <p:stCondLst>
+                        <p:cond delay="indefinite"/>
+                      </p:stCondLst>
+                      <p:childTnLst>
+                        <p:par>
+                          <p:cTn id="50" fill="hold">
+                            <p:stCondLst>
+                              <p:cond delay="0"/>
+                            </p:stCondLst>
+                            <p:childTnLst>
+                              <p:par>
+                                <p:cTn id="51" presetID="42" presetClass="entr" presetSubtype="0" fill="hold" grpId="0" nodeType="clickEffect">
+                                  <p:stCondLst>
+                                    <p:cond delay="0"/>
+                                  </p:stCondLst>
+                                  <p:childTnLst>
+                                    <p:set>
+                                      <p:cBhvr>
+                                        <p:cTn id="52" dur="1" fill="hold">
+                                          <p:stCondLst>
+                                            <p:cond delay="0"/>
+                                          </p:stCondLst>
+                                        </p:cTn>
+                                        <p:tgtEl>
+                                          <p:spTgt spid="3">
+                                            <p:txEl>
+                                              <p:pRg st="7" end="7"/>
+                                            </p:txEl>
+                                          </p:spTgt>
+                                        </p:tgtEl>
+                                        <p:attrNameLst>
+                                          <p:attrName>style.visibility</p:attrName>
+                                        </p:attrNameLst>
+                                      </p:cBhvr>
+                                      <p:to>
+                                        <p:strVal val="visible"/>
+                                      </p:to>
+                                    </p:set>
+                                    <p:animEffect transition="in" filter="fade">
+                                      <p:cBhvr>
+                                        <p:cTn id="53" dur="1000"/>
+                                        <p:tgtEl>
+                                          <p:spTgt spid="3">
+                                            <p:txEl>
+                                              <p:pRg st="7" end="7"/>
+                                            </p:txEl>
+                                          </p:spTgt>
+                                        </p:tgtEl>
+                                      </p:cBhvr>
+                                    </p:animEffect>
+                                    <p:anim calcmode="lin" valueType="num">
+                                      <p:cBhvr>
+                                        <p:cTn id="54" dur="1000" fill="hold"/>
+                                        <p:tgtEl>
+                                          <p:spTgt spid="3">
+                                            <p:txEl>
+                                              <p:pRg st="7" end="7"/>
+                                            </p:txEl>
+                                          </p:spTgt>
+                                        </p:tgtEl>
+                                        <p:attrNameLst>
+                                          <p:attrName>ppt_x</p:attrName>
+                                        </p:attrNameLst>
+                                      </p:cBhvr>
+                                      <p:tavLst>
+                                        <p:tav tm="0">
+                                          <p:val>
+                                            <p:strVal val="#ppt_x"/>
+                                          </p:val>
+                                        </p:tav>
+                                        <p:tav tm="100000">
+                                          <p:val>
+                                            <p:strVal val="#ppt_x"/>
+                                          </p:val>
+                                        </p:tav>
+                                      </p:tavLst>
+                                    </p:anim>
+                                    <p:anim calcmode="lin" valueType="num">
+                                      <p:cBhvr>
+                                        <p:cTn id="55" dur="1000" fill="hold"/>
+                                        <p:tgtEl>
+                                          <p:spTgt spid="3">
+                                            <p:txEl>
+                                              <p:pRg st="7" end="7"/>
+                                            </p:txEl>
+                                          </p:spTgt>
+                                        </p:tgtEl>
+                                        <p:attrNameLst>
+                                          <p:attrName>ppt_y</p:attrName>
+                                        </p:attrNameLst>
+                                      </p:cBhvr>
+                                      <p:tavLst>
+                                        <p:tav tm="0">
+                                          <p:val>
+                                            <p:strVal val="#ppt_y+.1"/>
+                                          </p:val>
+                                        </p:tav>
+                                        <p:tav tm="100000">
+                                          <p:val>
+                                            <p:strVal val="#ppt_y"/>
+                                          </p:val>
+                                        </p:tav>
+                                      </p:tavLst>
+                                    </p:anim>
+                                  </p:childTnLst>
+                                </p:cTn>
+                              </p:par>
+                            </p:childTnLst>
+                          </p:cTn>
+                        </p:par>
+                      </p:childTnLst>
+                    </p:cTn>
+                  </p:par>
+                </p:childTnLst>
+              </p:cTn>
+              <p:prevCondLst>
+                <p:cond evt="onPrev" delay="0">
+                  <p:tgtEl>
+                    <p:sldTgt/>
+                  </p:tgtEl>
+                </p:cond>
+              </p:prevCondLst>
+              <p:nextCondLst>
+                <p:cond evt="onNext" delay="0">
+                  <p:tgtEl>
+                    <p:sldTgt/>
+                  </p:tgtEl>
+                </p:cond>
+              </p:nextCondLst>
+            </p:seq>
+          </p:childTnLst>
+        </p:cTn>
+      </p:par>
+    </p:tnLst>
+    <p:bldLst>
+      <p:bldP spid="3" grpId="0" uiExpand="1" build="p"/>
+    </p:bldLst>
+  </p:timing>
 </p:sld>
 </file>
 
@@ -4647,7 +5995,7 @@
           <a:lstStyle/>
           <a:p>
             <a:r>
-              <a:rPr lang="fi-FI" sz="2400">
+              <a:rPr lang="fi-FI" sz="2400" dirty="0">
                 <a:solidFill>
                   <a:srgbClr val="000000"/>
                 </a:solidFill>
@@ -4657,7 +6005,7 @@
           </a:p>
           <a:p>
             <a:r>
-              <a:rPr lang="fi-FI" sz="2400">
+              <a:rPr lang="fi-FI" sz="2400" dirty="0">
                 <a:solidFill>
                   <a:srgbClr val="000000"/>
                 </a:solidFill>
@@ -4668,7 +6016,7 @@
           <a:p>
             <a:pPr lvl="1"/>
             <a:r>
-              <a:rPr lang="fi-FI">
+              <a:rPr lang="fi-FI" dirty="0">
                 <a:solidFill>
                   <a:srgbClr val="000000"/>
                 </a:solidFill>
@@ -4678,7 +6026,7 @@
           </a:p>
           <a:p>
             <a:r>
-              <a:rPr lang="fi-FI" sz="2400">
+              <a:rPr lang="fi-FI" sz="2400" dirty="0">
                 <a:solidFill>
                   <a:srgbClr val="000000"/>
                 </a:solidFill>
@@ -4689,28 +6037,57 @@
           <a:p>
             <a:pPr lvl="1"/>
             <a:r>
-              <a:rPr lang="fi-FI">
+              <a:rPr lang="fi-FI" dirty="0" err="1">
                 <a:solidFill>
                   <a:srgbClr val="000000"/>
                 </a:solidFill>
               </a:rPr>
-              <a:t>Art + Design</a:t>
-            </a:r>
-          </a:p>
-          <a:p>
-            <a:r>
-              <a:rPr lang="fi-FI" sz="2400">
+              <a:t>Art</a:t>
+            </a:r>
+            <a:r>
+              <a:rPr lang="fi-FI" dirty="0">
                 <a:solidFill>
                   <a:srgbClr val="000000"/>
                 </a:solidFill>
               </a:rPr>
-              <a:t>Cerdic Voncken</a:t>
-            </a:r>
+              <a:t> + Design</a:t>
+            </a:r>
+          </a:p>
+          <a:p>
+            <a:r>
+              <a:rPr lang="fi-FI" sz="2400" dirty="0" err="1">
+                <a:solidFill>
+                  <a:srgbClr val="000000"/>
+                </a:solidFill>
+              </a:rPr>
+              <a:t>Cerdic</a:t>
+            </a:r>
+            <a:r>
+              <a:rPr lang="fi-FI" sz="2400" dirty="0">
+                <a:solidFill>
+                  <a:srgbClr val="000000"/>
+                </a:solidFill>
+              </a:rPr>
+              <a:t> </a:t>
+            </a:r>
+            <a:r>
+              <a:rPr lang="fi-FI" sz="2400" dirty="0" err="1">
+                <a:solidFill>
+                  <a:srgbClr val="000000"/>
+                </a:solidFill>
+              </a:rPr>
+              <a:t>Voncken</a:t>
+            </a:r>
+            <a:endParaRPr lang="fi-FI" sz="2400" dirty="0">
+              <a:solidFill>
+                <a:srgbClr val="000000"/>
+              </a:solidFill>
+            </a:endParaRPr>
           </a:p>
           <a:p>
             <a:pPr lvl="1"/>
             <a:r>
-              <a:rPr lang="fi-FI">
+              <a:rPr lang="fi-FI" dirty="0">
                 <a:solidFill>
                   <a:srgbClr val="000000"/>
                 </a:solidFill>
@@ -4720,18 +6097,31 @@
           </a:p>
           <a:p>
             <a:r>
-              <a:rPr lang="fi-FI" sz="2400">
+              <a:rPr lang="fi-FI" sz="2400" dirty="0">
                 <a:solidFill>
                   <a:srgbClr val="000000"/>
                 </a:solidFill>
               </a:rPr>
-              <a:t>Nick Hermsen</a:t>
-            </a:r>
+              <a:t>Nick </a:t>
+            </a:r>
+            <a:r>
+              <a:rPr lang="fi-FI" sz="2400" dirty="0" err="1">
+                <a:solidFill>
+                  <a:srgbClr val="000000"/>
+                </a:solidFill>
+              </a:rPr>
+              <a:t>Hermsen</a:t>
+            </a:r>
+            <a:endParaRPr lang="fi-FI" sz="2400" dirty="0">
+              <a:solidFill>
+                <a:srgbClr val="000000"/>
+              </a:solidFill>
+            </a:endParaRPr>
           </a:p>
           <a:p>
             <a:pPr lvl="1"/>
             <a:r>
-              <a:rPr lang="fi-FI">
+              <a:rPr lang="fi-FI" dirty="0">
                 <a:solidFill>
                   <a:srgbClr val="000000"/>
                 </a:solidFill>
@@ -4751,6 +6141,1008 @@
   <p:clrMapOvr>
     <a:masterClrMapping/>
   </p:clrMapOvr>
+  <p:transition spd="slow">
+    <p:push dir="u"/>
+  </p:transition>
+  <p:timing>
+    <p:tnLst>
+      <p:par>
+        <p:cTn id="1" dur="indefinite" restart="never" nodeType="tmRoot">
+          <p:childTnLst>
+            <p:seq concurrent="1" nextAc="seek">
+              <p:cTn id="2" dur="indefinite" nodeType="mainSeq">
+                <p:childTnLst>
+                  <p:par>
+                    <p:cTn id="3" fill="hold">
+                      <p:stCondLst>
+                        <p:cond delay="indefinite"/>
+                        <p:cond evt="onBegin" delay="0">
+                          <p:tn val="2"/>
+                        </p:cond>
+                      </p:stCondLst>
+                      <p:childTnLst>
+                        <p:par>
+                          <p:cTn id="4" fill="hold">
+                            <p:stCondLst>
+                              <p:cond delay="0"/>
+                            </p:stCondLst>
+                            <p:childTnLst>
+                              <p:par>
+                                <p:cTn id="5" presetID="42" presetClass="entr" presetSubtype="0" fill="hold" grpId="0" nodeType="afterEffect">
+                                  <p:stCondLst>
+                                    <p:cond delay="0"/>
+                                  </p:stCondLst>
+                                  <p:childTnLst>
+                                    <p:set>
+                                      <p:cBhvr>
+                                        <p:cTn id="6" dur="1" fill="hold">
+                                          <p:stCondLst>
+                                            <p:cond delay="0"/>
+                                          </p:stCondLst>
+                                        </p:cTn>
+                                        <p:tgtEl>
+                                          <p:spTgt spid="3">
+                                            <p:txEl>
+                                              <p:pRg st="0" end="0"/>
+                                            </p:txEl>
+                                          </p:spTgt>
+                                        </p:tgtEl>
+                                        <p:attrNameLst>
+                                          <p:attrName>style.visibility</p:attrName>
+                                        </p:attrNameLst>
+                                      </p:cBhvr>
+                                      <p:to>
+                                        <p:strVal val="visible"/>
+                                      </p:to>
+                                    </p:set>
+                                    <p:animEffect transition="in" filter="fade">
+                                      <p:cBhvr>
+                                        <p:cTn id="7" dur="1000"/>
+                                        <p:tgtEl>
+                                          <p:spTgt spid="3">
+                                            <p:txEl>
+                                              <p:pRg st="0" end="0"/>
+                                            </p:txEl>
+                                          </p:spTgt>
+                                        </p:tgtEl>
+                                      </p:cBhvr>
+                                    </p:animEffect>
+                                    <p:anim calcmode="lin" valueType="num">
+                                      <p:cBhvr>
+                                        <p:cTn id="8" dur="1000" fill="hold"/>
+                                        <p:tgtEl>
+                                          <p:spTgt spid="3">
+                                            <p:txEl>
+                                              <p:pRg st="0" end="0"/>
+                                            </p:txEl>
+                                          </p:spTgt>
+                                        </p:tgtEl>
+                                        <p:attrNameLst>
+                                          <p:attrName>ppt_x</p:attrName>
+                                        </p:attrNameLst>
+                                      </p:cBhvr>
+                                      <p:tavLst>
+                                        <p:tav tm="0">
+                                          <p:val>
+                                            <p:strVal val="#ppt_x"/>
+                                          </p:val>
+                                        </p:tav>
+                                        <p:tav tm="100000">
+                                          <p:val>
+                                            <p:strVal val="#ppt_x"/>
+                                          </p:val>
+                                        </p:tav>
+                                      </p:tavLst>
+                                    </p:anim>
+                                    <p:anim calcmode="lin" valueType="num">
+                                      <p:cBhvr>
+                                        <p:cTn id="9" dur="1000" fill="hold"/>
+                                        <p:tgtEl>
+                                          <p:spTgt spid="3">
+                                            <p:txEl>
+                                              <p:pRg st="0" end="0"/>
+                                            </p:txEl>
+                                          </p:spTgt>
+                                        </p:tgtEl>
+                                        <p:attrNameLst>
+                                          <p:attrName>ppt_y</p:attrName>
+                                        </p:attrNameLst>
+                                      </p:cBhvr>
+                                      <p:tavLst>
+                                        <p:tav tm="0">
+                                          <p:val>
+                                            <p:strVal val="#ppt_y+.1"/>
+                                          </p:val>
+                                        </p:tav>
+                                        <p:tav tm="100000">
+                                          <p:val>
+                                            <p:strVal val="#ppt_y"/>
+                                          </p:val>
+                                        </p:tav>
+                                      </p:tavLst>
+                                    </p:anim>
+                                  </p:childTnLst>
+                                </p:cTn>
+                              </p:par>
+                            </p:childTnLst>
+                          </p:cTn>
+                        </p:par>
+                        <p:par>
+                          <p:cTn id="10" fill="hold">
+                            <p:stCondLst>
+                              <p:cond delay="1000"/>
+                            </p:stCondLst>
+                            <p:childTnLst>
+                              <p:par>
+                                <p:cTn id="11" presetID="42" presetClass="entr" presetSubtype="0" fill="hold" grpId="0" nodeType="afterEffect">
+                                  <p:stCondLst>
+                                    <p:cond delay="0"/>
+                                  </p:stCondLst>
+                                  <p:childTnLst>
+                                    <p:set>
+                                      <p:cBhvr>
+                                        <p:cTn id="12" dur="1" fill="hold">
+                                          <p:stCondLst>
+                                            <p:cond delay="0"/>
+                                          </p:stCondLst>
+                                        </p:cTn>
+                                        <p:tgtEl>
+                                          <p:spTgt spid="3">
+                                            <p:txEl>
+                                              <p:pRg st="1" end="1"/>
+                                            </p:txEl>
+                                          </p:spTgt>
+                                        </p:tgtEl>
+                                        <p:attrNameLst>
+                                          <p:attrName>style.visibility</p:attrName>
+                                        </p:attrNameLst>
+                                      </p:cBhvr>
+                                      <p:to>
+                                        <p:strVal val="visible"/>
+                                      </p:to>
+                                    </p:set>
+                                    <p:animEffect transition="in" filter="fade">
+                                      <p:cBhvr>
+                                        <p:cTn id="13" dur="1000"/>
+                                        <p:tgtEl>
+                                          <p:spTgt spid="3">
+                                            <p:txEl>
+                                              <p:pRg st="1" end="1"/>
+                                            </p:txEl>
+                                          </p:spTgt>
+                                        </p:tgtEl>
+                                      </p:cBhvr>
+                                    </p:animEffect>
+                                    <p:anim calcmode="lin" valueType="num">
+                                      <p:cBhvr>
+                                        <p:cTn id="14" dur="1000" fill="hold"/>
+                                        <p:tgtEl>
+                                          <p:spTgt spid="3">
+                                            <p:txEl>
+                                              <p:pRg st="1" end="1"/>
+                                            </p:txEl>
+                                          </p:spTgt>
+                                        </p:tgtEl>
+                                        <p:attrNameLst>
+                                          <p:attrName>ppt_x</p:attrName>
+                                        </p:attrNameLst>
+                                      </p:cBhvr>
+                                      <p:tavLst>
+                                        <p:tav tm="0">
+                                          <p:val>
+                                            <p:strVal val="#ppt_x"/>
+                                          </p:val>
+                                        </p:tav>
+                                        <p:tav tm="100000">
+                                          <p:val>
+                                            <p:strVal val="#ppt_x"/>
+                                          </p:val>
+                                        </p:tav>
+                                      </p:tavLst>
+                                    </p:anim>
+                                    <p:anim calcmode="lin" valueType="num">
+                                      <p:cBhvr>
+                                        <p:cTn id="15" dur="1000" fill="hold"/>
+                                        <p:tgtEl>
+                                          <p:spTgt spid="3">
+                                            <p:txEl>
+                                              <p:pRg st="1" end="1"/>
+                                            </p:txEl>
+                                          </p:spTgt>
+                                        </p:tgtEl>
+                                        <p:attrNameLst>
+                                          <p:attrName>ppt_y</p:attrName>
+                                        </p:attrNameLst>
+                                      </p:cBhvr>
+                                      <p:tavLst>
+                                        <p:tav tm="0">
+                                          <p:val>
+                                            <p:strVal val="#ppt_y+.1"/>
+                                          </p:val>
+                                        </p:tav>
+                                        <p:tav tm="100000">
+                                          <p:val>
+                                            <p:strVal val="#ppt_y"/>
+                                          </p:val>
+                                        </p:tav>
+                                      </p:tavLst>
+                                    </p:anim>
+                                  </p:childTnLst>
+                                </p:cTn>
+                              </p:par>
+                            </p:childTnLst>
+                          </p:cTn>
+                        </p:par>
+                        <p:par>
+                          <p:cTn id="16" fill="hold">
+                            <p:stCondLst>
+                              <p:cond delay="2000"/>
+                            </p:stCondLst>
+                            <p:childTnLst>
+                              <p:par>
+                                <p:cTn id="17" presetID="42" presetClass="entr" presetSubtype="0" fill="hold" grpId="0" nodeType="afterEffect">
+                                  <p:stCondLst>
+                                    <p:cond delay="0"/>
+                                  </p:stCondLst>
+                                  <p:childTnLst>
+                                    <p:set>
+                                      <p:cBhvr>
+                                        <p:cTn id="18" dur="1" fill="hold">
+                                          <p:stCondLst>
+                                            <p:cond delay="0"/>
+                                          </p:stCondLst>
+                                        </p:cTn>
+                                        <p:tgtEl>
+                                          <p:spTgt spid="3">
+                                            <p:txEl>
+                                              <p:pRg st="2" end="2"/>
+                                            </p:txEl>
+                                          </p:spTgt>
+                                        </p:tgtEl>
+                                        <p:attrNameLst>
+                                          <p:attrName>style.visibility</p:attrName>
+                                        </p:attrNameLst>
+                                      </p:cBhvr>
+                                      <p:to>
+                                        <p:strVal val="visible"/>
+                                      </p:to>
+                                    </p:set>
+                                    <p:animEffect transition="in" filter="fade">
+                                      <p:cBhvr>
+                                        <p:cTn id="19" dur="1000"/>
+                                        <p:tgtEl>
+                                          <p:spTgt spid="3">
+                                            <p:txEl>
+                                              <p:pRg st="2" end="2"/>
+                                            </p:txEl>
+                                          </p:spTgt>
+                                        </p:tgtEl>
+                                      </p:cBhvr>
+                                    </p:animEffect>
+                                    <p:anim calcmode="lin" valueType="num">
+                                      <p:cBhvr>
+                                        <p:cTn id="20" dur="1000" fill="hold"/>
+                                        <p:tgtEl>
+                                          <p:spTgt spid="3">
+                                            <p:txEl>
+                                              <p:pRg st="2" end="2"/>
+                                            </p:txEl>
+                                          </p:spTgt>
+                                        </p:tgtEl>
+                                        <p:attrNameLst>
+                                          <p:attrName>ppt_x</p:attrName>
+                                        </p:attrNameLst>
+                                      </p:cBhvr>
+                                      <p:tavLst>
+                                        <p:tav tm="0">
+                                          <p:val>
+                                            <p:strVal val="#ppt_x"/>
+                                          </p:val>
+                                        </p:tav>
+                                        <p:tav tm="100000">
+                                          <p:val>
+                                            <p:strVal val="#ppt_x"/>
+                                          </p:val>
+                                        </p:tav>
+                                      </p:tavLst>
+                                    </p:anim>
+                                    <p:anim calcmode="lin" valueType="num">
+                                      <p:cBhvr>
+                                        <p:cTn id="21" dur="1000" fill="hold"/>
+                                        <p:tgtEl>
+                                          <p:spTgt spid="3">
+                                            <p:txEl>
+                                              <p:pRg st="2" end="2"/>
+                                            </p:txEl>
+                                          </p:spTgt>
+                                        </p:tgtEl>
+                                        <p:attrNameLst>
+                                          <p:attrName>ppt_y</p:attrName>
+                                        </p:attrNameLst>
+                                      </p:cBhvr>
+                                      <p:tavLst>
+                                        <p:tav tm="0">
+                                          <p:val>
+                                            <p:strVal val="#ppt_y+.1"/>
+                                          </p:val>
+                                        </p:tav>
+                                        <p:tav tm="100000">
+                                          <p:val>
+                                            <p:strVal val="#ppt_y"/>
+                                          </p:val>
+                                        </p:tav>
+                                      </p:tavLst>
+                                    </p:anim>
+                                  </p:childTnLst>
+                                </p:cTn>
+                              </p:par>
+                            </p:childTnLst>
+                          </p:cTn>
+                        </p:par>
+                        <p:par>
+                          <p:cTn id="22" fill="hold">
+                            <p:stCondLst>
+                              <p:cond delay="3000"/>
+                            </p:stCondLst>
+                            <p:childTnLst>
+                              <p:par>
+                                <p:cTn id="23" presetID="42" presetClass="entr" presetSubtype="0" fill="hold" grpId="0" nodeType="afterEffect">
+                                  <p:stCondLst>
+                                    <p:cond delay="0"/>
+                                  </p:stCondLst>
+                                  <p:childTnLst>
+                                    <p:set>
+                                      <p:cBhvr>
+                                        <p:cTn id="24" dur="1" fill="hold">
+                                          <p:stCondLst>
+                                            <p:cond delay="0"/>
+                                          </p:stCondLst>
+                                        </p:cTn>
+                                        <p:tgtEl>
+                                          <p:spTgt spid="3">
+                                            <p:txEl>
+                                              <p:pRg st="3" end="3"/>
+                                            </p:txEl>
+                                          </p:spTgt>
+                                        </p:tgtEl>
+                                        <p:attrNameLst>
+                                          <p:attrName>style.visibility</p:attrName>
+                                        </p:attrNameLst>
+                                      </p:cBhvr>
+                                      <p:to>
+                                        <p:strVal val="visible"/>
+                                      </p:to>
+                                    </p:set>
+                                    <p:animEffect transition="in" filter="fade">
+                                      <p:cBhvr>
+                                        <p:cTn id="25" dur="1000"/>
+                                        <p:tgtEl>
+                                          <p:spTgt spid="3">
+                                            <p:txEl>
+                                              <p:pRg st="3" end="3"/>
+                                            </p:txEl>
+                                          </p:spTgt>
+                                        </p:tgtEl>
+                                      </p:cBhvr>
+                                    </p:animEffect>
+                                    <p:anim calcmode="lin" valueType="num">
+                                      <p:cBhvr>
+                                        <p:cTn id="26" dur="1000" fill="hold"/>
+                                        <p:tgtEl>
+                                          <p:spTgt spid="3">
+                                            <p:txEl>
+                                              <p:pRg st="3" end="3"/>
+                                            </p:txEl>
+                                          </p:spTgt>
+                                        </p:tgtEl>
+                                        <p:attrNameLst>
+                                          <p:attrName>ppt_x</p:attrName>
+                                        </p:attrNameLst>
+                                      </p:cBhvr>
+                                      <p:tavLst>
+                                        <p:tav tm="0">
+                                          <p:val>
+                                            <p:strVal val="#ppt_x"/>
+                                          </p:val>
+                                        </p:tav>
+                                        <p:tav tm="100000">
+                                          <p:val>
+                                            <p:strVal val="#ppt_x"/>
+                                          </p:val>
+                                        </p:tav>
+                                      </p:tavLst>
+                                    </p:anim>
+                                    <p:anim calcmode="lin" valueType="num">
+                                      <p:cBhvr>
+                                        <p:cTn id="27" dur="1000" fill="hold"/>
+                                        <p:tgtEl>
+                                          <p:spTgt spid="3">
+                                            <p:txEl>
+                                              <p:pRg st="3" end="3"/>
+                                            </p:txEl>
+                                          </p:spTgt>
+                                        </p:tgtEl>
+                                        <p:attrNameLst>
+                                          <p:attrName>ppt_y</p:attrName>
+                                        </p:attrNameLst>
+                                      </p:cBhvr>
+                                      <p:tavLst>
+                                        <p:tav tm="0">
+                                          <p:val>
+                                            <p:strVal val="#ppt_y+.1"/>
+                                          </p:val>
+                                        </p:tav>
+                                        <p:tav tm="100000">
+                                          <p:val>
+                                            <p:strVal val="#ppt_y"/>
+                                          </p:val>
+                                        </p:tav>
+                                      </p:tavLst>
+                                    </p:anim>
+                                  </p:childTnLst>
+                                </p:cTn>
+                              </p:par>
+                            </p:childTnLst>
+                          </p:cTn>
+                        </p:par>
+                        <p:par>
+                          <p:cTn id="28" fill="hold">
+                            <p:stCondLst>
+                              <p:cond delay="4000"/>
+                            </p:stCondLst>
+                            <p:childTnLst>
+                              <p:par>
+                                <p:cTn id="29" presetID="42" presetClass="entr" presetSubtype="0" fill="hold" grpId="0" nodeType="afterEffect">
+                                  <p:stCondLst>
+                                    <p:cond delay="0"/>
+                                  </p:stCondLst>
+                                  <p:childTnLst>
+                                    <p:set>
+                                      <p:cBhvr>
+                                        <p:cTn id="30" dur="1" fill="hold">
+                                          <p:stCondLst>
+                                            <p:cond delay="0"/>
+                                          </p:stCondLst>
+                                        </p:cTn>
+                                        <p:tgtEl>
+                                          <p:spTgt spid="3">
+                                            <p:txEl>
+                                              <p:pRg st="4" end="4"/>
+                                            </p:txEl>
+                                          </p:spTgt>
+                                        </p:tgtEl>
+                                        <p:attrNameLst>
+                                          <p:attrName>style.visibility</p:attrName>
+                                        </p:attrNameLst>
+                                      </p:cBhvr>
+                                      <p:to>
+                                        <p:strVal val="visible"/>
+                                      </p:to>
+                                    </p:set>
+                                    <p:animEffect transition="in" filter="fade">
+                                      <p:cBhvr>
+                                        <p:cTn id="31" dur="1000"/>
+                                        <p:tgtEl>
+                                          <p:spTgt spid="3">
+                                            <p:txEl>
+                                              <p:pRg st="4" end="4"/>
+                                            </p:txEl>
+                                          </p:spTgt>
+                                        </p:tgtEl>
+                                      </p:cBhvr>
+                                    </p:animEffect>
+                                    <p:anim calcmode="lin" valueType="num">
+                                      <p:cBhvr>
+                                        <p:cTn id="32" dur="1000" fill="hold"/>
+                                        <p:tgtEl>
+                                          <p:spTgt spid="3">
+                                            <p:txEl>
+                                              <p:pRg st="4" end="4"/>
+                                            </p:txEl>
+                                          </p:spTgt>
+                                        </p:tgtEl>
+                                        <p:attrNameLst>
+                                          <p:attrName>ppt_x</p:attrName>
+                                        </p:attrNameLst>
+                                      </p:cBhvr>
+                                      <p:tavLst>
+                                        <p:tav tm="0">
+                                          <p:val>
+                                            <p:strVal val="#ppt_x"/>
+                                          </p:val>
+                                        </p:tav>
+                                        <p:tav tm="100000">
+                                          <p:val>
+                                            <p:strVal val="#ppt_x"/>
+                                          </p:val>
+                                        </p:tav>
+                                      </p:tavLst>
+                                    </p:anim>
+                                    <p:anim calcmode="lin" valueType="num">
+                                      <p:cBhvr>
+                                        <p:cTn id="33" dur="1000" fill="hold"/>
+                                        <p:tgtEl>
+                                          <p:spTgt spid="3">
+                                            <p:txEl>
+                                              <p:pRg st="4" end="4"/>
+                                            </p:txEl>
+                                          </p:spTgt>
+                                        </p:tgtEl>
+                                        <p:attrNameLst>
+                                          <p:attrName>ppt_y</p:attrName>
+                                        </p:attrNameLst>
+                                      </p:cBhvr>
+                                      <p:tavLst>
+                                        <p:tav tm="0">
+                                          <p:val>
+                                            <p:strVal val="#ppt_y+.1"/>
+                                          </p:val>
+                                        </p:tav>
+                                        <p:tav tm="100000">
+                                          <p:val>
+                                            <p:strVal val="#ppt_y"/>
+                                          </p:val>
+                                        </p:tav>
+                                      </p:tavLst>
+                                    </p:anim>
+                                  </p:childTnLst>
+                                </p:cTn>
+                              </p:par>
+                            </p:childTnLst>
+                          </p:cTn>
+                        </p:par>
+                        <p:par>
+                          <p:cTn id="34" fill="hold">
+                            <p:stCondLst>
+                              <p:cond delay="5000"/>
+                            </p:stCondLst>
+                            <p:childTnLst>
+                              <p:par>
+                                <p:cTn id="35" presetID="42" presetClass="entr" presetSubtype="0" fill="hold" grpId="0" nodeType="afterEffect">
+                                  <p:stCondLst>
+                                    <p:cond delay="0"/>
+                                  </p:stCondLst>
+                                  <p:childTnLst>
+                                    <p:set>
+                                      <p:cBhvr>
+                                        <p:cTn id="36" dur="1" fill="hold">
+                                          <p:stCondLst>
+                                            <p:cond delay="0"/>
+                                          </p:stCondLst>
+                                        </p:cTn>
+                                        <p:tgtEl>
+                                          <p:spTgt spid="3">
+                                            <p:txEl>
+                                              <p:pRg st="5" end="5"/>
+                                            </p:txEl>
+                                          </p:spTgt>
+                                        </p:tgtEl>
+                                        <p:attrNameLst>
+                                          <p:attrName>style.visibility</p:attrName>
+                                        </p:attrNameLst>
+                                      </p:cBhvr>
+                                      <p:to>
+                                        <p:strVal val="visible"/>
+                                      </p:to>
+                                    </p:set>
+                                    <p:animEffect transition="in" filter="fade">
+                                      <p:cBhvr>
+                                        <p:cTn id="37" dur="1000"/>
+                                        <p:tgtEl>
+                                          <p:spTgt spid="3">
+                                            <p:txEl>
+                                              <p:pRg st="5" end="5"/>
+                                            </p:txEl>
+                                          </p:spTgt>
+                                        </p:tgtEl>
+                                      </p:cBhvr>
+                                    </p:animEffect>
+                                    <p:anim calcmode="lin" valueType="num">
+                                      <p:cBhvr>
+                                        <p:cTn id="38" dur="1000" fill="hold"/>
+                                        <p:tgtEl>
+                                          <p:spTgt spid="3">
+                                            <p:txEl>
+                                              <p:pRg st="5" end="5"/>
+                                            </p:txEl>
+                                          </p:spTgt>
+                                        </p:tgtEl>
+                                        <p:attrNameLst>
+                                          <p:attrName>ppt_x</p:attrName>
+                                        </p:attrNameLst>
+                                      </p:cBhvr>
+                                      <p:tavLst>
+                                        <p:tav tm="0">
+                                          <p:val>
+                                            <p:strVal val="#ppt_x"/>
+                                          </p:val>
+                                        </p:tav>
+                                        <p:tav tm="100000">
+                                          <p:val>
+                                            <p:strVal val="#ppt_x"/>
+                                          </p:val>
+                                        </p:tav>
+                                      </p:tavLst>
+                                    </p:anim>
+                                    <p:anim calcmode="lin" valueType="num">
+                                      <p:cBhvr>
+                                        <p:cTn id="39" dur="1000" fill="hold"/>
+                                        <p:tgtEl>
+                                          <p:spTgt spid="3">
+                                            <p:txEl>
+                                              <p:pRg st="5" end="5"/>
+                                            </p:txEl>
+                                          </p:spTgt>
+                                        </p:tgtEl>
+                                        <p:attrNameLst>
+                                          <p:attrName>ppt_y</p:attrName>
+                                        </p:attrNameLst>
+                                      </p:cBhvr>
+                                      <p:tavLst>
+                                        <p:tav tm="0">
+                                          <p:val>
+                                            <p:strVal val="#ppt_y+.1"/>
+                                          </p:val>
+                                        </p:tav>
+                                        <p:tav tm="100000">
+                                          <p:val>
+                                            <p:strVal val="#ppt_y"/>
+                                          </p:val>
+                                        </p:tav>
+                                      </p:tavLst>
+                                    </p:anim>
+                                  </p:childTnLst>
+                                </p:cTn>
+                              </p:par>
+                            </p:childTnLst>
+                          </p:cTn>
+                        </p:par>
+                        <p:par>
+                          <p:cTn id="40" fill="hold">
+                            <p:stCondLst>
+                              <p:cond delay="6000"/>
+                            </p:stCondLst>
+                            <p:childTnLst>
+                              <p:par>
+                                <p:cTn id="41" presetID="42" presetClass="entr" presetSubtype="0" fill="hold" grpId="0" nodeType="afterEffect">
+                                  <p:stCondLst>
+                                    <p:cond delay="0"/>
+                                  </p:stCondLst>
+                                  <p:childTnLst>
+                                    <p:set>
+                                      <p:cBhvr>
+                                        <p:cTn id="42" dur="1" fill="hold">
+                                          <p:stCondLst>
+                                            <p:cond delay="0"/>
+                                          </p:stCondLst>
+                                        </p:cTn>
+                                        <p:tgtEl>
+                                          <p:spTgt spid="3">
+                                            <p:txEl>
+                                              <p:pRg st="6" end="6"/>
+                                            </p:txEl>
+                                          </p:spTgt>
+                                        </p:tgtEl>
+                                        <p:attrNameLst>
+                                          <p:attrName>style.visibility</p:attrName>
+                                        </p:attrNameLst>
+                                      </p:cBhvr>
+                                      <p:to>
+                                        <p:strVal val="visible"/>
+                                      </p:to>
+                                    </p:set>
+                                    <p:animEffect transition="in" filter="fade">
+                                      <p:cBhvr>
+                                        <p:cTn id="43" dur="1000"/>
+                                        <p:tgtEl>
+                                          <p:spTgt spid="3">
+                                            <p:txEl>
+                                              <p:pRg st="6" end="6"/>
+                                            </p:txEl>
+                                          </p:spTgt>
+                                        </p:tgtEl>
+                                      </p:cBhvr>
+                                    </p:animEffect>
+                                    <p:anim calcmode="lin" valueType="num">
+                                      <p:cBhvr>
+                                        <p:cTn id="44" dur="1000" fill="hold"/>
+                                        <p:tgtEl>
+                                          <p:spTgt spid="3">
+                                            <p:txEl>
+                                              <p:pRg st="6" end="6"/>
+                                            </p:txEl>
+                                          </p:spTgt>
+                                        </p:tgtEl>
+                                        <p:attrNameLst>
+                                          <p:attrName>ppt_x</p:attrName>
+                                        </p:attrNameLst>
+                                      </p:cBhvr>
+                                      <p:tavLst>
+                                        <p:tav tm="0">
+                                          <p:val>
+                                            <p:strVal val="#ppt_x"/>
+                                          </p:val>
+                                        </p:tav>
+                                        <p:tav tm="100000">
+                                          <p:val>
+                                            <p:strVal val="#ppt_x"/>
+                                          </p:val>
+                                        </p:tav>
+                                      </p:tavLst>
+                                    </p:anim>
+                                    <p:anim calcmode="lin" valueType="num">
+                                      <p:cBhvr>
+                                        <p:cTn id="45" dur="1000" fill="hold"/>
+                                        <p:tgtEl>
+                                          <p:spTgt spid="3">
+                                            <p:txEl>
+                                              <p:pRg st="6" end="6"/>
+                                            </p:txEl>
+                                          </p:spTgt>
+                                        </p:tgtEl>
+                                        <p:attrNameLst>
+                                          <p:attrName>ppt_y</p:attrName>
+                                        </p:attrNameLst>
+                                      </p:cBhvr>
+                                      <p:tavLst>
+                                        <p:tav tm="0">
+                                          <p:val>
+                                            <p:strVal val="#ppt_y+.1"/>
+                                          </p:val>
+                                        </p:tav>
+                                        <p:tav tm="100000">
+                                          <p:val>
+                                            <p:strVal val="#ppt_y"/>
+                                          </p:val>
+                                        </p:tav>
+                                      </p:tavLst>
+                                    </p:anim>
+                                  </p:childTnLst>
+                                </p:cTn>
+                              </p:par>
+                            </p:childTnLst>
+                          </p:cTn>
+                        </p:par>
+                        <p:par>
+                          <p:cTn id="46" fill="hold">
+                            <p:stCondLst>
+                              <p:cond delay="7000"/>
+                            </p:stCondLst>
+                            <p:childTnLst>
+                              <p:par>
+                                <p:cTn id="47" presetID="42" presetClass="entr" presetSubtype="0" fill="hold" grpId="0" nodeType="afterEffect">
+                                  <p:stCondLst>
+                                    <p:cond delay="0"/>
+                                  </p:stCondLst>
+                                  <p:childTnLst>
+                                    <p:set>
+                                      <p:cBhvr>
+                                        <p:cTn id="48" dur="1" fill="hold">
+                                          <p:stCondLst>
+                                            <p:cond delay="0"/>
+                                          </p:stCondLst>
+                                        </p:cTn>
+                                        <p:tgtEl>
+                                          <p:spTgt spid="3">
+                                            <p:txEl>
+                                              <p:pRg st="7" end="7"/>
+                                            </p:txEl>
+                                          </p:spTgt>
+                                        </p:tgtEl>
+                                        <p:attrNameLst>
+                                          <p:attrName>style.visibility</p:attrName>
+                                        </p:attrNameLst>
+                                      </p:cBhvr>
+                                      <p:to>
+                                        <p:strVal val="visible"/>
+                                      </p:to>
+                                    </p:set>
+                                    <p:animEffect transition="in" filter="fade">
+                                      <p:cBhvr>
+                                        <p:cTn id="49" dur="1000"/>
+                                        <p:tgtEl>
+                                          <p:spTgt spid="3">
+                                            <p:txEl>
+                                              <p:pRg st="7" end="7"/>
+                                            </p:txEl>
+                                          </p:spTgt>
+                                        </p:tgtEl>
+                                      </p:cBhvr>
+                                    </p:animEffect>
+                                    <p:anim calcmode="lin" valueType="num">
+                                      <p:cBhvr>
+                                        <p:cTn id="50" dur="1000" fill="hold"/>
+                                        <p:tgtEl>
+                                          <p:spTgt spid="3">
+                                            <p:txEl>
+                                              <p:pRg st="7" end="7"/>
+                                            </p:txEl>
+                                          </p:spTgt>
+                                        </p:tgtEl>
+                                        <p:attrNameLst>
+                                          <p:attrName>ppt_x</p:attrName>
+                                        </p:attrNameLst>
+                                      </p:cBhvr>
+                                      <p:tavLst>
+                                        <p:tav tm="0">
+                                          <p:val>
+                                            <p:strVal val="#ppt_x"/>
+                                          </p:val>
+                                        </p:tav>
+                                        <p:tav tm="100000">
+                                          <p:val>
+                                            <p:strVal val="#ppt_x"/>
+                                          </p:val>
+                                        </p:tav>
+                                      </p:tavLst>
+                                    </p:anim>
+                                    <p:anim calcmode="lin" valueType="num">
+                                      <p:cBhvr>
+                                        <p:cTn id="51" dur="1000" fill="hold"/>
+                                        <p:tgtEl>
+                                          <p:spTgt spid="3">
+                                            <p:txEl>
+                                              <p:pRg st="7" end="7"/>
+                                            </p:txEl>
+                                          </p:spTgt>
+                                        </p:tgtEl>
+                                        <p:attrNameLst>
+                                          <p:attrName>ppt_y</p:attrName>
+                                        </p:attrNameLst>
+                                      </p:cBhvr>
+                                      <p:tavLst>
+                                        <p:tav tm="0">
+                                          <p:val>
+                                            <p:strVal val="#ppt_y+.1"/>
+                                          </p:val>
+                                        </p:tav>
+                                        <p:tav tm="100000">
+                                          <p:val>
+                                            <p:strVal val="#ppt_y"/>
+                                          </p:val>
+                                        </p:tav>
+                                      </p:tavLst>
+                                    </p:anim>
+                                  </p:childTnLst>
+                                </p:cTn>
+                              </p:par>
+                            </p:childTnLst>
+                          </p:cTn>
+                        </p:par>
+                        <p:par>
+                          <p:cTn id="52" fill="hold">
+                            <p:stCondLst>
+                              <p:cond delay="8000"/>
+                            </p:stCondLst>
+                            <p:childTnLst>
+                              <p:par>
+                                <p:cTn id="53" presetID="42" presetClass="entr" presetSubtype="0" fill="hold" grpId="0" nodeType="afterEffect">
+                                  <p:stCondLst>
+                                    <p:cond delay="0"/>
+                                  </p:stCondLst>
+                                  <p:childTnLst>
+                                    <p:set>
+                                      <p:cBhvr>
+                                        <p:cTn id="54" dur="1" fill="hold">
+                                          <p:stCondLst>
+                                            <p:cond delay="0"/>
+                                          </p:stCondLst>
+                                        </p:cTn>
+                                        <p:tgtEl>
+                                          <p:spTgt spid="3">
+                                            <p:txEl>
+                                              <p:pRg st="8" end="8"/>
+                                            </p:txEl>
+                                          </p:spTgt>
+                                        </p:tgtEl>
+                                        <p:attrNameLst>
+                                          <p:attrName>style.visibility</p:attrName>
+                                        </p:attrNameLst>
+                                      </p:cBhvr>
+                                      <p:to>
+                                        <p:strVal val="visible"/>
+                                      </p:to>
+                                    </p:set>
+                                    <p:animEffect transition="in" filter="fade">
+                                      <p:cBhvr>
+                                        <p:cTn id="55" dur="1000"/>
+                                        <p:tgtEl>
+                                          <p:spTgt spid="3">
+                                            <p:txEl>
+                                              <p:pRg st="8" end="8"/>
+                                            </p:txEl>
+                                          </p:spTgt>
+                                        </p:tgtEl>
+                                      </p:cBhvr>
+                                    </p:animEffect>
+                                    <p:anim calcmode="lin" valueType="num">
+                                      <p:cBhvr>
+                                        <p:cTn id="56" dur="1000" fill="hold"/>
+                                        <p:tgtEl>
+                                          <p:spTgt spid="3">
+                                            <p:txEl>
+                                              <p:pRg st="8" end="8"/>
+                                            </p:txEl>
+                                          </p:spTgt>
+                                        </p:tgtEl>
+                                        <p:attrNameLst>
+                                          <p:attrName>ppt_x</p:attrName>
+                                        </p:attrNameLst>
+                                      </p:cBhvr>
+                                      <p:tavLst>
+                                        <p:tav tm="0">
+                                          <p:val>
+                                            <p:strVal val="#ppt_x"/>
+                                          </p:val>
+                                        </p:tav>
+                                        <p:tav tm="100000">
+                                          <p:val>
+                                            <p:strVal val="#ppt_x"/>
+                                          </p:val>
+                                        </p:tav>
+                                      </p:tavLst>
+                                    </p:anim>
+                                    <p:anim calcmode="lin" valueType="num">
+                                      <p:cBhvr>
+                                        <p:cTn id="57" dur="1000" fill="hold"/>
+                                        <p:tgtEl>
+                                          <p:spTgt spid="3">
+                                            <p:txEl>
+                                              <p:pRg st="8" end="8"/>
+                                            </p:txEl>
+                                          </p:spTgt>
+                                        </p:tgtEl>
+                                        <p:attrNameLst>
+                                          <p:attrName>ppt_y</p:attrName>
+                                        </p:attrNameLst>
+                                      </p:cBhvr>
+                                      <p:tavLst>
+                                        <p:tav tm="0">
+                                          <p:val>
+                                            <p:strVal val="#ppt_y+.1"/>
+                                          </p:val>
+                                        </p:tav>
+                                        <p:tav tm="100000">
+                                          <p:val>
+                                            <p:strVal val="#ppt_y"/>
+                                          </p:val>
+                                        </p:tav>
+                                      </p:tavLst>
+                                    </p:anim>
+                                  </p:childTnLst>
+                                </p:cTn>
+                              </p:par>
+                            </p:childTnLst>
+                          </p:cTn>
+                        </p:par>
+                      </p:childTnLst>
+                    </p:cTn>
+                  </p:par>
+                </p:childTnLst>
+              </p:cTn>
+              <p:prevCondLst>
+                <p:cond evt="onPrev" delay="0">
+                  <p:tgtEl>
+                    <p:sldTgt/>
+                  </p:tgtEl>
+                </p:cond>
+              </p:prevCondLst>
+              <p:nextCondLst>
+                <p:cond evt="onNext" delay="0">
+                  <p:tgtEl>
+                    <p:sldTgt/>
+                  </p:tgtEl>
+                </p:cond>
+              </p:nextCondLst>
+            </p:seq>
+          </p:childTnLst>
+        </p:cTn>
+      </p:par>
+    </p:tnLst>
+    <p:bldLst>
+      <p:bldP spid="3" grpId="0" uiExpand="1" build="p"/>
+    </p:bldLst>
+  </p:timing>
 </p:sld>
 </file>
 
@@ -5116,6 +7508,266 @@
   <p:clrMapOvr>
     <a:masterClrMapping/>
   </p:clrMapOvr>
+  <p:transition spd="slow">
+    <p:push dir="u"/>
+  </p:transition>
+  <p:timing>
+    <p:tnLst>
+      <p:par>
+        <p:cTn id="1" dur="indefinite" restart="never" nodeType="tmRoot">
+          <p:childTnLst>
+            <p:seq concurrent="1" nextAc="seek">
+              <p:cTn id="2" dur="indefinite" nodeType="mainSeq">
+                <p:childTnLst>
+                  <p:par>
+                    <p:cTn id="3" fill="hold">
+                      <p:stCondLst>
+                        <p:cond delay="indefinite"/>
+                        <p:cond evt="onBegin" delay="0">
+                          <p:tn val="2"/>
+                        </p:cond>
+                      </p:stCondLst>
+                      <p:childTnLst>
+                        <p:par>
+                          <p:cTn id="4" fill="hold">
+                            <p:stCondLst>
+                              <p:cond delay="0"/>
+                            </p:stCondLst>
+                            <p:childTnLst>
+                              <p:par>
+                                <p:cTn id="5" presetID="53" presetClass="entr" presetSubtype="16" fill="hold" grpId="0" nodeType="afterEffect">
+                                  <p:stCondLst>
+                                    <p:cond delay="500"/>
+                                  </p:stCondLst>
+                                  <p:childTnLst>
+                                    <p:set>
+                                      <p:cBhvr>
+                                        <p:cTn id="6" dur="1" fill="hold">
+                                          <p:stCondLst>
+                                            <p:cond delay="0"/>
+                                          </p:stCondLst>
+                                        </p:cTn>
+                                        <p:tgtEl>
+                                          <p:spTgt spid="3">
+                                            <p:txEl>
+                                              <p:pRg st="0" end="0"/>
+                                            </p:txEl>
+                                          </p:spTgt>
+                                        </p:tgtEl>
+                                        <p:attrNameLst>
+                                          <p:attrName>style.visibility</p:attrName>
+                                        </p:attrNameLst>
+                                      </p:cBhvr>
+                                      <p:to>
+                                        <p:strVal val="visible"/>
+                                      </p:to>
+                                    </p:set>
+                                    <p:anim calcmode="lin" valueType="num">
+                                      <p:cBhvr>
+                                        <p:cTn id="7" dur="500" fill="hold"/>
+                                        <p:tgtEl>
+                                          <p:spTgt spid="3">
+                                            <p:txEl>
+                                              <p:pRg st="0" end="0"/>
+                                            </p:txEl>
+                                          </p:spTgt>
+                                        </p:tgtEl>
+                                        <p:attrNameLst>
+                                          <p:attrName>ppt_w</p:attrName>
+                                        </p:attrNameLst>
+                                      </p:cBhvr>
+                                      <p:tavLst>
+                                        <p:tav tm="0">
+                                          <p:val>
+                                            <p:fltVal val="0"/>
+                                          </p:val>
+                                        </p:tav>
+                                        <p:tav tm="100000">
+                                          <p:val>
+                                            <p:strVal val="#ppt_w"/>
+                                          </p:val>
+                                        </p:tav>
+                                      </p:tavLst>
+                                    </p:anim>
+                                    <p:anim calcmode="lin" valueType="num">
+                                      <p:cBhvr>
+                                        <p:cTn id="8" dur="500" fill="hold"/>
+                                        <p:tgtEl>
+                                          <p:spTgt spid="3">
+                                            <p:txEl>
+                                              <p:pRg st="0" end="0"/>
+                                            </p:txEl>
+                                          </p:spTgt>
+                                        </p:tgtEl>
+                                        <p:attrNameLst>
+                                          <p:attrName>ppt_h</p:attrName>
+                                        </p:attrNameLst>
+                                      </p:cBhvr>
+                                      <p:tavLst>
+                                        <p:tav tm="0">
+                                          <p:val>
+                                            <p:fltVal val="0"/>
+                                          </p:val>
+                                        </p:tav>
+                                        <p:tav tm="100000">
+                                          <p:val>
+                                            <p:strVal val="#ppt_h"/>
+                                          </p:val>
+                                        </p:tav>
+                                      </p:tavLst>
+                                    </p:anim>
+                                    <p:animEffect transition="in" filter="fade">
+                                      <p:cBhvr>
+                                        <p:cTn id="9" dur="500"/>
+                                        <p:tgtEl>
+                                          <p:spTgt spid="3">
+                                            <p:txEl>
+                                              <p:pRg st="0" end="0"/>
+                                            </p:txEl>
+                                          </p:spTgt>
+                                        </p:tgtEl>
+                                      </p:cBhvr>
+                                    </p:animEffect>
+                                  </p:childTnLst>
+                                </p:cTn>
+                              </p:par>
+                            </p:childTnLst>
+                          </p:cTn>
+                        </p:par>
+                        <p:par>
+                          <p:cTn id="10" fill="hold">
+                            <p:stCondLst>
+                              <p:cond delay="1000"/>
+                            </p:stCondLst>
+                            <p:childTnLst>
+                              <p:par>
+                                <p:cTn id="11" presetID="53" presetClass="entr" presetSubtype="16" fill="hold" grpId="0" nodeType="afterEffect">
+                                  <p:stCondLst>
+                                    <p:cond delay="0"/>
+                                  </p:stCondLst>
+                                  <p:childTnLst>
+                                    <p:set>
+                                      <p:cBhvr>
+                                        <p:cTn id="12" dur="1" fill="hold">
+                                          <p:stCondLst>
+                                            <p:cond delay="0"/>
+                                          </p:stCondLst>
+                                        </p:cTn>
+                                        <p:tgtEl>
+                                          <p:spTgt spid="3">
+                                            <p:txEl>
+                                              <p:pRg st="2" end="2"/>
+                                            </p:txEl>
+                                          </p:spTgt>
+                                        </p:tgtEl>
+                                        <p:attrNameLst>
+                                          <p:attrName>style.visibility</p:attrName>
+                                        </p:attrNameLst>
+                                      </p:cBhvr>
+                                      <p:to>
+                                        <p:strVal val="visible"/>
+                                      </p:to>
+                                    </p:set>
+                                    <p:anim calcmode="lin" valueType="num">
+                                      <p:cBhvr>
+                                        <p:cTn id="13" dur="500" fill="hold"/>
+                                        <p:tgtEl>
+                                          <p:spTgt spid="3">
+                                            <p:txEl>
+                                              <p:pRg st="2" end="2"/>
+                                            </p:txEl>
+                                          </p:spTgt>
+                                        </p:tgtEl>
+                                        <p:attrNameLst>
+                                          <p:attrName>ppt_w</p:attrName>
+                                        </p:attrNameLst>
+                                      </p:cBhvr>
+                                      <p:tavLst>
+                                        <p:tav tm="0">
+                                          <p:val>
+                                            <p:fltVal val="0"/>
+                                          </p:val>
+                                        </p:tav>
+                                        <p:tav tm="100000">
+                                          <p:val>
+                                            <p:strVal val="#ppt_w"/>
+                                          </p:val>
+                                        </p:tav>
+                                      </p:tavLst>
+                                    </p:anim>
+                                    <p:anim calcmode="lin" valueType="num">
+                                      <p:cBhvr>
+                                        <p:cTn id="14" dur="500" fill="hold"/>
+                                        <p:tgtEl>
+                                          <p:spTgt spid="3">
+                                            <p:txEl>
+                                              <p:pRg st="2" end="2"/>
+                                            </p:txEl>
+                                          </p:spTgt>
+                                        </p:tgtEl>
+                                        <p:attrNameLst>
+                                          <p:attrName>ppt_h</p:attrName>
+                                        </p:attrNameLst>
+                                      </p:cBhvr>
+                                      <p:tavLst>
+                                        <p:tav tm="0">
+                                          <p:val>
+                                            <p:fltVal val="0"/>
+                                          </p:val>
+                                        </p:tav>
+                                        <p:tav tm="100000">
+                                          <p:val>
+                                            <p:strVal val="#ppt_h"/>
+                                          </p:val>
+                                        </p:tav>
+                                      </p:tavLst>
+                                    </p:anim>
+                                    <p:animEffect transition="in" filter="fade">
+                                      <p:cBhvr>
+                                        <p:cTn id="15" dur="500"/>
+                                        <p:tgtEl>
+                                          <p:spTgt spid="3">
+                                            <p:txEl>
+                                              <p:pRg st="2" end="2"/>
+                                            </p:txEl>
+                                          </p:spTgt>
+                                        </p:tgtEl>
+                                      </p:cBhvr>
+                                    </p:animEffect>
+                                  </p:childTnLst>
+                                </p:cTn>
+                              </p:par>
+                            </p:childTnLst>
+                          </p:cTn>
+                        </p:par>
+                      </p:childTnLst>
+                    </p:cTn>
+                  </p:par>
+                </p:childTnLst>
+              </p:cTn>
+              <p:prevCondLst>
+                <p:cond evt="onPrev" delay="0">
+                  <p:tgtEl>
+                    <p:sldTgt/>
+                  </p:tgtEl>
+                </p:cond>
+              </p:prevCondLst>
+              <p:nextCondLst>
+                <p:cond evt="onNext" delay="0">
+                  <p:tgtEl>
+                    <p:sldTgt/>
+                  </p:tgtEl>
+                </p:cond>
+              </p:nextCondLst>
+            </p:seq>
+          </p:childTnLst>
+        </p:cTn>
+      </p:par>
+    </p:tnLst>
+    <p:bldLst>
+      <p:bldP spid="3" grpId="0" build="p"/>
+    </p:bldLst>
+  </p:timing>
 </p:sld>
 </file>
 

--- a/Quack-A-Moley.pptx
+++ b/Quack-A-Moley.pptx
@@ -4698,6 +4698,32 @@
                   <a:srgbClr val="000000"/>
                 </a:solidFill>
               </a:rPr>
+              <a:t>Two different mole types</a:t>
+            </a:r>
+          </a:p>
+          <a:p>
+            <a:pPr lvl="1"/>
+            <a:r>
+              <a:rPr lang="en-US" sz="2000" dirty="0">
+                <a:solidFill>
+                  <a:srgbClr val="000000"/>
+                </a:solidFill>
+              </a:rPr>
+              <a:t>Normal and Elite</a:t>
+            </a:r>
+            <a:endParaRPr lang="en-US" sz="2400" dirty="0">
+              <a:solidFill>
+                <a:srgbClr val="000000"/>
+              </a:solidFill>
+            </a:endParaRPr>
+          </a:p>
+          <a:p>
+            <a:r>
+              <a:rPr lang="en-US" sz="2400" dirty="0">
+                <a:solidFill>
+                  <a:srgbClr val="000000"/>
+                </a:solidFill>
+              </a:rPr>
               <a:t>If you miss, mole will create a new hole</a:t>
             </a:r>
           </a:p>
@@ -4719,7 +4745,7 @@
                   <a:srgbClr val="000000"/>
                 </a:solidFill>
               </a:rPr>
-              <a:t>But you can buy Power Ups!</a:t>
+              <a:t>But you can also buy Power Ups!</a:t>
             </a:r>
           </a:p>
           <a:p>
@@ -4921,7 +4947,7 @@
                               <p:par>
                                 <p:cTn id="12" presetID="42" presetClass="entr" presetSubtype="0" fill="hold" grpId="0" nodeType="clickEffect">
                                   <p:stCondLst>
-                                    <p:cond delay="0"/>
+                                    <p:cond delay="500"/>
                                   </p:stCondLst>
                                   <p:childTnLst>
                                     <p:set>
@@ -5015,24 +5041,15 @@
                                   </p:childTnLst>
                                 </p:cTn>
                               </p:par>
-                            </p:childTnLst>
-                          </p:cTn>
-                        </p:par>
-                        <p:par>
-                          <p:cTn id="17" fill="hold">
-                            <p:stCondLst>
-                              <p:cond delay="1000"/>
-                            </p:stCondLst>
-                            <p:childTnLst>
                               <p:par>
-                                <p:cTn id="18" presetID="42" presetClass="entr" presetSubtype="0" fill="hold" grpId="0" nodeType="afterEffect">
+                                <p:cTn id="17" presetID="42" presetClass="entr" presetSubtype="0" fill="hold" grpId="0" nodeType="withEffect">
                                   <p:stCondLst>
-                                    <p:cond delay="1000"/>
+                                    <p:cond delay="500"/>
                                   </p:stCondLst>
                                   <p:childTnLst>
                                     <p:set>
                                       <p:cBhvr>
-                                        <p:cTn id="19" dur="1" fill="hold">
+                                        <p:cTn id="18" dur="1" fill="hold">
                                           <p:stCondLst>
                                             <p:cond delay="0"/>
                                           </p:stCondLst>
@@ -5054,7 +5071,7 @@
                                     </p:set>
                                     <p:animEffect transition="in" filter="fade">
                                       <p:cBhvr>
-                                        <p:cTn id="20" dur="1000"/>
+                                        <p:cTn id="19" dur="1000"/>
                                         <p:tgtEl>
                                           <p:spTgt spid="3">
                                             <p:txEl>
@@ -5066,7 +5083,7 @@
                                     </p:animEffect>
                                     <p:anim calcmode="lin" valueType="num">
                                       <p:cBhvr>
-                                        <p:cTn id="21" dur="1000" fill="hold"/>
+                                        <p:cTn id="20" dur="1000" fill="hold"/>
                                         <p:tgtEl>
                                           <p:spTgt spid="3">
                                             <p:txEl>
@@ -5093,7 +5110,7 @@
                                     </p:anim>
                                     <p:anim calcmode="lin" valueType="num">
                                       <p:cBhvr>
-                                        <p:cTn id="22" dur="1000" fill="hold"/>
+                                        <p:cTn id="21" dur="1000" fill="hold"/>
                                         <p:tgtEl>
                                           <p:spTgt spid="3">
                                             <p:txEl>
@@ -5128,26 +5145,26 @@
                     </p:cTn>
                   </p:par>
                   <p:par>
-                    <p:cTn id="23" fill="hold">
+                    <p:cTn id="22" fill="hold">
                       <p:stCondLst>
                         <p:cond delay="indefinite"/>
                       </p:stCondLst>
                       <p:childTnLst>
                         <p:par>
-                          <p:cTn id="24" fill="hold">
+                          <p:cTn id="23" fill="hold">
                             <p:stCondLst>
                               <p:cond delay="0"/>
                             </p:stCondLst>
                             <p:childTnLst>
                               <p:par>
-                                <p:cTn id="25" presetID="42" presetClass="entr" presetSubtype="0" fill="hold" grpId="0" nodeType="clickEffect">
+                                <p:cTn id="24" presetID="42" presetClass="entr" presetSubtype="0" fill="hold" grpId="0" nodeType="clickEffect">
                                   <p:stCondLst>
                                     <p:cond delay="0"/>
                                   </p:stCondLst>
                                   <p:childTnLst>
                                     <p:set>
                                       <p:cBhvr>
-                                        <p:cTn id="26" dur="1" fill="hold">
+                                        <p:cTn id="25" dur="1" fill="hold">
                                           <p:stCondLst>
                                             <p:cond delay="0"/>
                                           </p:stCondLst>
@@ -5169,7 +5186,7 @@
                                     </p:set>
                                     <p:animEffect transition="in" filter="fade">
                                       <p:cBhvr>
-                                        <p:cTn id="27" dur="1000"/>
+                                        <p:cTn id="26" dur="1000"/>
                                         <p:tgtEl>
                                           <p:spTgt spid="3">
                                             <p:txEl>
@@ -5181,7 +5198,7 @@
                                     </p:animEffect>
                                     <p:anim calcmode="lin" valueType="num">
                                       <p:cBhvr>
-                                        <p:cTn id="28" dur="1000" fill="hold"/>
+                                        <p:cTn id="27" dur="1000" fill="hold"/>
                                         <p:tgtEl>
                                           <p:spTgt spid="3">
                                             <p:txEl>
@@ -5208,11 +5225,117 @@
                                     </p:anim>
                                     <p:anim calcmode="lin" valueType="num">
                                       <p:cBhvr>
-                                        <p:cTn id="29" dur="1000" fill="hold"/>
+                                        <p:cTn id="28" dur="1000" fill="hold"/>
                                         <p:tgtEl>
                                           <p:spTgt spid="3">
                                             <p:txEl>
                                               <p:pRg st="3" end="3"/>
+                                            </p:txEl>
+                                          </p:spTgt>
+                                        </p:tgtEl>
+                                        <p:attrNameLst>
+                                          <p:attrName>ppt_y</p:attrName>
+                                        </p:attrNameLst>
+                                      </p:cBhvr>
+                                      <p:tavLst>
+                                        <p:tav tm="0">
+                                          <p:val>
+                                            <p:strVal val="#ppt_y+.1"/>
+                                          </p:val>
+                                        </p:tav>
+                                        <p:tav tm="100000">
+                                          <p:val>
+                                            <p:strVal val="#ppt_y"/>
+                                          </p:val>
+                                        </p:tav>
+                                      </p:tavLst>
+                                    </p:anim>
+                                  </p:childTnLst>
+                                </p:cTn>
+                              </p:par>
+                            </p:childTnLst>
+                          </p:cTn>
+                        </p:par>
+                        <p:par>
+                          <p:cTn id="29" fill="hold">
+                            <p:stCondLst>
+                              <p:cond delay="1000"/>
+                            </p:stCondLst>
+                            <p:childTnLst>
+                              <p:par>
+                                <p:cTn id="30" presetID="42" presetClass="entr" presetSubtype="0" fill="hold" grpId="0" nodeType="afterEffect">
+                                  <p:stCondLst>
+                                    <p:cond delay="1000"/>
+                                  </p:stCondLst>
+                                  <p:childTnLst>
+                                    <p:set>
+                                      <p:cBhvr>
+                                        <p:cTn id="31" dur="1" fill="hold">
+                                          <p:stCondLst>
+                                            <p:cond delay="0"/>
+                                          </p:stCondLst>
+                                        </p:cTn>
+                                        <p:tgtEl>
+                                          <p:spTgt spid="3">
+                                            <p:txEl>
+                                              <p:pRg st="4" end="4"/>
+                                            </p:txEl>
+                                          </p:spTgt>
+                                        </p:tgtEl>
+                                        <p:attrNameLst>
+                                          <p:attrName>style.visibility</p:attrName>
+                                        </p:attrNameLst>
+                                      </p:cBhvr>
+                                      <p:to>
+                                        <p:strVal val="visible"/>
+                                      </p:to>
+                                    </p:set>
+                                    <p:animEffect transition="in" filter="fade">
+                                      <p:cBhvr>
+                                        <p:cTn id="32" dur="1000"/>
+                                        <p:tgtEl>
+                                          <p:spTgt spid="3">
+                                            <p:txEl>
+                                              <p:pRg st="4" end="4"/>
+                                            </p:txEl>
+                                          </p:spTgt>
+                                        </p:tgtEl>
+                                      </p:cBhvr>
+                                    </p:animEffect>
+                                    <p:anim calcmode="lin" valueType="num">
+                                      <p:cBhvr>
+                                        <p:cTn id="33" dur="1000" fill="hold"/>
+                                        <p:tgtEl>
+                                          <p:spTgt spid="3">
+                                            <p:txEl>
+                                              <p:pRg st="4" end="4"/>
+                                            </p:txEl>
+                                          </p:spTgt>
+                                        </p:tgtEl>
+                                        <p:attrNameLst>
+                                          <p:attrName>ppt_x</p:attrName>
+                                        </p:attrNameLst>
+                                      </p:cBhvr>
+                                      <p:tavLst>
+                                        <p:tav tm="0">
+                                          <p:val>
+                                            <p:strVal val="#ppt_x"/>
+                                          </p:val>
+                                        </p:tav>
+                                        <p:tav tm="100000">
+                                          <p:val>
+                                            <p:strVal val="#ppt_x"/>
+                                          </p:val>
+                                        </p:tav>
+                                      </p:tavLst>
+                                    </p:anim>
+                                    <p:anim calcmode="lin" valueType="num">
+                                      <p:cBhvr>
+                                        <p:cTn id="34" dur="1000" fill="hold"/>
+                                        <p:tgtEl>
+                                          <p:spTgt spid="3">
+                                            <p:txEl>
+                                              <p:pRg st="4" end="4"/>
                                             </p:txEl>
                                           </p:spTgt>
                                         </p:tgtEl>
@@ -5243,26 +5366,26 @@
                     </p:cTn>
                   </p:par>
                   <p:par>
-                    <p:cTn id="30" fill="hold">
+                    <p:cTn id="35" fill="hold">
                       <p:stCondLst>
                         <p:cond delay="indefinite"/>
                       </p:stCondLst>
                       <p:childTnLst>
                         <p:par>
-                          <p:cTn id="31" fill="hold">
+                          <p:cTn id="36" fill="hold">
                             <p:stCondLst>
                               <p:cond delay="0"/>
                             </p:stCondLst>
                             <p:childTnLst>
                               <p:par>
-                                <p:cTn id="32" presetID="42" presetClass="entr" presetSubtype="0" fill="hold" grpId="0" nodeType="clickEffect">
+                                <p:cTn id="37" presetID="42" presetClass="entr" presetSubtype="0" fill="hold" grpId="0" nodeType="clickEffect">
                                   <p:stCondLst>
                                     <p:cond delay="0"/>
                                   </p:stCondLst>
                                   <p:childTnLst>
                                     <p:set>
                                       <p:cBhvr>
-                                        <p:cTn id="33" dur="1" fill="hold">
+                                        <p:cTn id="38" dur="1" fill="hold">
                                           <p:stCondLst>
                                             <p:cond delay="0"/>
                                           </p:stCondLst>
@@ -5270,7 +5393,7 @@
                                         <p:tgtEl>
                                           <p:spTgt spid="3">
                                             <p:txEl>
-                                              <p:pRg st="4" end="4"/>
+                                              <p:pRg st="5" end="5"/>
                                             </p:txEl>
                                           </p:spTgt>
                                         </p:tgtEl>
@@ -5284,11 +5407,11 @@
                                     </p:set>
                                     <p:animEffect transition="in" filter="fade">
                                       <p:cBhvr>
-                                        <p:cTn id="34" dur="1000"/>
-                                        <p:tgtEl>
-                                          <p:spTgt spid="3">
-                                            <p:txEl>
-                                              <p:pRg st="4" end="4"/>
+                                        <p:cTn id="39" dur="1000"/>
+                                        <p:tgtEl>
+                                          <p:spTgt spid="3">
+                                            <p:txEl>
+                                              <p:pRg st="5" end="5"/>
                                             </p:txEl>
                                           </p:spTgt>
                                         </p:tgtEl>
@@ -5296,11 +5419,11 @@
                                     </p:animEffect>
                                     <p:anim calcmode="lin" valueType="num">
                                       <p:cBhvr>
-                                        <p:cTn id="35" dur="1000" fill="hold"/>
-                                        <p:tgtEl>
-                                          <p:spTgt spid="3">
-                                            <p:txEl>
-                                              <p:pRg st="4" end="4"/>
+                                        <p:cTn id="40" dur="1000" fill="hold"/>
+                                        <p:tgtEl>
+                                          <p:spTgt spid="3">
+                                            <p:txEl>
+                                              <p:pRg st="5" end="5"/>
                                             </p:txEl>
                                           </p:spTgt>
                                         </p:tgtEl>
@@ -5323,223 +5446,11 @@
                                     </p:anim>
                                     <p:anim calcmode="lin" valueType="num">
                                       <p:cBhvr>
-                                        <p:cTn id="36" dur="1000" fill="hold"/>
-                                        <p:tgtEl>
-                                          <p:spTgt spid="3">
-                                            <p:txEl>
-                                              <p:pRg st="4" end="4"/>
-                                            </p:txEl>
-                                          </p:spTgt>
-                                        </p:tgtEl>
-                                        <p:attrNameLst>
-                                          <p:attrName>ppt_y</p:attrName>
-                                        </p:attrNameLst>
-                                      </p:cBhvr>
-                                      <p:tavLst>
-                                        <p:tav tm="0">
-                                          <p:val>
-                                            <p:strVal val="#ppt_y+.1"/>
-                                          </p:val>
-                                        </p:tav>
-                                        <p:tav tm="100000">
-                                          <p:val>
-                                            <p:strVal val="#ppt_y"/>
-                                          </p:val>
-                                        </p:tav>
-                                      </p:tavLst>
-                                    </p:anim>
-                                  </p:childTnLst>
-                                </p:cTn>
-                              </p:par>
-                            </p:childTnLst>
-                          </p:cTn>
-                        </p:par>
-                        <p:par>
-                          <p:cTn id="37" fill="hold">
-                            <p:stCondLst>
-                              <p:cond delay="1000"/>
-                            </p:stCondLst>
-                            <p:childTnLst>
-                              <p:par>
-                                <p:cTn id="38" presetID="42" presetClass="entr" presetSubtype="0" fill="hold" grpId="0" nodeType="afterEffect">
-                                  <p:stCondLst>
-                                    <p:cond delay="0"/>
-                                  </p:stCondLst>
-                                  <p:childTnLst>
-                                    <p:set>
-                                      <p:cBhvr>
-                                        <p:cTn id="39" dur="1" fill="hold">
-                                          <p:stCondLst>
-                                            <p:cond delay="0"/>
-                                          </p:stCondLst>
-                                        </p:cTn>
+                                        <p:cTn id="41" dur="1000" fill="hold"/>
                                         <p:tgtEl>
                                           <p:spTgt spid="3">
                                             <p:txEl>
                                               <p:pRg st="5" end="5"/>
-                                            </p:txEl>
-                                          </p:spTgt>
-                                        </p:tgtEl>
-                                        <p:attrNameLst>
-                                          <p:attrName>style.visibility</p:attrName>
-                                        </p:attrNameLst>
-                                      </p:cBhvr>
-                                      <p:to>
-                                        <p:strVal val="visible"/>
-                                      </p:to>
-                                    </p:set>
-                                    <p:animEffect transition="in" filter="fade">
-                                      <p:cBhvr>
-                                        <p:cTn id="40" dur="1000"/>
-                                        <p:tgtEl>
-                                          <p:spTgt spid="3">
-                                            <p:txEl>
-                                              <p:pRg st="5" end="5"/>
-                                            </p:txEl>
-                                          </p:spTgt>
-                                        </p:tgtEl>
-                                      </p:cBhvr>
-                                    </p:animEffect>
-                                    <p:anim calcmode="lin" valueType="num">
-                                      <p:cBhvr>
-                                        <p:cTn id="41" dur="1000" fill="hold"/>
-                                        <p:tgtEl>
-                                          <p:spTgt spid="3">
-                                            <p:txEl>
-                                              <p:pRg st="5" end="5"/>
-                                            </p:txEl>
-                                          </p:spTgt>
-                                        </p:tgtEl>
-                                        <p:attrNameLst>
-                                          <p:attrName>ppt_x</p:attrName>
-                                        </p:attrNameLst>
-                                      </p:cBhvr>
-                                      <p:tavLst>
-                                        <p:tav tm="0">
-                                          <p:val>
-                                            <p:strVal val="#ppt_x"/>
-                                          </p:val>
-                                        </p:tav>
-                                        <p:tav tm="100000">
-                                          <p:val>
-                                            <p:strVal val="#ppt_x"/>
-                                          </p:val>
-                                        </p:tav>
-                                      </p:tavLst>
-                                    </p:anim>
-                                    <p:anim calcmode="lin" valueType="num">
-                                      <p:cBhvr>
-                                        <p:cTn id="42" dur="1000" fill="hold"/>
-                                        <p:tgtEl>
-                                          <p:spTgt spid="3">
-                                            <p:txEl>
-                                              <p:pRg st="5" end="5"/>
-                                            </p:txEl>
-                                          </p:spTgt>
-                                        </p:tgtEl>
-                                        <p:attrNameLst>
-                                          <p:attrName>ppt_y</p:attrName>
-                                        </p:attrNameLst>
-                                      </p:cBhvr>
-                                      <p:tavLst>
-                                        <p:tav tm="0">
-                                          <p:val>
-                                            <p:strVal val="#ppt_y+.1"/>
-                                          </p:val>
-                                        </p:tav>
-                                        <p:tav tm="100000">
-                                          <p:val>
-                                            <p:strVal val="#ppt_y"/>
-                                          </p:val>
-                                        </p:tav>
-                                      </p:tavLst>
-                                    </p:anim>
-                                  </p:childTnLst>
-                                </p:cTn>
-                              </p:par>
-                            </p:childTnLst>
-                          </p:cTn>
-                        </p:par>
-                        <p:par>
-                          <p:cTn id="43" fill="hold">
-                            <p:stCondLst>
-                              <p:cond delay="2000"/>
-                            </p:stCondLst>
-                            <p:childTnLst>
-                              <p:par>
-                                <p:cTn id="44" presetID="42" presetClass="entr" presetSubtype="0" fill="hold" grpId="0" nodeType="afterEffect">
-                                  <p:stCondLst>
-                                    <p:cond delay="0"/>
-                                  </p:stCondLst>
-                                  <p:childTnLst>
-                                    <p:set>
-                                      <p:cBhvr>
-                                        <p:cTn id="45" dur="1" fill="hold">
-                                          <p:stCondLst>
-                                            <p:cond delay="0"/>
-                                          </p:stCondLst>
-                                        </p:cTn>
-                                        <p:tgtEl>
-                                          <p:spTgt spid="3">
-                                            <p:txEl>
-                                              <p:pRg st="6" end="6"/>
-                                            </p:txEl>
-                                          </p:spTgt>
-                                        </p:tgtEl>
-                                        <p:attrNameLst>
-                                          <p:attrName>style.visibility</p:attrName>
-                                        </p:attrNameLst>
-                                      </p:cBhvr>
-                                      <p:to>
-                                        <p:strVal val="visible"/>
-                                      </p:to>
-                                    </p:set>
-                                    <p:animEffect transition="in" filter="fade">
-                                      <p:cBhvr>
-                                        <p:cTn id="46" dur="1000"/>
-                                        <p:tgtEl>
-                                          <p:spTgt spid="3">
-                                            <p:txEl>
-                                              <p:pRg st="6" end="6"/>
-                                            </p:txEl>
-                                          </p:spTgt>
-                                        </p:tgtEl>
-                                      </p:cBhvr>
-                                    </p:animEffect>
-                                    <p:anim calcmode="lin" valueType="num">
-                                      <p:cBhvr>
-                                        <p:cTn id="47" dur="1000" fill="hold"/>
-                                        <p:tgtEl>
-                                          <p:spTgt spid="3">
-                                            <p:txEl>
-                                              <p:pRg st="6" end="6"/>
-                                            </p:txEl>
-                                          </p:spTgt>
-                                        </p:tgtEl>
-                                        <p:attrNameLst>
-                                          <p:attrName>ppt_x</p:attrName>
-                                        </p:attrNameLst>
-                                      </p:cBhvr>
-                                      <p:tavLst>
-                                        <p:tav tm="0">
-                                          <p:val>
-                                            <p:strVal val="#ppt_x"/>
-                                          </p:val>
-                                        </p:tav>
-                                        <p:tav tm="100000">
-                                          <p:val>
-                                            <p:strVal val="#ppt_x"/>
-                                          </p:val>
-                                        </p:tav>
-                                      </p:tavLst>
-                                    </p:anim>
-                                    <p:anim calcmode="lin" valueType="num">
-                                      <p:cBhvr>
-                                        <p:cTn id="48" dur="1000" fill="hold"/>
-                                        <p:tgtEl>
-                                          <p:spTgt spid="3">
-                                            <p:txEl>
-                                              <p:pRg st="6" end="6"/>
                                             </p:txEl>
                                           </p:spTgt>
                                         </p:tgtEl>
@@ -5570,26 +5481,26 @@
                     </p:cTn>
                   </p:par>
                   <p:par>
-                    <p:cTn id="49" fill="hold">
+                    <p:cTn id="42" fill="hold">
                       <p:stCondLst>
                         <p:cond delay="indefinite"/>
                       </p:stCondLst>
                       <p:childTnLst>
                         <p:par>
-                          <p:cTn id="50" fill="hold">
+                          <p:cTn id="43" fill="hold">
                             <p:stCondLst>
                               <p:cond delay="0"/>
                             </p:stCondLst>
                             <p:childTnLst>
                               <p:par>
-                                <p:cTn id="51" presetID="42" presetClass="entr" presetSubtype="0" fill="hold" grpId="0" nodeType="clickEffect">
+                                <p:cTn id="44" presetID="42" presetClass="entr" presetSubtype="0" fill="hold" grpId="0" nodeType="clickEffect">
                                   <p:stCondLst>
                                     <p:cond delay="0"/>
                                   </p:stCondLst>
                                   <p:childTnLst>
                                     <p:set>
                                       <p:cBhvr>
-                                        <p:cTn id="52" dur="1" fill="hold">
+                                        <p:cTn id="45" dur="1" fill="hold">
                                           <p:stCondLst>
                                             <p:cond delay="0"/>
                                           </p:stCondLst>
@@ -5597,7 +5508,7 @@
                                         <p:tgtEl>
                                           <p:spTgt spid="3">
                                             <p:txEl>
-                                              <p:pRg st="7" end="7"/>
+                                              <p:pRg st="6" end="6"/>
                                             </p:txEl>
                                           </p:spTgt>
                                         </p:tgtEl>
@@ -5611,11 +5522,11 @@
                                     </p:set>
                                     <p:animEffect transition="in" filter="fade">
                                       <p:cBhvr>
-                                        <p:cTn id="53" dur="1000"/>
-                                        <p:tgtEl>
-                                          <p:spTgt spid="3">
-                                            <p:txEl>
-                                              <p:pRg st="7" end="7"/>
+                                        <p:cTn id="46" dur="1000"/>
+                                        <p:tgtEl>
+                                          <p:spTgt spid="3">
+                                            <p:txEl>
+                                              <p:pRg st="6" end="6"/>
                                             </p:txEl>
                                           </p:spTgt>
                                         </p:tgtEl>
@@ -5623,11 +5534,11 @@
                                     </p:animEffect>
                                     <p:anim calcmode="lin" valueType="num">
                                       <p:cBhvr>
-                                        <p:cTn id="54" dur="1000" fill="hold"/>
-                                        <p:tgtEl>
-                                          <p:spTgt spid="3">
-                                            <p:txEl>
-                                              <p:pRg st="7" end="7"/>
+                                        <p:cTn id="47" dur="1000" fill="hold"/>
+                                        <p:tgtEl>
+                                          <p:spTgt spid="3">
+                                            <p:txEl>
+                                              <p:pRg st="6" end="6"/>
                                             </p:txEl>
                                           </p:spTgt>
                                         </p:tgtEl>
@@ -5650,11 +5561,338 @@
                                     </p:anim>
                                     <p:anim calcmode="lin" valueType="num">
                                       <p:cBhvr>
-                                        <p:cTn id="55" dur="1000" fill="hold"/>
+                                        <p:cTn id="48" dur="1000" fill="hold"/>
+                                        <p:tgtEl>
+                                          <p:spTgt spid="3">
+                                            <p:txEl>
+                                              <p:pRg st="6" end="6"/>
+                                            </p:txEl>
+                                          </p:spTgt>
+                                        </p:tgtEl>
+                                        <p:attrNameLst>
+                                          <p:attrName>ppt_y</p:attrName>
+                                        </p:attrNameLst>
+                                      </p:cBhvr>
+                                      <p:tavLst>
+                                        <p:tav tm="0">
+                                          <p:val>
+                                            <p:strVal val="#ppt_y+.1"/>
+                                          </p:val>
+                                        </p:tav>
+                                        <p:tav tm="100000">
+                                          <p:val>
+                                            <p:strVal val="#ppt_y"/>
+                                          </p:val>
+                                        </p:tav>
+                                      </p:tavLst>
+                                    </p:anim>
+                                  </p:childTnLst>
+                                </p:cTn>
+                              </p:par>
+                            </p:childTnLst>
+                          </p:cTn>
+                        </p:par>
+                        <p:par>
+                          <p:cTn id="49" fill="hold">
+                            <p:stCondLst>
+                              <p:cond delay="1000"/>
+                            </p:stCondLst>
+                            <p:childTnLst>
+                              <p:par>
+                                <p:cTn id="50" presetID="42" presetClass="entr" presetSubtype="0" fill="hold" grpId="0" nodeType="afterEffect">
+                                  <p:stCondLst>
+                                    <p:cond delay="0"/>
+                                  </p:stCondLst>
+                                  <p:childTnLst>
+                                    <p:set>
+                                      <p:cBhvr>
+                                        <p:cTn id="51" dur="1" fill="hold">
+                                          <p:stCondLst>
+                                            <p:cond delay="0"/>
+                                          </p:stCondLst>
+                                        </p:cTn>
                                         <p:tgtEl>
                                           <p:spTgt spid="3">
                                             <p:txEl>
                                               <p:pRg st="7" end="7"/>
+                                            </p:txEl>
+                                          </p:spTgt>
+                                        </p:tgtEl>
+                                        <p:attrNameLst>
+                                          <p:attrName>style.visibility</p:attrName>
+                                        </p:attrNameLst>
+                                      </p:cBhvr>
+                                      <p:to>
+                                        <p:strVal val="visible"/>
+                                      </p:to>
+                                    </p:set>
+                                    <p:animEffect transition="in" filter="fade">
+                                      <p:cBhvr>
+                                        <p:cTn id="52" dur="1000"/>
+                                        <p:tgtEl>
+                                          <p:spTgt spid="3">
+                                            <p:txEl>
+                                              <p:pRg st="7" end="7"/>
+                                            </p:txEl>
+                                          </p:spTgt>
+                                        </p:tgtEl>
+                                      </p:cBhvr>
+                                    </p:animEffect>
+                                    <p:anim calcmode="lin" valueType="num">
+                                      <p:cBhvr>
+                                        <p:cTn id="53" dur="1000" fill="hold"/>
+                                        <p:tgtEl>
+                                          <p:spTgt spid="3">
+                                            <p:txEl>
+                                              <p:pRg st="7" end="7"/>
+                                            </p:txEl>
+                                          </p:spTgt>
+                                        </p:tgtEl>
+                                        <p:attrNameLst>
+                                          <p:attrName>ppt_x</p:attrName>
+                                        </p:attrNameLst>
+                                      </p:cBhvr>
+                                      <p:tavLst>
+                                        <p:tav tm="0">
+                                          <p:val>
+                                            <p:strVal val="#ppt_x"/>
+                                          </p:val>
+                                        </p:tav>
+                                        <p:tav tm="100000">
+                                          <p:val>
+                                            <p:strVal val="#ppt_x"/>
+                                          </p:val>
+                                        </p:tav>
+                                      </p:tavLst>
+                                    </p:anim>
+                                    <p:anim calcmode="lin" valueType="num">
+                                      <p:cBhvr>
+                                        <p:cTn id="54" dur="1000" fill="hold"/>
+                                        <p:tgtEl>
+                                          <p:spTgt spid="3">
+                                            <p:txEl>
+                                              <p:pRg st="7" end="7"/>
+                                            </p:txEl>
+                                          </p:spTgt>
+                                        </p:tgtEl>
+                                        <p:attrNameLst>
+                                          <p:attrName>ppt_y</p:attrName>
+                                        </p:attrNameLst>
+                                      </p:cBhvr>
+                                      <p:tavLst>
+                                        <p:tav tm="0">
+                                          <p:val>
+                                            <p:strVal val="#ppt_y+.1"/>
+                                          </p:val>
+                                        </p:tav>
+                                        <p:tav tm="100000">
+                                          <p:val>
+                                            <p:strVal val="#ppt_y"/>
+                                          </p:val>
+                                        </p:tav>
+                                      </p:tavLst>
+                                    </p:anim>
+                                  </p:childTnLst>
+                                </p:cTn>
+                              </p:par>
+                            </p:childTnLst>
+                          </p:cTn>
+                        </p:par>
+                        <p:par>
+                          <p:cTn id="55" fill="hold">
+                            <p:stCondLst>
+                              <p:cond delay="2000"/>
+                            </p:stCondLst>
+                            <p:childTnLst>
+                              <p:par>
+                                <p:cTn id="56" presetID="42" presetClass="entr" presetSubtype="0" fill="hold" grpId="0" nodeType="afterEffect">
+                                  <p:stCondLst>
+                                    <p:cond delay="0"/>
+                                  </p:stCondLst>
+                                  <p:childTnLst>
+                                    <p:set>
+                                      <p:cBhvr>
+                                        <p:cTn id="57" dur="1" fill="hold">
+                                          <p:stCondLst>
+                                            <p:cond delay="0"/>
+                                          </p:stCondLst>
+                                        </p:cTn>
+                                        <p:tgtEl>
+                                          <p:spTgt spid="3">
+                                            <p:txEl>
+                                              <p:pRg st="8" end="8"/>
+                                            </p:txEl>
+                                          </p:spTgt>
+                                        </p:tgtEl>
+                                        <p:attrNameLst>
+                                          <p:attrName>style.visibility</p:attrName>
+                                        </p:attrNameLst>
+                                      </p:cBhvr>
+                                      <p:to>
+                                        <p:strVal val="visible"/>
+                                      </p:to>
+                                    </p:set>
+                                    <p:animEffect transition="in" filter="fade">
+                                      <p:cBhvr>
+                                        <p:cTn id="58" dur="1000"/>
+                                        <p:tgtEl>
+                                          <p:spTgt spid="3">
+                                            <p:txEl>
+                                              <p:pRg st="8" end="8"/>
+                                            </p:txEl>
+                                          </p:spTgt>
+                                        </p:tgtEl>
+                                      </p:cBhvr>
+                                    </p:animEffect>
+                                    <p:anim calcmode="lin" valueType="num">
+                                      <p:cBhvr>
+                                        <p:cTn id="59" dur="1000" fill="hold"/>
+                                        <p:tgtEl>
+                                          <p:spTgt spid="3">
+                                            <p:txEl>
+                                              <p:pRg st="8" end="8"/>
+                                            </p:txEl>
+                                          </p:spTgt>
+                                        </p:tgtEl>
+                                        <p:attrNameLst>
+                                          <p:attrName>ppt_x</p:attrName>
+                                        </p:attrNameLst>
+                                      </p:cBhvr>
+                                      <p:tavLst>
+                                        <p:tav tm="0">
+                                          <p:val>
+                                            <p:strVal val="#ppt_x"/>
+                                          </p:val>
+                                        </p:tav>
+                                        <p:tav tm="100000">
+                                          <p:val>
+                                            <p:strVal val="#ppt_x"/>
+                                          </p:val>
+                                        </p:tav>
+                                      </p:tavLst>
+                                    </p:anim>
+                                    <p:anim calcmode="lin" valueType="num">
+                                      <p:cBhvr>
+                                        <p:cTn id="60" dur="1000" fill="hold"/>
+                                        <p:tgtEl>
+                                          <p:spTgt spid="3">
+                                            <p:txEl>
+                                              <p:pRg st="8" end="8"/>
+                                            </p:txEl>
+                                          </p:spTgt>
+                                        </p:tgtEl>
+                                        <p:attrNameLst>
+                                          <p:attrName>ppt_y</p:attrName>
+                                        </p:attrNameLst>
+                                      </p:cBhvr>
+                                      <p:tavLst>
+                                        <p:tav tm="0">
+                                          <p:val>
+                                            <p:strVal val="#ppt_y+.1"/>
+                                          </p:val>
+                                        </p:tav>
+                                        <p:tav tm="100000">
+                                          <p:val>
+                                            <p:strVal val="#ppt_y"/>
+                                          </p:val>
+                                        </p:tav>
+                                      </p:tavLst>
+                                    </p:anim>
+                                  </p:childTnLst>
+                                </p:cTn>
+                              </p:par>
+                            </p:childTnLst>
+                          </p:cTn>
+                        </p:par>
+                      </p:childTnLst>
+                    </p:cTn>
+                  </p:par>
+                  <p:par>
+                    <p:cTn id="61" fill="hold">
+                      <p:stCondLst>
+                        <p:cond delay="indefinite"/>
+                      </p:stCondLst>
+                      <p:childTnLst>
+                        <p:par>
+                          <p:cTn id="62" fill="hold">
+                            <p:stCondLst>
+                              <p:cond delay="0"/>
+                            </p:stCondLst>
+                            <p:childTnLst>
+                              <p:par>
+                                <p:cTn id="63" presetID="42" presetClass="entr" presetSubtype="0" fill="hold" grpId="0" nodeType="clickEffect">
+                                  <p:stCondLst>
+                                    <p:cond delay="0"/>
+                                  </p:stCondLst>
+                                  <p:childTnLst>
+                                    <p:set>
+                                      <p:cBhvr>
+                                        <p:cTn id="64" dur="1" fill="hold">
+                                          <p:stCondLst>
+                                            <p:cond delay="0"/>
+                                          </p:stCondLst>
+                                        </p:cTn>
+                                        <p:tgtEl>
+                                          <p:spTgt spid="3">
+                                            <p:txEl>
+                                              <p:pRg st="9" end="9"/>
+                                            </p:txEl>
+                                          </p:spTgt>
+                                        </p:tgtEl>
+                                        <p:attrNameLst>
+                                          <p:attrName>style.visibility</p:attrName>
+                                        </p:attrNameLst>
+                                      </p:cBhvr>
+                                      <p:to>
+                                        <p:strVal val="visible"/>
+                                      </p:to>
+                                    </p:set>
+                                    <p:animEffect transition="in" filter="fade">
+                                      <p:cBhvr>
+                                        <p:cTn id="65" dur="1000"/>
+                                        <p:tgtEl>
+                                          <p:spTgt spid="3">
+                                            <p:txEl>
+                                              <p:pRg st="9" end="9"/>
+                                            </p:txEl>
+                                          </p:spTgt>
+                                        </p:tgtEl>
+                                      </p:cBhvr>
+                                    </p:animEffect>
+                                    <p:anim calcmode="lin" valueType="num">
+                                      <p:cBhvr>
+                                        <p:cTn id="66" dur="1000" fill="hold"/>
+                                        <p:tgtEl>
+                                          <p:spTgt spid="3">
+                                            <p:txEl>
+                                              <p:pRg st="9" end="9"/>
+                                            </p:txEl>
+                                          </p:spTgt>
+                                        </p:tgtEl>
+                                        <p:attrNameLst>
+                                          <p:attrName>ppt_x</p:attrName>
+                                        </p:attrNameLst>
+                                      </p:cBhvr>
+                                      <p:tavLst>
+                                        <p:tav tm="0">
+                                          <p:val>
+                                            <p:strVal val="#ppt_x"/>
+                                          </p:val>
+                                        </p:tav>
+                                        <p:tav tm="100000">
+                                          <p:val>
+                                            <p:strVal val="#ppt_x"/>
+                                          </p:val>
+                                        </p:tav>
+                                      </p:tavLst>
+                                    </p:anim>
+                                    <p:anim calcmode="lin" valueType="num">
+                                      <p:cBhvr>
+                                        <p:cTn id="67" dur="1000" fill="hold"/>
+                                        <p:tgtEl>
+                                          <p:spTgt spid="3">
+                                            <p:txEl>
+                                              <p:pRg st="9" end="9"/>
                                             </p:txEl>
                                           </p:spTgt>
                                         </p:tgtEl>

--- a/Quack-A-Moley.pptx
+++ b/Quack-A-Moley.pptx
@@ -108,6 +108,11 @@
       </a:defRPr>
     </a:lvl9pPr>
   </p:defaultTextStyle>
+  <p:extLst>
+    <p:ext uri="{EFAFB233-063F-42B5-8137-9DF3F51BA10A}">
+      <p15:sldGuideLst xmlns:p15="http://schemas.microsoft.com/office/powerpoint/2012/main"/>
+    </p:ext>
+  </p:extLst>
 </p:presentation>
 </file>
 
@@ -3676,12 +3681,12 @@
           <a:chExt cx="0" cy="0"/>
         </a:xfrm>
       </p:grpSpPr>
-      <p:sp useBgFill="1">
+      <p:sp>
         <p:nvSpPr>
-          <p:cNvPr id="8" name="Rectangle 7">
-            <a:extLst>
-              <a:ext uri="{FF2B5EF4-FFF2-40B4-BE49-F238E27FC236}">
-                <a16:creationId xmlns:a16="http://schemas.microsoft.com/office/drawing/2014/main" id="{3B854194-185D-494D-905C-7C7CB2E30F6E}"/>
+          <p:cNvPr id="22" name="Rectangle 21">
+            <a:extLst>
+              <a:ext uri="{FF2B5EF4-FFF2-40B4-BE49-F238E27FC236}">
+                <a16:creationId xmlns:a16="http://schemas.microsoft.com/office/drawing/2014/main" id="{AFA67CD3-AB4E-4A7A-BEB8-53C445D8C44E}"/>
               </a:ext>
               <a:ext uri="{C183D7F6-B498-43B3-948B-1728B52AA6E4}">
                 <adec:decorative xmlns:adec="http://schemas.microsoft.com/office/drawing/2017/decorative" val="1"/>
@@ -3701,68 +3706,8 @@
         </p:nvSpPr>
         <p:spPr>
           <a:xfrm>
-            <a:off x="1" y="0"/>
-            <a:ext cx="6082110" cy="6858000"/>
-          </a:xfrm>
-          <a:prstGeom prst="rect">
-            <a:avLst/>
-          </a:prstGeom>
-          <a:ln>
-            <a:noFill/>
-          </a:ln>
-        </p:spPr>
-        <p:style>
-          <a:lnRef idx="2">
-            <a:schemeClr val="accent1">
-              <a:shade val="50000"/>
-            </a:schemeClr>
-          </a:lnRef>
-          <a:fillRef idx="1">
-            <a:schemeClr val="accent1"/>
-          </a:fillRef>
-          <a:effectRef idx="0">
-            <a:schemeClr val="accent1"/>
-          </a:effectRef>
-          <a:fontRef idx="minor">
-            <a:schemeClr val="lt1"/>
-          </a:fontRef>
-        </p:style>
-        <p:txBody>
-          <a:bodyPr rtlCol="0" anchor="ctr"/>
-          <a:lstStyle/>
-          <a:p>
-            <a:pPr algn="ctr"/>
-            <a:endParaRPr lang="en-US"/>
-          </a:p>
-        </p:txBody>
-      </p:sp>
-      <p:sp>
-        <p:nvSpPr>
-          <p:cNvPr id="10" name="Rectangle 9">
-            <a:extLst>
-              <a:ext uri="{FF2B5EF4-FFF2-40B4-BE49-F238E27FC236}">
-                <a16:creationId xmlns:a16="http://schemas.microsoft.com/office/drawing/2014/main" id="{B4F5FA0D-0104-4987-8241-EFF7C85B88DE}"/>
-              </a:ext>
-              <a:ext uri="{C183D7F6-B498-43B3-948B-1728B52AA6E4}">
-                <adec:decorative xmlns:adec="http://schemas.microsoft.com/office/drawing/2017/decorative" val="1"/>
-              </a:ext>
-            </a:extLst>
-          </p:cNvPr>
-          <p:cNvSpPr>
-            <a:spLocks noGrp="1" noRot="1" noChangeAspect="1" noMove="1" noResize="1" noEditPoints="1" noAdjustHandles="1" noChangeArrowheads="1" noChangeShapeType="1" noTextEdit="1"/>
-          </p:cNvSpPr>
-          <p:nvPr>
-            <p:extLst>
-              <p:ext uri="{386F3935-93C4-4BCD-93E2-E3B085C9AB24}">
-                <p16:designElem xmlns:p16="http://schemas.microsoft.com/office/powerpoint/2015/main" val="1"/>
-              </p:ext>
-            </p:extLst>
-          </p:nvPr>
-        </p:nvSpPr>
-        <p:spPr>
-          <a:xfrm>
-            <a:off x="1" y="0"/>
-            <a:ext cx="12191998" cy="6858000"/>
+            <a:off x="1" y="3726"/>
+            <a:ext cx="5614875" cy="6858000"/>
           </a:xfrm>
           <a:prstGeom prst="rect">
             <a:avLst/>
@@ -3771,22 +3716,23 @@
             <a:gsLst>
               <a:gs pos="0">
                 <a:schemeClr val="accent1">
-                  <a:lumMod val="90000"/>
+                  <a:lumMod val="100000"/>
+                  <a:alpha val="82000"/>
                 </a:schemeClr>
               </a:gs>
               <a:gs pos="25000">
                 <a:schemeClr val="accent1">
-                  <a:lumMod val="90000"/>
+                  <a:alpha val="60000"/>
                 </a:schemeClr>
               </a:gs>
               <a:gs pos="94000">
                 <a:schemeClr val="bg2">
-                  <a:lumMod val="25000"/>
+                  <a:lumMod val="75000"/>
                 </a:schemeClr>
               </a:gs>
               <a:gs pos="100000">
                 <a:schemeClr val="bg2">
-                  <a:lumMod val="25000"/>
+                  <a:lumMod val="75000"/>
                 </a:schemeClr>
               </a:gs>
             </a:gsLst>
@@ -3823,10 +3769,10 @@
       </p:sp>
       <p:pic>
         <p:nvPicPr>
-          <p:cNvPr id="12" name="Picture 11">
-            <a:extLst>
-              <a:ext uri="{FF2B5EF4-FFF2-40B4-BE49-F238E27FC236}">
-                <a16:creationId xmlns:a16="http://schemas.microsoft.com/office/drawing/2014/main" id="{2897127E-6CEF-446C-BE87-93B7C46E49D1}"/>
+          <p:cNvPr id="24" name="Picture 23">
+            <a:extLst>
+              <a:ext uri="{FF2B5EF4-FFF2-40B4-BE49-F238E27FC236}">
+                <a16:creationId xmlns:a16="http://schemas.microsoft.com/office/drawing/2014/main" id="{07CF545F-9C2E-4446-97CD-AD92990C2B68}"/>
               </a:ext>
               <a:ext uri="{C183D7F6-B498-43B3-948B-1728B52AA6E4}">
                 <adec:decorative xmlns:adec="http://schemas.microsoft.com/office/drawing/2017/decorative" val="1"/>
@@ -3884,8 +3830,8 @@
         </p:nvSpPr>
         <p:spPr>
           <a:xfrm>
-            <a:off x="640079" y="2053641"/>
-            <a:ext cx="3669161" cy="2760098"/>
+            <a:off x="6094105" y="802955"/>
+            <a:ext cx="4977976" cy="1454051"/>
           </a:xfrm>
         </p:spPr>
         <p:txBody>
@@ -3897,7 +3843,7 @@
             <a:r>
               <a:rPr lang="fi-FI">
                 <a:solidFill>
-                  <a:srgbClr val="FFFFFF"/>
+                  <a:srgbClr val="000000"/>
                 </a:solidFill>
               </a:rPr>
               <a:t>Why?</a:t>
@@ -3905,6 +3851,215 @@
           </a:p>
         </p:txBody>
       </p:sp>
+      <p:sp>
+        <p:nvSpPr>
+          <p:cNvPr id="26" name="Freeform 62">
+            <a:extLst>
+              <a:ext uri="{FF2B5EF4-FFF2-40B4-BE49-F238E27FC236}">
+                <a16:creationId xmlns:a16="http://schemas.microsoft.com/office/drawing/2014/main" id="{339C8D78-A644-462F-B674-F440635E5353}"/>
+              </a:ext>
+              <a:ext uri="{C183D7F6-B498-43B3-948B-1728B52AA6E4}">
+                <adec:decorative xmlns:adec="http://schemas.microsoft.com/office/drawing/2017/decorative" val="1"/>
+              </a:ext>
+            </a:extLst>
+          </p:cNvPr>
+          <p:cNvSpPr>
+            <a:spLocks noGrp="1" noRot="1" noChangeAspect="1" noMove="1" noResize="1" noEditPoints="1" noAdjustHandles="1" noChangeArrowheads="1" noChangeShapeType="1" noTextEdit="1"/>
+          </p:cNvSpPr>
+          <p:nvPr>
+            <p:extLst>
+              <p:ext uri="{386F3935-93C4-4BCD-93E2-E3B085C9AB24}">
+                <p16:designElem xmlns:p16="http://schemas.microsoft.com/office/powerpoint/2015/main" val="1"/>
+              </p:ext>
+            </p:extLst>
+          </p:nvPr>
+        </p:nvSpPr>
+        <p:spPr>
+          <a:xfrm>
+            <a:off x="0" y="738619"/>
+            <a:ext cx="5000438" cy="5400962"/>
+          </a:xfrm>
+          <a:custGeom>
+            <a:avLst/>
+            <a:gdLst>
+              <a:gd name="connsiteX0" fmla="*/ 2299956 w 5000438"/>
+              <a:gd name="connsiteY0" fmla="*/ 0 h 5400962"/>
+              <a:gd name="connsiteX1" fmla="*/ 5000438 w 5000438"/>
+              <a:gd name="connsiteY1" fmla="*/ 2700481 h 5400962"/>
+              <a:gd name="connsiteX2" fmla="*/ 2299956 w 5000438"/>
+              <a:gd name="connsiteY2" fmla="*/ 5400962 h 5400962"/>
+              <a:gd name="connsiteX3" fmla="*/ 60675 w 5000438"/>
+              <a:gd name="connsiteY3" fmla="*/ 4210346 h 5400962"/>
+              <a:gd name="connsiteX4" fmla="*/ 0 w 5000438"/>
+              <a:gd name="connsiteY4" fmla="*/ 4110472 h 5400962"/>
+              <a:gd name="connsiteX5" fmla="*/ 0 w 5000438"/>
+              <a:gd name="connsiteY5" fmla="*/ 1290491 h 5400962"/>
+              <a:gd name="connsiteX6" fmla="*/ 60675 w 5000438"/>
+              <a:gd name="connsiteY6" fmla="*/ 1190617 h 5400962"/>
+              <a:gd name="connsiteX7" fmla="*/ 2299956 w 5000438"/>
+              <a:gd name="connsiteY7" fmla="*/ 0 h 5400962"/>
+            </a:gdLst>
+            <a:ahLst/>
+            <a:cxnLst>
+              <a:cxn ang="0">
+                <a:pos x="connsiteX0" y="connsiteY0"/>
+              </a:cxn>
+              <a:cxn ang="0">
+                <a:pos x="connsiteX1" y="connsiteY1"/>
+              </a:cxn>
+              <a:cxn ang="0">
+                <a:pos x="connsiteX2" y="connsiteY2"/>
+              </a:cxn>
+              <a:cxn ang="0">
+                <a:pos x="connsiteX3" y="connsiteY3"/>
+              </a:cxn>
+              <a:cxn ang="0">
+                <a:pos x="connsiteX4" y="connsiteY4"/>
+              </a:cxn>
+              <a:cxn ang="0">
+                <a:pos x="connsiteX5" y="connsiteY5"/>
+              </a:cxn>
+              <a:cxn ang="0">
+                <a:pos x="connsiteX6" y="connsiteY6"/>
+              </a:cxn>
+              <a:cxn ang="0">
+                <a:pos x="connsiteX7" y="connsiteY7"/>
+              </a:cxn>
+            </a:cxnLst>
+            <a:rect l="l" t="t" r="r" b="b"/>
+            <a:pathLst>
+              <a:path w="5000438" h="5400962">
+                <a:moveTo>
+                  <a:pt x="2299956" y="0"/>
+                </a:moveTo>
+                <a:cubicBezTo>
+                  <a:pt x="3791390" y="0"/>
+                  <a:pt x="5000438" y="1209047"/>
+                  <a:pt x="5000438" y="2700481"/>
+                </a:cubicBezTo>
+                <a:cubicBezTo>
+                  <a:pt x="5000438" y="4191915"/>
+                  <a:pt x="3791390" y="5400962"/>
+                  <a:pt x="2299956" y="5400962"/>
+                </a:cubicBezTo>
+                <a:cubicBezTo>
+                  <a:pt x="1367810" y="5400962"/>
+                  <a:pt x="545971" y="4928678"/>
+                  <a:pt x="60675" y="4210346"/>
+                </a:cubicBezTo>
+                <a:lnTo>
+                  <a:pt x="0" y="4110472"/>
+                </a:lnTo>
+                <a:lnTo>
+                  <a:pt x="0" y="1290491"/>
+                </a:lnTo>
+                <a:lnTo>
+                  <a:pt x="60675" y="1190617"/>
+                </a:lnTo>
+                <a:cubicBezTo>
+                  <a:pt x="545971" y="472284"/>
+                  <a:pt x="1367810" y="0"/>
+                  <a:pt x="2299956" y="0"/>
+                </a:cubicBezTo>
+                <a:close/>
+              </a:path>
+            </a:pathLst>
+          </a:custGeom>
+          <a:solidFill>
+            <a:srgbClr val="FFFFFF"/>
+          </a:solidFill>
+          <a:ln>
+            <a:gradFill>
+              <a:gsLst>
+                <a:gs pos="0">
+                  <a:schemeClr val="accent1">
+                    <a:lumMod val="40000"/>
+                    <a:lumOff val="60000"/>
+                  </a:schemeClr>
+                </a:gs>
+                <a:gs pos="23000">
+                  <a:schemeClr val="accent1">
+                    <a:lumMod val="45000"/>
+                    <a:lumOff val="55000"/>
+                  </a:schemeClr>
+                </a:gs>
+                <a:gs pos="83000">
+                  <a:schemeClr val="bg2">
+                    <a:lumMod val="85000"/>
+                  </a:schemeClr>
+                </a:gs>
+                <a:gs pos="100000">
+                  <a:schemeClr val="bg2">
+                    <a:lumMod val="85000"/>
+                  </a:schemeClr>
+                </a:gs>
+              </a:gsLst>
+              <a:lin ang="5400000" scaled="1"/>
+            </a:gradFill>
+          </a:ln>
+        </p:spPr>
+        <p:style>
+          <a:lnRef idx="2">
+            <a:schemeClr val="accent1">
+              <a:shade val="50000"/>
+            </a:schemeClr>
+          </a:lnRef>
+          <a:fillRef idx="1">
+            <a:schemeClr val="accent1"/>
+          </a:fillRef>
+          <a:effectRef idx="0">
+            <a:schemeClr val="accent1"/>
+          </a:effectRef>
+          <a:fontRef idx="minor">
+            <a:schemeClr val="lt1"/>
+          </a:fontRef>
+        </p:style>
+        <p:txBody>
+          <a:bodyPr wrap="square" rtlCol="0" anchor="ctr">
+            <a:noAutofit/>
+          </a:bodyPr>
+          <a:lstStyle/>
+          <a:p>
+            <a:pPr algn="ctr"/>
+            <a:endParaRPr lang="en-US"/>
+          </a:p>
+        </p:txBody>
+      </p:sp>
+      <p:pic>
+        <p:nvPicPr>
+          <p:cNvPr id="5" name="Kuva 4">
+            <a:extLst>
+              <a:ext uri="{FF2B5EF4-FFF2-40B4-BE49-F238E27FC236}">
+                <a16:creationId xmlns:a16="http://schemas.microsoft.com/office/drawing/2014/main" id="{52CBC480-D31F-4FC8-AC51-FB1D03AC16EB}"/>
+              </a:ext>
+            </a:extLst>
+          </p:cNvPr>
+          <p:cNvPicPr>
+            <a:picLocks noChangeAspect="1"/>
+          </p:cNvPicPr>
+          <p:nvPr/>
+        </p:nvPicPr>
+        <p:blipFill rotWithShape="1">
+          <a:blip r:embed="rId3">
+            <a:extLst>
+              <a:ext uri="{28A0092B-C50C-407E-A947-70E740481C1C}">
+                <a14:useLocalDpi xmlns:a14="http://schemas.microsoft.com/office/drawing/2010/main" val="0"/>
+              </a:ext>
+            </a:extLst>
+          </a:blip>
+          <a:srcRect l="3607" r="4321"/>
+          <a:stretch/>
+        </p:blipFill>
+        <p:spPr>
+          <a:xfrm rot="20874138">
+            <a:off x="-306395" y="686282"/>
+            <a:ext cx="5133318" cy="5505636"/>
+          </a:xfrm>
+          <a:prstGeom prst="rect">
+            <a:avLst/>
+          </a:prstGeom>
+        </p:spPr>
+      </p:pic>
       <p:sp>
         <p:nvSpPr>
           <p:cNvPr id="3" name="Sisällön paikkamerkki 2">
@@ -3923,8 +4078,8 @@
         </p:nvSpPr>
         <p:spPr>
           <a:xfrm>
-            <a:off x="6090574" y="801866"/>
-            <a:ext cx="5306084" cy="5230634"/>
+            <a:off x="6090574" y="2421682"/>
+            <a:ext cx="4977578" cy="3639289"/>
           </a:xfrm>
         </p:spPr>
         <p:txBody>
@@ -3934,68 +4089,36 @@
           <a:lstStyle/>
           <a:p>
             <a:r>
-              <a:rPr lang="fi-FI" sz="2400" dirty="0" err="1">
+              <a:rPr lang="fi-FI" sz="2000">
                 <a:solidFill>
                   <a:srgbClr val="000000"/>
                 </a:solidFill>
               </a:rPr>
-              <a:t>Brackeys</a:t>
-            </a:r>
-            <a:r>
-              <a:rPr lang="fi-FI" sz="2400" dirty="0">
+              <a:t>Brackeys Game Jam</a:t>
+            </a:r>
+          </a:p>
+          <a:p>
+            <a:r>
+              <a:rPr lang="fi-FI" sz="2000">
                 <a:solidFill>
                   <a:srgbClr val="000000"/>
                 </a:solidFill>
               </a:rPr>
-              <a:t> Game Jam</a:t>
-            </a:r>
-          </a:p>
-          <a:p>
-            <a:r>
-              <a:rPr lang="fi-FI" sz="2400" dirty="0">
+              <a:t>ONE week 16.-23.2.2020</a:t>
+            </a:r>
+          </a:p>
+          <a:p>
+            <a:r>
+              <a:rPr lang="fi-FI" sz="2000">
                 <a:solidFill>
                   <a:srgbClr val="000000"/>
                 </a:solidFill>
               </a:rPr>
-              <a:t>ONE </a:t>
-            </a:r>
-            <a:r>
-              <a:rPr lang="fi-FI" sz="2400" dirty="0" err="1">
-                <a:solidFill>
-                  <a:srgbClr val="000000"/>
-                </a:solidFill>
-              </a:rPr>
-              <a:t>week</a:t>
-            </a:r>
-            <a:r>
-              <a:rPr lang="fi-FI" sz="2400" dirty="0">
-                <a:solidFill>
-                  <a:srgbClr val="000000"/>
-                </a:solidFill>
-              </a:rPr>
-              <a:t> 16.-23.2.2020</a:t>
-            </a:r>
-          </a:p>
-          <a:p>
-            <a:r>
-              <a:rPr lang="fi-FI" sz="2400" dirty="0" err="1">
-                <a:solidFill>
-                  <a:srgbClr val="000000"/>
-                </a:solidFill>
-              </a:rPr>
-              <a:t>Theme</a:t>
-            </a:r>
-            <a:r>
-              <a:rPr lang="fi-FI" sz="2400" dirty="0">
-                <a:solidFill>
-                  <a:srgbClr val="000000"/>
-                </a:solidFill>
-              </a:rPr>
-              <a:t>: HOLES</a:t>
-            </a:r>
-          </a:p>
-          <a:p>
-            <a:endParaRPr lang="fi-FI" sz="2400" dirty="0">
+              <a:t>Theme: HOLES</a:t>
+            </a:r>
+          </a:p>
+          <a:p>
+            <a:endParaRPr lang="fi-FI" sz="2000">
               <a:solidFill>
                 <a:srgbClr val="000000"/>
               </a:solidFill>
@@ -4425,12 +4548,12 @@
           <a:chExt cx="0" cy="0"/>
         </a:xfrm>
       </p:grpSpPr>
-      <p:sp useBgFill="1">
+      <p:sp>
         <p:nvSpPr>
-          <p:cNvPr id="15" name="Rectangle 14">
-            <a:extLst>
-              <a:ext uri="{FF2B5EF4-FFF2-40B4-BE49-F238E27FC236}">
-                <a16:creationId xmlns:a16="http://schemas.microsoft.com/office/drawing/2014/main" id="{3B854194-185D-494D-905C-7C7CB2E30F6E}"/>
+          <p:cNvPr id="24" name="Rectangle 23">
+            <a:extLst>
+              <a:ext uri="{FF2B5EF4-FFF2-40B4-BE49-F238E27FC236}">
+                <a16:creationId xmlns:a16="http://schemas.microsoft.com/office/drawing/2014/main" id="{F56F5174-31D9-4DBB-AAB7-A1FD7BDB1352}"/>
               </a:ext>
               <a:ext uri="{C183D7F6-B498-43B3-948B-1728B52AA6E4}">
                 <adec:decorative xmlns:adec="http://schemas.microsoft.com/office/drawing/2017/decorative" val="1"/>
@@ -4451,67 +4574,7 @@
         <p:spPr>
           <a:xfrm>
             <a:off x="1" y="0"/>
-            <a:ext cx="6082110" cy="6858000"/>
-          </a:xfrm>
-          <a:prstGeom prst="rect">
-            <a:avLst/>
-          </a:prstGeom>
-          <a:ln>
-            <a:noFill/>
-          </a:ln>
-        </p:spPr>
-        <p:style>
-          <a:lnRef idx="2">
-            <a:schemeClr val="accent1">
-              <a:shade val="50000"/>
-            </a:schemeClr>
-          </a:lnRef>
-          <a:fillRef idx="1">
-            <a:schemeClr val="accent1"/>
-          </a:fillRef>
-          <a:effectRef idx="0">
-            <a:schemeClr val="accent1"/>
-          </a:effectRef>
-          <a:fontRef idx="minor">
-            <a:schemeClr val="lt1"/>
-          </a:fontRef>
-        </p:style>
-        <p:txBody>
-          <a:bodyPr rtlCol="0" anchor="ctr"/>
-          <a:lstStyle/>
-          <a:p>
-            <a:pPr algn="ctr"/>
-            <a:endParaRPr lang="en-US"/>
-          </a:p>
-        </p:txBody>
-      </p:sp>
-      <p:sp>
-        <p:nvSpPr>
-          <p:cNvPr id="17" name="Rectangle 16">
-            <a:extLst>
-              <a:ext uri="{FF2B5EF4-FFF2-40B4-BE49-F238E27FC236}">
-                <a16:creationId xmlns:a16="http://schemas.microsoft.com/office/drawing/2014/main" id="{B4F5FA0D-0104-4987-8241-EFF7C85B88DE}"/>
-              </a:ext>
-              <a:ext uri="{C183D7F6-B498-43B3-948B-1728B52AA6E4}">
-                <adec:decorative xmlns:adec="http://schemas.microsoft.com/office/drawing/2017/decorative" val="1"/>
-              </a:ext>
-            </a:extLst>
-          </p:cNvPr>
-          <p:cNvSpPr>
-            <a:spLocks noGrp="1" noRot="1" noChangeAspect="1" noMove="1" noResize="1" noEditPoints="1" noAdjustHandles="1" noChangeArrowheads="1" noChangeShapeType="1" noTextEdit="1"/>
-          </p:cNvSpPr>
-          <p:nvPr>
-            <p:extLst>
-              <p:ext uri="{386F3935-93C4-4BCD-93E2-E3B085C9AB24}">
-                <p16:designElem xmlns:p16="http://schemas.microsoft.com/office/powerpoint/2015/main" val="1"/>
-              </p:ext>
-            </p:extLst>
-          </p:nvPr>
-        </p:nvSpPr>
-        <p:spPr>
-          <a:xfrm>
-            <a:off x="1" y="0"/>
-            <a:ext cx="12191998" cy="6858000"/>
+            <a:ext cx="5614875" cy="6858000"/>
           </a:xfrm>
           <a:prstGeom prst="rect">
             <a:avLst/>
@@ -4520,22 +4583,23 @@
             <a:gsLst>
               <a:gs pos="0">
                 <a:schemeClr val="accent1">
-                  <a:lumMod val="90000"/>
+                  <a:lumMod val="100000"/>
+                  <a:alpha val="82000"/>
                 </a:schemeClr>
               </a:gs>
               <a:gs pos="25000">
                 <a:schemeClr val="accent1">
-                  <a:lumMod val="90000"/>
+                  <a:alpha val="60000"/>
                 </a:schemeClr>
               </a:gs>
               <a:gs pos="94000">
                 <a:schemeClr val="bg2">
-                  <a:lumMod val="25000"/>
+                  <a:lumMod val="75000"/>
                 </a:schemeClr>
               </a:gs>
               <a:gs pos="100000">
                 <a:schemeClr val="bg2">
-                  <a:lumMod val="25000"/>
+                  <a:lumMod val="75000"/>
                 </a:schemeClr>
               </a:gs>
             </a:gsLst>
@@ -4572,10 +4636,10 @@
       </p:sp>
       <p:pic>
         <p:nvPicPr>
-          <p:cNvPr id="19" name="Picture 18">
-            <a:extLst>
-              <a:ext uri="{FF2B5EF4-FFF2-40B4-BE49-F238E27FC236}">
-                <a16:creationId xmlns:a16="http://schemas.microsoft.com/office/drawing/2014/main" id="{2897127E-6CEF-446C-BE87-93B7C46E49D1}"/>
+          <p:cNvPr id="26" name="Picture 25">
+            <a:extLst>
+              <a:ext uri="{FF2B5EF4-FFF2-40B4-BE49-F238E27FC236}">
+                <a16:creationId xmlns:a16="http://schemas.microsoft.com/office/drawing/2014/main" id="{AE113210-7872-481A-ADE6-3A05CCAF5EB2}"/>
               </a:ext>
               <a:ext uri="{C183D7F6-B498-43B3-948B-1728B52AA6E4}">
                 <adec:decorative xmlns:adec="http://schemas.microsoft.com/office/drawing/2017/decorative" val="1"/>
@@ -4633,8 +4697,8 @@
         </p:nvSpPr>
         <p:spPr>
           <a:xfrm>
-            <a:off x="640079" y="2053641"/>
-            <a:ext cx="3669161" cy="2760098"/>
+            <a:off x="6094105" y="802955"/>
+            <a:ext cx="4977976" cy="1454051"/>
           </a:xfrm>
         </p:spPr>
         <p:txBody>
@@ -4646,11 +4710,159 @@
             <a:r>
               <a:rPr lang="fi-FI">
                 <a:solidFill>
-                  <a:srgbClr val="FFFFFF"/>
+                  <a:srgbClr val="000000"/>
                 </a:solidFill>
               </a:rPr>
               <a:t>What?</a:t>
             </a:r>
+          </a:p>
+        </p:txBody>
+      </p:sp>
+      <p:sp>
+        <p:nvSpPr>
+          <p:cNvPr id="28" name="Freeform 62">
+            <a:extLst>
+              <a:ext uri="{FF2B5EF4-FFF2-40B4-BE49-F238E27FC236}">
+                <a16:creationId xmlns:a16="http://schemas.microsoft.com/office/drawing/2014/main" id="{F9A95BEE-6BB1-4A28-A8E6-A34B2E42EF87}"/>
+              </a:ext>
+              <a:ext uri="{C183D7F6-B498-43B3-948B-1728B52AA6E4}">
+                <adec:decorative xmlns:adec="http://schemas.microsoft.com/office/drawing/2017/decorative" val="1"/>
+              </a:ext>
+            </a:extLst>
+          </p:cNvPr>
+          <p:cNvSpPr>
+            <a:spLocks noGrp="1" noRot="1" noChangeAspect="1" noMove="1" noResize="1" noEditPoints="1" noAdjustHandles="1" noChangeArrowheads="1" noChangeShapeType="1" noTextEdit="1"/>
+          </p:cNvSpPr>
+          <p:nvPr>
+            <p:extLst>
+              <p:ext uri="{386F3935-93C4-4BCD-93E2-E3B085C9AB24}">
+                <p16:designElem xmlns:p16="http://schemas.microsoft.com/office/powerpoint/2015/main" val="1"/>
+              </p:ext>
+            </p:extLst>
+          </p:nvPr>
+        </p:nvSpPr>
+        <p:spPr>
+          <a:xfrm>
+            <a:off x="0" y="738619"/>
+            <a:ext cx="5000438" cy="5400962"/>
+          </a:xfrm>
+          <a:custGeom>
+            <a:avLst/>
+            <a:gdLst>
+              <a:gd name="connsiteX0" fmla="*/ 2299956 w 5000438"/>
+              <a:gd name="connsiteY0" fmla="*/ 0 h 5400962"/>
+              <a:gd name="connsiteX1" fmla="*/ 5000438 w 5000438"/>
+              <a:gd name="connsiteY1" fmla="*/ 2700481 h 5400962"/>
+              <a:gd name="connsiteX2" fmla="*/ 2299956 w 5000438"/>
+              <a:gd name="connsiteY2" fmla="*/ 5400962 h 5400962"/>
+              <a:gd name="connsiteX3" fmla="*/ 60675 w 5000438"/>
+              <a:gd name="connsiteY3" fmla="*/ 4210346 h 5400962"/>
+              <a:gd name="connsiteX4" fmla="*/ 0 w 5000438"/>
+              <a:gd name="connsiteY4" fmla="*/ 4110472 h 5400962"/>
+              <a:gd name="connsiteX5" fmla="*/ 0 w 5000438"/>
+              <a:gd name="connsiteY5" fmla="*/ 1290491 h 5400962"/>
+              <a:gd name="connsiteX6" fmla="*/ 60675 w 5000438"/>
+              <a:gd name="connsiteY6" fmla="*/ 1190617 h 5400962"/>
+              <a:gd name="connsiteX7" fmla="*/ 2299956 w 5000438"/>
+              <a:gd name="connsiteY7" fmla="*/ 0 h 5400962"/>
+            </a:gdLst>
+            <a:ahLst/>
+            <a:cxnLst>
+              <a:cxn ang="0">
+                <a:pos x="connsiteX0" y="connsiteY0"/>
+              </a:cxn>
+              <a:cxn ang="0">
+                <a:pos x="connsiteX1" y="connsiteY1"/>
+              </a:cxn>
+              <a:cxn ang="0">
+                <a:pos x="connsiteX2" y="connsiteY2"/>
+              </a:cxn>
+              <a:cxn ang="0">
+                <a:pos x="connsiteX3" y="connsiteY3"/>
+              </a:cxn>
+              <a:cxn ang="0">
+                <a:pos x="connsiteX4" y="connsiteY4"/>
+              </a:cxn>
+              <a:cxn ang="0">
+                <a:pos x="connsiteX5" y="connsiteY5"/>
+              </a:cxn>
+              <a:cxn ang="0">
+                <a:pos x="connsiteX6" y="connsiteY6"/>
+              </a:cxn>
+              <a:cxn ang="0">
+                <a:pos x="connsiteX7" y="connsiteY7"/>
+              </a:cxn>
+            </a:cxnLst>
+            <a:rect l="l" t="t" r="r" b="b"/>
+            <a:pathLst>
+              <a:path w="5000438" h="5400962">
+                <a:moveTo>
+                  <a:pt x="2299956" y="0"/>
+                </a:moveTo>
+                <a:cubicBezTo>
+                  <a:pt x="3791390" y="0"/>
+                  <a:pt x="5000438" y="1209047"/>
+                  <a:pt x="5000438" y="2700481"/>
+                </a:cubicBezTo>
+                <a:cubicBezTo>
+                  <a:pt x="5000438" y="4191915"/>
+                  <a:pt x="3791390" y="5400962"/>
+                  <a:pt x="2299956" y="5400962"/>
+                </a:cubicBezTo>
+                <a:cubicBezTo>
+                  <a:pt x="1367810" y="5400962"/>
+                  <a:pt x="545971" y="4928678"/>
+                  <a:pt x="60675" y="4210346"/>
+                </a:cubicBezTo>
+                <a:lnTo>
+                  <a:pt x="0" y="4110472"/>
+                </a:lnTo>
+                <a:lnTo>
+                  <a:pt x="0" y="1290491"/>
+                </a:lnTo>
+                <a:lnTo>
+                  <a:pt x="60675" y="1190617"/>
+                </a:lnTo>
+                <a:cubicBezTo>
+                  <a:pt x="545971" y="472284"/>
+                  <a:pt x="1367810" y="0"/>
+                  <a:pt x="2299956" y="0"/>
+                </a:cubicBezTo>
+                <a:close/>
+              </a:path>
+            </a:pathLst>
+          </a:custGeom>
+          <a:solidFill>
+            <a:srgbClr val="FFFFFF"/>
+          </a:solidFill>
+          <a:ln>
+            <a:noFill/>
+          </a:ln>
+        </p:spPr>
+        <p:style>
+          <a:lnRef idx="2">
+            <a:schemeClr val="accent1">
+              <a:shade val="50000"/>
+            </a:schemeClr>
+          </a:lnRef>
+          <a:fillRef idx="1">
+            <a:schemeClr val="accent1"/>
+          </a:fillRef>
+          <a:effectRef idx="0">
+            <a:schemeClr val="accent1"/>
+          </a:effectRef>
+          <a:fontRef idx="minor">
+            <a:schemeClr val="lt1"/>
+          </a:fontRef>
+        </p:style>
+        <p:txBody>
+          <a:bodyPr wrap="square" rtlCol="0" anchor="ctr">
+            <a:noAutofit/>
+          </a:bodyPr>
+          <a:lstStyle/>
+          <a:p>
+            <a:pPr algn="ctr"/>
+            <a:endParaRPr lang="en-US"/>
           </a:p>
         </p:txBody>
       </p:sp>
@@ -4672,8 +4884,8 @@
         </p:nvSpPr>
         <p:spPr>
           <a:xfrm>
-            <a:off x="6090574" y="801866"/>
-            <a:ext cx="5306084" cy="5230634"/>
+            <a:off x="6090574" y="2421682"/>
+            <a:ext cx="4977578" cy="3639289"/>
           </a:xfrm>
         </p:spPr>
         <p:txBody>
@@ -4683,7 +4895,7 @@
           <a:lstStyle/>
           <a:p>
             <a:r>
-              <a:rPr lang="en-US" sz="2400" dirty="0">
+              <a:rPr lang="en-US" sz="1600">
                 <a:solidFill>
                   <a:srgbClr val="000000"/>
                 </a:solidFill>
@@ -4693,7 +4905,7 @@
           </a:p>
           <a:p>
             <a:r>
-              <a:rPr lang="en-US" sz="2400" dirty="0">
+              <a:rPr lang="en-US" sz="1600">
                 <a:solidFill>
                   <a:srgbClr val="000000"/>
                 </a:solidFill>
@@ -4704,22 +4916,17 @@
           <a:p>
             <a:pPr lvl="1"/>
             <a:r>
-              <a:rPr lang="en-US" sz="2000" dirty="0">
+              <a:rPr lang="en-US" sz="1600">
                 <a:solidFill>
                   <a:srgbClr val="000000"/>
                 </a:solidFill>
               </a:rPr>
               <a:t>Normal and Elite</a:t>
             </a:r>
-            <a:endParaRPr lang="en-US" sz="2400" dirty="0">
-              <a:solidFill>
-                <a:srgbClr val="000000"/>
-              </a:solidFill>
-            </a:endParaRPr>
-          </a:p>
-          <a:p>
-            <a:r>
-              <a:rPr lang="en-US" sz="2400" dirty="0">
+          </a:p>
+          <a:p>
+            <a:r>
+              <a:rPr lang="en-US" sz="1600">
                 <a:solidFill>
                   <a:srgbClr val="000000"/>
                 </a:solidFill>
@@ -4730,7 +4937,7 @@
           <a:p>
             <a:pPr lvl="1"/>
             <a:r>
-              <a:rPr lang="en-US" sz="2000" dirty="0">
+              <a:rPr lang="en-US" sz="1600">
                 <a:solidFill>
                   <a:srgbClr val="000000"/>
                 </a:solidFill>
@@ -4740,7 +4947,7 @@
           </a:p>
           <a:p>
             <a:r>
-              <a:rPr lang="en-US" sz="2400" dirty="0">
+              <a:rPr lang="en-US" sz="1600">
                 <a:solidFill>
                   <a:srgbClr val="000000"/>
                 </a:solidFill>
@@ -4751,7 +4958,7 @@
           <a:p>
             <a:pPr lvl="1"/>
             <a:r>
-              <a:rPr lang="en-US" dirty="0">
+              <a:rPr lang="en-US" sz="1600">
                 <a:solidFill>
                   <a:srgbClr val="000000"/>
                 </a:solidFill>
@@ -4762,7 +4969,7 @@
           <a:p>
             <a:pPr lvl="1"/>
             <a:r>
-              <a:rPr lang="en-US" dirty="0">
+              <a:rPr lang="en-US" sz="1600">
                 <a:solidFill>
                   <a:srgbClr val="000000"/>
                 </a:solidFill>
@@ -4773,7 +4980,7 @@
           <a:p>
             <a:pPr lvl="1"/>
             <a:r>
-              <a:rPr lang="en-US" dirty="0">
+              <a:rPr lang="en-US" sz="1600">
                 <a:solidFill>
                   <a:srgbClr val="000000"/>
                 </a:solidFill>
@@ -4783,7 +4990,7 @@
           </a:p>
           <a:p>
             <a:r>
-              <a:rPr lang="en-US" sz="2400" dirty="0">
+              <a:rPr lang="en-US" sz="1600">
                 <a:solidFill>
                   <a:srgbClr val="000000"/>
                 </a:solidFill>
@@ -4793,6 +5000,42 @@
           </a:p>
         </p:txBody>
       </p:sp>
+      <p:pic>
+        <p:nvPicPr>
+          <p:cNvPr id="7" name="Kuva 6" descr="Kuva, joka sisältää kohteen ulko, istuminen, rakennus, katsominen&#10;&#10;Kuvaus luotu automaattisesti">
+            <a:extLst>
+              <a:ext uri="{FF2B5EF4-FFF2-40B4-BE49-F238E27FC236}">
+                <a16:creationId xmlns:a16="http://schemas.microsoft.com/office/drawing/2014/main" id="{026AB0C7-7CE7-4912-BF6E-7A477F115779}"/>
+              </a:ext>
+            </a:extLst>
+          </p:cNvPr>
+          <p:cNvPicPr>
+            <a:picLocks noChangeAspect="1"/>
+          </p:cNvPicPr>
+          <p:nvPr/>
+        </p:nvPicPr>
+        <p:blipFill>
+          <a:blip r:embed="rId3">
+            <a:extLst>
+              <a:ext uri="{28A0092B-C50C-407E-A947-70E740481C1C}">
+                <a14:useLocalDpi xmlns:a14="http://schemas.microsoft.com/office/drawing/2010/main" val="0"/>
+              </a:ext>
+            </a:extLst>
+          </a:blip>
+          <a:stretch>
+            <a:fillRect/>
+          </a:stretch>
+        </p:blipFill>
+        <p:spPr>
+          <a:xfrm>
+            <a:off x="-1349781" y="-762000"/>
+            <a:ext cx="6907862" cy="12280640"/>
+          </a:xfrm>
+          <a:prstGeom prst="rect">
+            <a:avLst/>
+          </a:prstGeom>
+        </p:spPr>
+      </p:pic>
     </p:spTree>
     <p:extLst>
       <p:ext uri="{BB962C8B-B14F-4D97-AF65-F5344CB8AC3E}">
@@ -5975,12 +6218,12 @@
           <a:chExt cx="0" cy="0"/>
         </a:xfrm>
       </p:grpSpPr>
-      <p:sp useBgFill="1">
+      <p:sp>
         <p:nvSpPr>
-          <p:cNvPr id="8" name="Rectangle 7">
-            <a:extLst>
-              <a:ext uri="{FF2B5EF4-FFF2-40B4-BE49-F238E27FC236}">
-                <a16:creationId xmlns:a16="http://schemas.microsoft.com/office/drawing/2014/main" id="{3B854194-185D-494D-905C-7C7CB2E30F6E}"/>
+          <p:cNvPr id="17" name="Rectangle 16">
+            <a:extLst>
+              <a:ext uri="{FF2B5EF4-FFF2-40B4-BE49-F238E27FC236}">
+                <a16:creationId xmlns:a16="http://schemas.microsoft.com/office/drawing/2014/main" id="{F56F5174-31D9-4DBB-AAB7-A1FD7BDB1352}"/>
               </a:ext>
               <a:ext uri="{C183D7F6-B498-43B3-948B-1728B52AA6E4}">
                 <adec:decorative xmlns:adec="http://schemas.microsoft.com/office/drawing/2017/decorative" val="1"/>
@@ -6001,67 +6244,7 @@
         <p:spPr>
           <a:xfrm>
             <a:off x="1" y="0"/>
-            <a:ext cx="6082110" cy="6858000"/>
-          </a:xfrm>
-          <a:prstGeom prst="rect">
-            <a:avLst/>
-          </a:prstGeom>
-          <a:ln>
-            <a:noFill/>
-          </a:ln>
-        </p:spPr>
-        <p:style>
-          <a:lnRef idx="2">
-            <a:schemeClr val="accent1">
-              <a:shade val="50000"/>
-            </a:schemeClr>
-          </a:lnRef>
-          <a:fillRef idx="1">
-            <a:schemeClr val="accent1"/>
-          </a:fillRef>
-          <a:effectRef idx="0">
-            <a:schemeClr val="accent1"/>
-          </a:effectRef>
-          <a:fontRef idx="minor">
-            <a:schemeClr val="lt1"/>
-          </a:fontRef>
-        </p:style>
-        <p:txBody>
-          <a:bodyPr rtlCol="0" anchor="ctr"/>
-          <a:lstStyle/>
-          <a:p>
-            <a:pPr algn="ctr"/>
-            <a:endParaRPr lang="en-US"/>
-          </a:p>
-        </p:txBody>
-      </p:sp>
-      <p:sp>
-        <p:nvSpPr>
-          <p:cNvPr id="10" name="Rectangle 9">
-            <a:extLst>
-              <a:ext uri="{FF2B5EF4-FFF2-40B4-BE49-F238E27FC236}">
-                <a16:creationId xmlns:a16="http://schemas.microsoft.com/office/drawing/2014/main" id="{B4F5FA0D-0104-4987-8241-EFF7C85B88DE}"/>
-              </a:ext>
-              <a:ext uri="{C183D7F6-B498-43B3-948B-1728B52AA6E4}">
-                <adec:decorative xmlns:adec="http://schemas.microsoft.com/office/drawing/2017/decorative" val="1"/>
-              </a:ext>
-            </a:extLst>
-          </p:cNvPr>
-          <p:cNvSpPr>
-            <a:spLocks noGrp="1" noRot="1" noChangeAspect="1" noMove="1" noResize="1" noEditPoints="1" noAdjustHandles="1" noChangeArrowheads="1" noChangeShapeType="1" noTextEdit="1"/>
-          </p:cNvSpPr>
-          <p:nvPr>
-            <p:extLst>
-              <p:ext uri="{386F3935-93C4-4BCD-93E2-E3B085C9AB24}">
-                <p16:designElem xmlns:p16="http://schemas.microsoft.com/office/powerpoint/2015/main" val="1"/>
-              </p:ext>
-            </p:extLst>
-          </p:nvPr>
-        </p:nvSpPr>
-        <p:spPr>
-          <a:xfrm>
-            <a:off x="1" y="0"/>
-            <a:ext cx="12191998" cy="6858000"/>
+            <a:ext cx="5614875" cy="6858000"/>
           </a:xfrm>
           <a:prstGeom prst="rect">
             <a:avLst/>
@@ -6070,22 +6253,23 @@
             <a:gsLst>
               <a:gs pos="0">
                 <a:schemeClr val="accent1">
-                  <a:lumMod val="90000"/>
+                  <a:lumMod val="100000"/>
+                  <a:alpha val="82000"/>
                 </a:schemeClr>
               </a:gs>
               <a:gs pos="25000">
                 <a:schemeClr val="accent1">
-                  <a:lumMod val="90000"/>
+                  <a:alpha val="60000"/>
                 </a:schemeClr>
               </a:gs>
               <a:gs pos="94000">
                 <a:schemeClr val="bg2">
-                  <a:lumMod val="25000"/>
+                  <a:lumMod val="75000"/>
                 </a:schemeClr>
               </a:gs>
               <a:gs pos="100000">
                 <a:schemeClr val="bg2">
-                  <a:lumMod val="25000"/>
+                  <a:lumMod val="75000"/>
                 </a:schemeClr>
               </a:gs>
             </a:gsLst>
@@ -6122,10 +6306,10 @@
       </p:sp>
       <p:pic>
         <p:nvPicPr>
-          <p:cNvPr id="12" name="Picture 11">
-            <a:extLst>
-              <a:ext uri="{FF2B5EF4-FFF2-40B4-BE49-F238E27FC236}">
-                <a16:creationId xmlns:a16="http://schemas.microsoft.com/office/drawing/2014/main" id="{2897127E-6CEF-446C-BE87-93B7C46E49D1}"/>
+          <p:cNvPr id="19" name="Picture 18">
+            <a:extLst>
+              <a:ext uri="{FF2B5EF4-FFF2-40B4-BE49-F238E27FC236}">
+                <a16:creationId xmlns:a16="http://schemas.microsoft.com/office/drawing/2014/main" id="{AE113210-7872-481A-ADE6-3A05CCAF5EB2}"/>
               </a:ext>
               <a:ext uri="{C183D7F6-B498-43B3-948B-1728B52AA6E4}">
                 <adec:decorative xmlns:adec="http://schemas.microsoft.com/office/drawing/2017/decorative" val="1"/>
@@ -6183,8 +6367,8 @@
         </p:nvSpPr>
         <p:spPr>
           <a:xfrm>
-            <a:off x="640079" y="2053641"/>
-            <a:ext cx="3669161" cy="2760098"/>
+            <a:off x="6094105" y="802955"/>
+            <a:ext cx="4977976" cy="1454051"/>
           </a:xfrm>
         </p:spPr>
         <p:txBody>
@@ -6196,11 +6380,159 @@
             <a:r>
               <a:rPr lang="fi-FI">
                 <a:solidFill>
-                  <a:srgbClr val="FFFFFF"/>
+                  <a:srgbClr val="000000"/>
                 </a:solidFill>
               </a:rPr>
               <a:t>Who?</a:t>
             </a:r>
+          </a:p>
+        </p:txBody>
+      </p:sp>
+      <p:sp>
+        <p:nvSpPr>
+          <p:cNvPr id="21" name="Freeform 62">
+            <a:extLst>
+              <a:ext uri="{FF2B5EF4-FFF2-40B4-BE49-F238E27FC236}">
+                <a16:creationId xmlns:a16="http://schemas.microsoft.com/office/drawing/2014/main" id="{F9A95BEE-6BB1-4A28-A8E6-A34B2E42EF87}"/>
+              </a:ext>
+              <a:ext uri="{C183D7F6-B498-43B3-948B-1728B52AA6E4}">
+                <adec:decorative xmlns:adec="http://schemas.microsoft.com/office/drawing/2017/decorative" val="1"/>
+              </a:ext>
+            </a:extLst>
+          </p:cNvPr>
+          <p:cNvSpPr>
+            <a:spLocks noGrp="1" noRot="1" noChangeAspect="1" noMove="1" noResize="1" noEditPoints="1" noAdjustHandles="1" noChangeArrowheads="1" noChangeShapeType="1" noTextEdit="1"/>
+          </p:cNvSpPr>
+          <p:nvPr>
+            <p:extLst>
+              <p:ext uri="{386F3935-93C4-4BCD-93E2-E3B085C9AB24}">
+                <p16:designElem xmlns:p16="http://schemas.microsoft.com/office/powerpoint/2015/main" val="1"/>
+              </p:ext>
+            </p:extLst>
+          </p:nvPr>
+        </p:nvSpPr>
+        <p:spPr>
+          <a:xfrm>
+            <a:off x="0" y="738619"/>
+            <a:ext cx="5000438" cy="5400962"/>
+          </a:xfrm>
+          <a:custGeom>
+            <a:avLst/>
+            <a:gdLst>
+              <a:gd name="connsiteX0" fmla="*/ 2299956 w 5000438"/>
+              <a:gd name="connsiteY0" fmla="*/ 0 h 5400962"/>
+              <a:gd name="connsiteX1" fmla="*/ 5000438 w 5000438"/>
+              <a:gd name="connsiteY1" fmla="*/ 2700481 h 5400962"/>
+              <a:gd name="connsiteX2" fmla="*/ 2299956 w 5000438"/>
+              <a:gd name="connsiteY2" fmla="*/ 5400962 h 5400962"/>
+              <a:gd name="connsiteX3" fmla="*/ 60675 w 5000438"/>
+              <a:gd name="connsiteY3" fmla="*/ 4210346 h 5400962"/>
+              <a:gd name="connsiteX4" fmla="*/ 0 w 5000438"/>
+              <a:gd name="connsiteY4" fmla="*/ 4110472 h 5400962"/>
+              <a:gd name="connsiteX5" fmla="*/ 0 w 5000438"/>
+              <a:gd name="connsiteY5" fmla="*/ 1290491 h 5400962"/>
+              <a:gd name="connsiteX6" fmla="*/ 60675 w 5000438"/>
+              <a:gd name="connsiteY6" fmla="*/ 1190617 h 5400962"/>
+              <a:gd name="connsiteX7" fmla="*/ 2299956 w 5000438"/>
+              <a:gd name="connsiteY7" fmla="*/ 0 h 5400962"/>
+            </a:gdLst>
+            <a:ahLst/>
+            <a:cxnLst>
+              <a:cxn ang="0">
+                <a:pos x="connsiteX0" y="connsiteY0"/>
+              </a:cxn>
+              <a:cxn ang="0">
+                <a:pos x="connsiteX1" y="connsiteY1"/>
+              </a:cxn>
+              <a:cxn ang="0">
+                <a:pos x="connsiteX2" y="connsiteY2"/>
+              </a:cxn>
+              <a:cxn ang="0">
+                <a:pos x="connsiteX3" y="connsiteY3"/>
+              </a:cxn>
+              <a:cxn ang="0">
+                <a:pos x="connsiteX4" y="connsiteY4"/>
+              </a:cxn>
+              <a:cxn ang="0">
+                <a:pos x="connsiteX5" y="connsiteY5"/>
+              </a:cxn>
+              <a:cxn ang="0">
+                <a:pos x="connsiteX6" y="connsiteY6"/>
+              </a:cxn>
+              <a:cxn ang="0">
+                <a:pos x="connsiteX7" y="connsiteY7"/>
+              </a:cxn>
+            </a:cxnLst>
+            <a:rect l="l" t="t" r="r" b="b"/>
+            <a:pathLst>
+              <a:path w="5000438" h="5400962">
+                <a:moveTo>
+                  <a:pt x="2299956" y="0"/>
+                </a:moveTo>
+                <a:cubicBezTo>
+                  <a:pt x="3791390" y="0"/>
+                  <a:pt x="5000438" y="1209047"/>
+                  <a:pt x="5000438" y="2700481"/>
+                </a:cubicBezTo>
+                <a:cubicBezTo>
+                  <a:pt x="5000438" y="4191915"/>
+                  <a:pt x="3791390" y="5400962"/>
+                  <a:pt x="2299956" y="5400962"/>
+                </a:cubicBezTo>
+                <a:cubicBezTo>
+                  <a:pt x="1367810" y="5400962"/>
+                  <a:pt x="545971" y="4928678"/>
+                  <a:pt x="60675" y="4210346"/>
+                </a:cubicBezTo>
+                <a:lnTo>
+                  <a:pt x="0" y="4110472"/>
+                </a:lnTo>
+                <a:lnTo>
+                  <a:pt x="0" y="1290491"/>
+                </a:lnTo>
+                <a:lnTo>
+                  <a:pt x="60675" y="1190617"/>
+                </a:lnTo>
+                <a:cubicBezTo>
+                  <a:pt x="545971" y="472284"/>
+                  <a:pt x="1367810" y="0"/>
+                  <a:pt x="2299956" y="0"/>
+                </a:cubicBezTo>
+                <a:close/>
+              </a:path>
+            </a:pathLst>
+          </a:custGeom>
+          <a:solidFill>
+            <a:srgbClr val="FFFFFF"/>
+          </a:solidFill>
+          <a:ln>
+            <a:noFill/>
+          </a:ln>
+        </p:spPr>
+        <p:style>
+          <a:lnRef idx="2">
+            <a:schemeClr val="accent1">
+              <a:shade val="50000"/>
+            </a:schemeClr>
+          </a:lnRef>
+          <a:fillRef idx="1">
+            <a:schemeClr val="accent1"/>
+          </a:fillRef>
+          <a:effectRef idx="0">
+            <a:schemeClr val="accent1"/>
+          </a:effectRef>
+          <a:fontRef idx="minor">
+            <a:schemeClr val="lt1"/>
+          </a:fontRef>
+        </p:style>
+        <p:txBody>
+          <a:bodyPr wrap="square" rtlCol="0" anchor="ctr">
+            <a:noAutofit/>
+          </a:bodyPr>
+          <a:lstStyle/>
+          <a:p>
+            <a:pPr algn="ctr"/>
+            <a:endParaRPr lang="en-US"/>
           </a:p>
         </p:txBody>
       </p:sp>
@@ -6222,8 +6554,8 @@
         </p:nvSpPr>
         <p:spPr>
           <a:xfrm>
-            <a:off x="6090574" y="801866"/>
-            <a:ext cx="5306084" cy="5230634"/>
+            <a:off x="6090574" y="2421682"/>
+            <a:ext cx="4977578" cy="3639289"/>
           </a:xfrm>
         </p:spPr>
         <p:txBody>
@@ -6233,7 +6565,7 @@
           <a:lstStyle/>
           <a:p>
             <a:r>
-              <a:rPr lang="fi-FI" sz="2400" dirty="0">
+              <a:rPr lang="fi-FI" sz="2000">
                 <a:solidFill>
                   <a:srgbClr val="000000"/>
                 </a:solidFill>
@@ -6243,7 +6575,7 @@
           </a:p>
           <a:p>
             <a:r>
-              <a:rPr lang="fi-FI" sz="2400" dirty="0">
+              <a:rPr lang="fi-FI" sz="2000">
                 <a:solidFill>
                   <a:srgbClr val="000000"/>
                 </a:solidFill>
@@ -6254,7 +6586,7 @@
           <a:p>
             <a:pPr lvl="1"/>
             <a:r>
-              <a:rPr lang="fi-FI" dirty="0">
+              <a:rPr lang="fi-FI" sz="2000">
                 <a:solidFill>
                   <a:srgbClr val="000000"/>
                 </a:solidFill>
@@ -6264,7 +6596,7 @@
           </a:p>
           <a:p>
             <a:r>
-              <a:rPr lang="fi-FI" sz="2400" dirty="0">
+              <a:rPr lang="fi-FI" sz="2000">
                 <a:solidFill>
                   <a:srgbClr val="000000"/>
                 </a:solidFill>
@@ -6275,57 +6607,28 @@
           <a:p>
             <a:pPr lvl="1"/>
             <a:r>
-              <a:rPr lang="fi-FI" dirty="0" err="1">
+              <a:rPr lang="fi-FI" sz="2000">
                 <a:solidFill>
                   <a:srgbClr val="000000"/>
                 </a:solidFill>
               </a:rPr>
-              <a:t>Art</a:t>
-            </a:r>
-            <a:r>
-              <a:rPr lang="fi-FI" dirty="0">
+              <a:t>Art + Design</a:t>
+            </a:r>
+          </a:p>
+          <a:p>
+            <a:r>
+              <a:rPr lang="fi-FI" sz="2000">
                 <a:solidFill>
                   <a:srgbClr val="000000"/>
                 </a:solidFill>
               </a:rPr>
-              <a:t> + Design</a:t>
-            </a:r>
-          </a:p>
-          <a:p>
-            <a:r>
-              <a:rPr lang="fi-FI" sz="2400" dirty="0" err="1">
-                <a:solidFill>
-                  <a:srgbClr val="000000"/>
-                </a:solidFill>
-              </a:rPr>
-              <a:t>Cerdic</a:t>
-            </a:r>
-            <a:r>
-              <a:rPr lang="fi-FI" sz="2400" dirty="0">
-                <a:solidFill>
-                  <a:srgbClr val="000000"/>
-                </a:solidFill>
-              </a:rPr>
-              <a:t> </a:t>
-            </a:r>
-            <a:r>
-              <a:rPr lang="fi-FI" sz="2400" dirty="0" err="1">
-                <a:solidFill>
-                  <a:srgbClr val="000000"/>
-                </a:solidFill>
-              </a:rPr>
-              <a:t>Voncken</a:t>
-            </a:r>
-            <a:endParaRPr lang="fi-FI" sz="2400" dirty="0">
-              <a:solidFill>
-                <a:srgbClr val="000000"/>
-              </a:solidFill>
-            </a:endParaRPr>
+              <a:t>Cerdic Voncken</a:t>
+            </a:r>
           </a:p>
           <a:p>
             <a:pPr lvl="1"/>
             <a:r>
-              <a:rPr lang="fi-FI" dirty="0">
+              <a:rPr lang="fi-FI" sz="2000">
                 <a:solidFill>
                   <a:srgbClr val="000000"/>
                 </a:solidFill>
@@ -6335,31 +6638,18 @@
           </a:p>
           <a:p>
             <a:r>
-              <a:rPr lang="fi-FI" sz="2400" dirty="0">
+              <a:rPr lang="fi-FI" sz="2000">
                 <a:solidFill>
                   <a:srgbClr val="000000"/>
                 </a:solidFill>
               </a:rPr>
-              <a:t>Nick </a:t>
-            </a:r>
-            <a:r>
-              <a:rPr lang="fi-FI" sz="2400" dirty="0" err="1">
-                <a:solidFill>
-                  <a:srgbClr val="000000"/>
-                </a:solidFill>
-              </a:rPr>
-              <a:t>Hermsen</a:t>
-            </a:r>
-            <a:endParaRPr lang="fi-FI" sz="2400" dirty="0">
-              <a:solidFill>
-                <a:srgbClr val="000000"/>
-              </a:solidFill>
-            </a:endParaRPr>
+              <a:t>Nick Hermsen</a:t>
+            </a:r>
           </a:p>
           <a:p>
             <a:pPr lvl="1"/>
             <a:r>
-              <a:rPr lang="fi-FI" dirty="0">
+              <a:rPr lang="fi-FI" sz="2000">
                 <a:solidFill>
                   <a:srgbClr val="000000"/>
                 </a:solidFill>
@@ -6369,6 +6659,42 @@
           </a:p>
         </p:txBody>
       </p:sp>
+      <p:pic>
+        <p:nvPicPr>
+          <p:cNvPr id="7" name="Kuva 6" descr="Kuva, joka sisältää kohteen istuminen, etu, tumma, pöytä&#10;&#10;Kuvaus luotu automaattisesti">
+            <a:extLst>
+              <a:ext uri="{FF2B5EF4-FFF2-40B4-BE49-F238E27FC236}">
+                <a16:creationId xmlns:a16="http://schemas.microsoft.com/office/drawing/2014/main" id="{DAEA8FEB-2722-4F4B-9B7B-B0E50EC86B42}"/>
+              </a:ext>
+            </a:extLst>
+          </p:cNvPr>
+          <p:cNvPicPr>
+            <a:picLocks noChangeAspect="1"/>
+          </p:cNvPicPr>
+          <p:nvPr/>
+        </p:nvPicPr>
+        <p:blipFill>
+          <a:blip r:embed="rId3">
+            <a:extLst>
+              <a:ext uri="{28A0092B-C50C-407E-A947-70E740481C1C}">
+                <a14:useLocalDpi xmlns:a14="http://schemas.microsoft.com/office/drawing/2010/main" val="0"/>
+              </a:ext>
+            </a:extLst>
+          </a:blip>
+          <a:stretch>
+            <a:fillRect/>
+          </a:stretch>
+        </p:blipFill>
+        <p:spPr>
+          <a:xfrm>
+            <a:off x="-1657156" y="-3389415"/>
+            <a:ext cx="7581706" cy="13579680"/>
+          </a:xfrm>
+          <a:prstGeom prst="rect">
+            <a:avLst/>
+          </a:prstGeom>
+        </p:spPr>
+      </p:pic>
     </p:spTree>
     <p:extLst>
       <p:ext uri="{BB962C8B-B14F-4D97-AF65-F5344CB8AC3E}">
@@ -7411,10 +7737,10 @@
       </p:grpSpPr>
       <p:sp>
         <p:nvSpPr>
-          <p:cNvPr id="8" name="Rectangle 7">
-            <a:extLst>
-              <a:ext uri="{FF2B5EF4-FFF2-40B4-BE49-F238E27FC236}">
-                <a16:creationId xmlns:a16="http://schemas.microsoft.com/office/drawing/2014/main" id="{4351DFE5-F63D-4BE0-BDA9-E3EB88F01AA5}"/>
+          <p:cNvPr id="20" name="Rectangle 14">
+            <a:extLst>
+              <a:ext uri="{FF2B5EF4-FFF2-40B4-BE49-F238E27FC236}">
+                <a16:creationId xmlns:a16="http://schemas.microsoft.com/office/drawing/2014/main" id="{F56F5174-31D9-4DBB-AAB7-A1FD7BDB1352}"/>
               </a:ext>
               <a:ext uri="{C183D7F6-B498-43B3-948B-1728B52AA6E4}">
                 <adec:decorative xmlns:adec="http://schemas.microsoft.com/office/drawing/2017/decorative" val="1"/>
@@ -7434,8 +7760,8 @@
         </p:nvSpPr>
         <p:spPr>
           <a:xfrm>
-            <a:off x="355601" y="0"/>
-            <a:ext cx="11480494" cy="2753936"/>
+            <a:off x="1" y="0"/>
+            <a:ext cx="5614875" cy="6858000"/>
           </a:xfrm>
           <a:prstGeom prst="rect">
             <a:avLst/>
@@ -7444,22 +7770,23 @@
             <a:gsLst>
               <a:gs pos="0">
                 <a:schemeClr val="accent1">
-                  <a:lumMod val="90000"/>
+                  <a:lumMod val="100000"/>
+                  <a:alpha val="82000"/>
                 </a:schemeClr>
               </a:gs>
               <a:gs pos="25000">
                 <a:schemeClr val="accent1">
-                  <a:lumMod val="90000"/>
+                  <a:alpha val="60000"/>
                 </a:schemeClr>
               </a:gs>
               <a:gs pos="94000">
                 <a:schemeClr val="bg2">
-                  <a:lumMod val="25000"/>
+                  <a:lumMod val="75000"/>
                 </a:schemeClr>
               </a:gs>
               <a:gs pos="100000">
                 <a:schemeClr val="bg2">
-                  <a:lumMod val="25000"/>
+                  <a:lumMod val="75000"/>
                 </a:schemeClr>
               </a:gs>
             </a:gsLst>
@@ -7496,10 +7823,10 @@
       </p:sp>
       <p:pic>
         <p:nvPicPr>
-          <p:cNvPr id="10" name="Picture 9">
-            <a:extLst>
-              <a:ext uri="{FF2B5EF4-FFF2-40B4-BE49-F238E27FC236}">
-                <a16:creationId xmlns:a16="http://schemas.microsoft.com/office/drawing/2014/main" id="{3AA16612-ACD2-4A16-8F2B-4514FD6BF28F}"/>
+          <p:cNvPr id="21" name="Picture 16">
+            <a:extLst>
+              <a:ext uri="{FF2B5EF4-FFF2-40B4-BE49-F238E27FC236}">
+                <a16:creationId xmlns:a16="http://schemas.microsoft.com/office/drawing/2014/main" id="{AE113210-7872-481A-ADE6-3A05CCAF5EB2}"/>
               </a:ext>
               <a:ext uri="{C183D7F6-B498-43B3-948B-1728B52AA6E4}">
                 <adec:decorative xmlns:adec="http://schemas.microsoft.com/office/drawing/2017/decorative" val="1"/>
@@ -7557,8 +7884,8 @@
         </p:nvSpPr>
         <p:spPr>
           <a:xfrm>
-            <a:off x="1179226" y="826680"/>
-            <a:ext cx="9833548" cy="1325563"/>
+            <a:off x="6094105" y="802955"/>
+            <a:ext cx="4977976" cy="1454051"/>
           </a:xfrm>
         </p:spPr>
         <p:txBody>
@@ -7567,58 +7894,245 @@
           </a:bodyPr>
           <a:lstStyle/>
           <a:p>
-            <a:pPr algn="ctr"/>
-            <a:r>
-              <a:rPr lang="fi-FI" sz="4000" dirty="0" err="1">
+            <a:r>
+              <a:rPr lang="fi-FI">
                 <a:solidFill>
-                  <a:srgbClr val="FFFFFF"/>
+                  <a:srgbClr val="000000"/>
                 </a:solidFill>
               </a:rPr>
-              <a:t>Where</a:t>
-            </a:r>
-            <a:r>
-              <a:rPr lang="fi-FI" sz="4000" dirty="0">
-                <a:solidFill>
-                  <a:srgbClr val="FFFFFF"/>
-                </a:solidFill>
-              </a:rPr>
-              <a:t> I </a:t>
-            </a:r>
-            <a:r>
-              <a:rPr lang="fi-FI" sz="4000" dirty="0" err="1">
-                <a:solidFill>
-                  <a:srgbClr val="FFFFFF"/>
-                </a:solidFill>
-              </a:rPr>
-              <a:t>can</a:t>
-            </a:r>
-            <a:r>
-              <a:rPr lang="fi-FI" sz="4000" dirty="0">
-                <a:solidFill>
-                  <a:srgbClr val="FFFFFF"/>
-                </a:solidFill>
-              </a:rPr>
-              <a:t> </a:t>
-            </a:r>
-            <a:r>
-              <a:rPr lang="fi-FI" sz="4000" dirty="0" err="1">
-                <a:solidFill>
-                  <a:srgbClr val="FFFFFF"/>
-                </a:solidFill>
-              </a:rPr>
-              <a:t>download</a:t>
-            </a:r>
-            <a:r>
-              <a:rPr lang="fi-FI" sz="4000" dirty="0">
-                <a:solidFill>
-                  <a:srgbClr val="FFFFFF"/>
-                </a:solidFill>
-              </a:rPr>
-              <a:t> it?</a:t>
+              <a:t>Where I can download it?</a:t>
             </a:r>
           </a:p>
         </p:txBody>
       </p:sp>
+      <p:sp>
+        <p:nvSpPr>
+          <p:cNvPr id="19" name="Freeform 62">
+            <a:extLst>
+              <a:ext uri="{FF2B5EF4-FFF2-40B4-BE49-F238E27FC236}">
+                <a16:creationId xmlns:a16="http://schemas.microsoft.com/office/drawing/2014/main" id="{F9A95BEE-6BB1-4A28-A8E6-A34B2E42EF87}"/>
+              </a:ext>
+              <a:ext uri="{C183D7F6-B498-43B3-948B-1728B52AA6E4}">
+                <adec:decorative xmlns:adec="http://schemas.microsoft.com/office/drawing/2017/decorative" val="1"/>
+              </a:ext>
+            </a:extLst>
+          </p:cNvPr>
+          <p:cNvSpPr>
+            <a:spLocks noGrp="1" noRot="1" noChangeAspect="1" noMove="1" noResize="1" noEditPoints="1" noAdjustHandles="1" noChangeArrowheads="1" noChangeShapeType="1" noTextEdit="1"/>
+          </p:cNvSpPr>
+          <p:nvPr>
+            <p:extLst>
+              <p:ext uri="{386F3935-93C4-4BCD-93E2-E3B085C9AB24}">
+                <p16:designElem xmlns:p16="http://schemas.microsoft.com/office/powerpoint/2015/main" val="1"/>
+              </p:ext>
+            </p:extLst>
+          </p:nvPr>
+        </p:nvSpPr>
+        <p:spPr>
+          <a:xfrm>
+            <a:off x="0" y="738619"/>
+            <a:ext cx="5000438" cy="5400962"/>
+          </a:xfrm>
+          <a:custGeom>
+            <a:avLst/>
+            <a:gdLst>
+              <a:gd name="connsiteX0" fmla="*/ 2299956 w 5000438"/>
+              <a:gd name="connsiteY0" fmla="*/ 0 h 5400962"/>
+              <a:gd name="connsiteX1" fmla="*/ 5000438 w 5000438"/>
+              <a:gd name="connsiteY1" fmla="*/ 2700481 h 5400962"/>
+              <a:gd name="connsiteX2" fmla="*/ 2299956 w 5000438"/>
+              <a:gd name="connsiteY2" fmla="*/ 5400962 h 5400962"/>
+              <a:gd name="connsiteX3" fmla="*/ 60675 w 5000438"/>
+              <a:gd name="connsiteY3" fmla="*/ 4210346 h 5400962"/>
+              <a:gd name="connsiteX4" fmla="*/ 0 w 5000438"/>
+              <a:gd name="connsiteY4" fmla="*/ 4110472 h 5400962"/>
+              <a:gd name="connsiteX5" fmla="*/ 0 w 5000438"/>
+              <a:gd name="connsiteY5" fmla="*/ 1290491 h 5400962"/>
+              <a:gd name="connsiteX6" fmla="*/ 60675 w 5000438"/>
+              <a:gd name="connsiteY6" fmla="*/ 1190617 h 5400962"/>
+              <a:gd name="connsiteX7" fmla="*/ 2299956 w 5000438"/>
+              <a:gd name="connsiteY7" fmla="*/ 0 h 5400962"/>
+            </a:gdLst>
+            <a:ahLst/>
+            <a:cxnLst>
+              <a:cxn ang="0">
+                <a:pos x="connsiteX0" y="connsiteY0"/>
+              </a:cxn>
+              <a:cxn ang="0">
+                <a:pos x="connsiteX1" y="connsiteY1"/>
+              </a:cxn>
+              <a:cxn ang="0">
+                <a:pos x="connsiteX2" y="connsiteY2"/>
+              </a:cxn>
+              <a:cxn ang="0">
+                <a:pos x="connsiteX3" y="connsiteY3"/>
+              </a:cxn>
+              <a:cxn ang="0">
+                <a:pos x="connsiteX4" y="connsiteY4"/>
+              </a:cxn>
+              <a:cxn ang="0">
+                <a:pos x="connsiteX5" y="connsiteY5"/>
+              </a:cxn>
+              <a:cxn ang="0">
+                <a:pos x="connsiteX6" y="connsiteY6"/>
+              </a:cxn>
+              <a:cxn ang="0">
+                <a:pos x="connsiteX7" y="connsiteY7"/>
+              </a:cxn>
+            </a:cxnLst>
+            <a:rect l="l" t="t" r="r" b="b"/>
+            <a:pathLst>
+              <a:path w="5000438" h="5400962">
+                <a:moveTo>
+                  <a:pt x="2299956" y="0"/>
+                </a:moveTo>
+                <a:cubicBezTo>
+                  <a:pt x="3791390" y="0"/>
+                  <a:pt x="5000438" y="1209047"/>
+                  <a:pt x="5000438" y="2700481"/>
+                </a:cubicBezTo>
+                <a:cubicBezTo>
+                  <a:pt x="5000438" y="4191915"/>
+                  <a:pt x="3791390" y="5400962"/>
+                  <a:pt x="2299956" y="5400962"/>
+                </a:cubicBezTo>
+                <a:cubicBezTo>
+                  <a:pt x="1367810" y="5400962"/>
+                  <a:pt x="545971" y="4928678"/>
+                  <a:pt x="60675" y="4210346"/>
+                </a:cubicBezTo>
+                <a:lnTo>
+                  <a:pt x="0" y="4110472"/>
+                </a:lnTo>
+                <a:lnTo>
+                  <a:pt x="0" y="1290491"/>
+                </a:lnTo>
+                <a:lnTo>
+                  <a:pt x="60675" y="1190617"/>
+                </a:lnTo>
+                <a:cubicBezTo>
+                  <a:pt x="545971" y="472284"/>
+                  <a:pt x="1367810" y="0"/>
+                  <a:pt x="2299956" y="0"/>
+                </a:cubicBezTo>
+                <a:close/>
+              </a:path>
+            </a:pathLst>
+          </a:custGeom>
+          <a:solidFill>
+            <a:srgbClr val="FFFFFF"/>
+          </a:solidFill>
+          <a:ln>
+            <a:noFill/>
+          </a:ln>
+        </p:spPr>
+        <p:style>
+          <a:lnRef idx="2">
+            <a:schemeClr val="accent1">
+              <a:shade val="50000"/>
+            </a:schemeClr>
+          </a:lnRef>
+          <a:fillRef idx="1">
+            <a:schemeClr val="accent1"/>
+          </a:fillRef>
+          <a:effectRef idx="0">
+            <a:schemeClr val="accent1"/>
+          </a:effectRef>
+          <a:fontRef idx="minor">
+            <a:schemeClr val="lt1"/>
+          </a:fontRef>
+        </p:style>
+        <p:txBody>
+          <a:bodyPr wrap="square" rtlCol="0" anchor="ctr">
+            <a:noAutofit/>
+          </a:bodyPr>
+          <a:lstStyle/>
+          <a:p>
+            <a:pPr algn="ctr"/>
+            <a:endParaRPr lang="en-US"/>
+          </a:p>
+        </p:txBody>
+      </p:sp>
+      <p:pic>
+        <p:nvPicPr>
+          <p:cNvPr id="5" name="Kuva 4" descr="Kuva, joka sisältää kohteen tumma, istuminen, rakennus, ruoho&#10;&#10;Kuvaus luotu automaattisesti">
+            <a:extLst>
+              <a:ext uri="{FF2B5EF4-FFF2-40B4-BE49-F238E27FC236}">
+                <a16:creationId xmlns:a16="http://schemas.microsoft.com/office/drawing/2014/main" id="{8CC021ED-158A-41CB-B242-B418D55094F8}"/>
+              </a:ext>
+            </a:extLst>
+          </p:cNvPr>
+          <p:cNvPicPr>
+            <a:picLocks noChangeAspect="1"/>
+          </p:cNvPicPr>
+          <p:nvPr/>
+        </p:nvPicPr>
+        <p:blipFill rotWithShape="1">
+          <a:blip r:embed="rId3">
+            <a:alphaModFix/>
+            <a:extLst>
+              <a:ext uri="{28A0092B-C50C-407E-A947-70E740481C1C}">
+                <a14:useLocalDpi xmlns:a14="http://schemas.microsoft.com/office/drawing/2010/main" val="0"/>
+              </a:ext>
+            </a:extLst>
+          </a:blip>
+          <a:srcRect l="28867" r="17392" b="2"/>
+          <a:stretch/>
+        </p:blipFill>
+        <p:spPr>
+          <a:xfrm>
+            <a:off x="-1267688" y="-145476"/>
+            <a:ext cx="6830288" cy="7148952"/>
+          </a:xfrm>
+          <a:custGeom>
+            <a:avLst/>
+            <a:gdLst/>
+            <a:ahLst/>
+            <a:cxnLst/>
+            <a:rect l="l" t="t" r="r" b="b"/>
+            <a:pathLst>
+              <a:path w="4838041" h="5063738">
+                <a:moveTo>
+                  <a:pt x="2306172" y="0"/>
+                </a:moveTo>
+                <a:cubicBezTo>
+                  <a:pt x="3704485" y="0"/>
+                  <a:pt x="4838041" y="1133556"/>
+                  <a:pt x="4838041" y="2531869"/>
+                </a:cubicBezTo>
+                <a:cubicBezTo>
+                  <a:pt x="4838041" y="3930182"/>
+                  <a:pt x="3704485" y="5063738"/>
+                  <a:pt x="2306172" y="5063738"/>
+                </a:cubicBezTo>
+                <a:cubicBezTo>
+                  <a:pt x="1344832" y="5063738"/>
+                  <a:pt x="508631" y="4527956"/>
+                  <a:pt x="79886" y="3738709"/>
+                </a:cubicBezTo>
+                <a:lnTo>
+                  <a:pt x="0" y="3572876"/>
+                </a:lnTo>
+                <a:lnTo>
+                  <a:pt x="0" y="1490863"/>
+                </a:lnTo>
+                <a:lnTo>
+                  <a:pt x="79886" y="1325030"/>
+                </a:lnTo>
+                <a:cubicBezTo>
+                  <a:pt x="508631" y="535783"/>
+                  <a:pt x="1344832" y="0"/>
+                  <a:pt x="2306172" y="0"/>
+                </a:cubicBezTo>
+                <a:close/>
+              </a:path>
+            </a:pathLst>
+          </a:custGeom>
+          <a:effectLst>
+            <a:softEdge rad="0"/>
+          </a:effectLst>
+        </p:spPr>
+      </p:pic>
       <p:sp>
         <p:nvSpPr>
           <p:cNvPr id="3" name="Sisällön paikkamerkki 2">
@@ -7637,91 +8151,67 @@
         </p:nvSpPr>
         <p:spPr>
           <a:xfrm>
-            <a:off x="1179226" y="3092970"/>
-            <a:ext cx="9833548" cy="2693976"/>
+            <a:off x="6090574" y="2421682"/>
+            <a:ext cx="4977578" cy="3639289"/>
           </a:xfrm>
         </p:spPr>
         <p:txBody>
-          <a:bodyPr>
+          <a:bodyPr anchor="ctr">
             <a:normAutofit/>
           </a:bodyPr>
           <a:lstStyle/>
           <a:p>
-            <a:pPr marL="0" indent="0" algn="ctr">
+            <a:pPr marL="0" indent="0">
               <a:buNone/>
             </a:pPr>
             <a:r>
-              <a:rPr lang="fi-FI" sz="3600" dirty="0">
+              <a:rPr lang="fi-FI" sz="2000">
                 <a:solidFill>
                   <a:srgbClr val="000000"/>
                 </a:solidFill>
               </a:rPr>
-              <a:t>Itch.io </a:t>
-            </a:r>
-            <a:r>
-              <a:rPr lang="fi-FI" sz="3600" dirty="0" err="1">
+              <a:t>Itch.io search </a:t>
+            </a:r>
+            <a:r>
+              <a:rPr lang="fi-FI" sz="2000" b="1">
                 <a:solidFill>
                   <a:srgbClr val="000000"/>
                 </a:solidFill>
               </a:rPr>
-              <a:t>search</a:t>
-            </a:r>
-            <a:r>
-              <a:rPr lang="fi-FI" sz="3600" dirty="0">
+              <a:t>Quack-A-Moley</a:t>
+            </a:r>
+            <a:endParaRPr lang="fi-FI" sz="2000" b="1">
+              <a:solidFill>
+                <a:srgbClr val="000000"/>
+              </a:solidFill>
+              <a:hlinkClick r:id="rId4"/>
+            </a:endParaRPr>
+          </a:p>
+          <a:p>
+            <a:pPr marL="0" indent="0">
+              <a:buNone/>
+            </a:pPr>
+            <a:endParaRPr lang="fi-FI" sz="2000">
+              <a:solidFill>
+                <a:srgbClr val="000000"/>
+              </a:solidFill>
+              <a:hlinkClick r:id="rId4"/>
+            </a:endParaRPr>
+          </a:p>
+          <a:p>
+            <a:pPr marL="0" indent="0">
+              <a:buNone/>
+            </a:pPr>
+            <a:r>
+              <a:rPr lang="fi-FI" sz="2000">
                 <a:solidFill>
                   <a:srgbClr val="000000"/>
                 </a:solidFill>
-              </a:rPr>
-              <a:t> </a:t>
-            </a:r>
-            <a:r>
-              <a:rPr lang="fi-FI" sz="3600" b="1" dirty="0">
-                <a:solidFill>
-                  <a:srgbClr val="000000"/>
-                </a:solidFill>
-              </a:rPr>
-              <a:t>Quack-A-</a:t>
-            </a:r>
-            <a:r>
-              <a:rPr lang="fi-FI" sz="3600" b="1" dirty="0" err="1">
-                <a:solidFill>
-                  <a:srgbClr val="000000"/>
-                </a:solidFill>
-              </a:rPr>
-              <a:t>Moley</a:t>
-            </a:r>
-            <a:endParaRPr lang="fi-FI" sz="3600" b="1" dirty="0">
-              <a:solidFill>
-                <a:srgbClr val="000000"/>
-              </a:solidFill>
-              <a:hlinkClick r:id="rId3"/>
-            </a:endParaRPr>
-          </a:p>
-          <a:p>
-            <a:pPr marL="0" indent="0" algn="ctr">
-              <a:buNone/>
-            </a:pPr>
-            <a:endParaRPr lang="fi-FI" sz="3600" dirty="0">
-              <a:solidFill>
-                <a:srgbClr val="000000"/>
-              </a:solidFill>
-              <a:hlinkClick r:id="rId3"/>
-            </a:endParaRPr>
-          </a:p>
-          <a:p>
-            <a:pPr marL="0" indent="0" algn="ctr">
-              <a:buNone/>
-            </a:pPr>
-            <a:r>
-              <a:rPr lang="fi-FI" sz="3600" dirty="0">
-                <a:solidFill>
-                  <a:srgbClr val="000000"/>
-                </a:solidFill>
-                <a:hlinkClick r:id="rId3"/>
+                <a:hlinkClick r:id="rId4"/>
               </a:rPr>
               <a:t>https://gentlemanni.itch.io/quack-a-moley</a:t>
             </a:r>
-            <a:endParaRPr lang="fi-FI" sz="3600" dirty="0">
+            <a:endParaRPr lang="fi-FI" sz="2000">
               <a:solidFill>
                 <a:srgbClr val="000000"/>
               </a:solidFill>

--- a/Quack-A-Moley.pptx
+++ b/Quack-A-Moley.pptx
@@ -3841,12 +3841,22 @@
           <a:lstStyle/>
           <a:p>
             <a:r>
-              <a:rPr lang="fi-FI">
+              <a:rPr lang="fi-FI" dirty="0" err="1">
                 <a:solidFill>
                   <a:srgbClr val="000000"/>
                 </a:solidFill>
+                <a:latin typeface="H0bby of night" panose="02000506000000020003" pitchFamily="2" charset="0"/>
               </a:rPr>
-              <a:t>Why?</a:t>
+              <a:t>Why</a:t>
+            </a:r>
+            <a:r>
+              <a:rPr lang="fi-FI" dirty="0">
+                <a:solidFill>
+                  <a:srgbClr val="000000"/>
+                </a:solidFill>
+                <a:latin typeface="H0bby of night" panose="02000506000000020003" pitchFamily="2" charset="0"/>
+              </a:rPr>
+              <a:t>?</a:t>
             </a:r>
           </a:p>
         </p:txBody>
@@ -4078,8 +4088,8 @@
         </p:nvSpPr>
         <p:spPr>
           <a:xfrm>
-            <a:off x="6090574" y="2421682"/>
-            <a:ext cx="4977578" cy="3639289"/>
+            <a:off x="6094105" y="2338547"/>
+            <a:ext cx="4977578" cy="1611086"/>
           </a:xfrm>
         </p:spPr>
         <p:txBody>
@@ -4089,36 +4099,68 @@
           <a:lstStyle/>
           <a:p>
             <a:r>
-              <a:rPr lang="fi-FI" sz="2000">
+              <a:rPr lang="fi-FI" sz="2000" dirty="0" err="1">
                 <a:solidFill>
                   <a:srgbClr val="000000"/>
                 </a:solidFill>
               </a:rPr>
-              <a:t>Brackeys Game Jam</a:t>
-            </a:r>
-          </a:p>
-          <a:p>
-            <a:r>
-              <a:rPr lang="fi-FI" sz="2000">
+              <a:t>Brackeys</a:t>
+            </a:r>
+            <a:r>
+              <a:rPr lang="fi-FI" sz="2000" dirty="0">
                 <a:solidFill>
                   <a:srgbClr val="000000"/>
                 </a:solidFill>
               </a:rPr>
-              <a:t>ONE week 16.-23.2.2020</a:t>
-            </a:r>
-          </a:p>
-          <a:p>
-            <a:r>
-              <a:rPr lang="fi-FI" sz="2000">
+              <a:t> Game Jam</a:t>
+            </a:r>
+          </a:p>
+          <a:p>
+            <a:r>
+              <a:rPr lang="fi-FI" sz="2000" dirty="0">
                 <a:solidFill>
                   <a:srgbClr val="000000"/>
                 </a:solidFill>
               </a:rPr>
-              <a:t>Theme: HOLES</a:t>
-            </a:r>
-          </a:p>
-          <a:p>
-            <a:endParaRPr lang="fi-FI" sz="2000">
+              <a:t>ONE </a:t>
+            </a:r>
+            <a:r>
+              <a:rPr lang="fi-FI" sz="2000" dirty="0" err="1">
+                <a:solidFill>
+                  <a:srgbClr val="000000"/>
+                </a:solidFill>
+              </a:rPr>
+              <a:t>week</a:t>
+            </a:r>
+            <a:r>
+              <a:rPr lang="fi-FI" sz="2000" dirty="0">
+                <a:solidFill>
+                  <a:srgbClr val="000000"/>
+                </a:solidFill>
+              </a:rPr>
+              <a:t> 16.-23.2.2020</a:t>
+            </a:r>
+          </a:p>
+          <a:p>
+            <a:r>
+              <a:rPr lang="fi-FI" sz="2000" dirty="0" err="1">
+                <a:solidFill>
+                  <a:srgbClr val="000000"/>
+                </a:solidFill>
+              </a:rPr>
+              <a:t>Theme</a:t>
+            </a:r>
+            <a:r>
+              <a:rPr lang="fi-FI" sz="2000" dirty="0">
+                <a:solidFill>
+                  <a:srgbClr val="000000"/>
+                </a:solidFill>
+              </a:rPr>
+              <a:t>: HOLES</a:t>
+            </a:r>
+          </a:p>
+          <a:p>
+            <a:endParaRPr lang="fi-FI" sz="2000" dirty="0">
               <a:solidFill>
                 <a:srgbClr val="000000"/>
               </a:solidFill>
@@ -4259,6 +4301,87 @@
                                   </p:childTnLst>
                                 </p:cTn>
                               </p:par>
+                              <p:par>
+                                <p:cTn id="10" presetID="53" presetClass="entr" presetSubtype="16" fill="hold" nodeType="withEffect">
+                                  <p:stCondLst>
+                                    <p:cond delay="500"/>
+                                  </p:stCondLst>
+                                  <p:childTnLst>
+                                    <p:set>
+                                      <p:cBhvr>
+                                        <p:cTn id="11" dur="1" fill="hold">
+                                          <p:stCondLst>
+                                            <p:cond delay="0"/>
+                                          </p:stCondLst>
+                                        </p:cTn>
+                                        <p:tgtEl>
+                                          <p:spTgt spid="5"/>
+                                        </p:tgtEl>
+                                        <p:attrNameLst>
+                                          <p:attrName>style.visibility</p:attrName>
+                                        </p:attrNameLst>
+                                      </p:cBhvr>
+                                      <p:to>
+                                        <p:strVal val="visible"/>
+                                      </p:to>
+                                    </p:set>
+                                    <p:anim calcmode="lin" valueType="num">
+                                      <p:cBhvr>
+                                        <p:cTn id="12" dur="1000" fill="hold"/>
+                                        <p:tgtEl>
+                                          <p:spTgt spid="5"/>
+                                        </p:tgtEl>
+                                        <p:attrNameLst>
+                                          <p:attrName>ppt_w</p:attrName>
+                                        </p:attrNameLst>
+                                      </p:cBhvr>
+                                      <p:tavLst>
+                                        <p:tav tm="0">
+                                          <p:val>
+                                            <p:fltVal val="0"/>
+                                          </p:val>
+                                        </p:tav>
+                                        <p:tav tm="100000">
+                                          <p:val>
+                                            <p:strVal val="#ppt_w"/>
+                                          </p:val>
+                                        </p:tav>
+                                      </p:tavLst>
+                                    </p:anim>
+                                    <p:anim calcmode="lin" valueType="num">
+                                      <p:cBhvr>
+                                        <p:cTn id="13" dur="1000" fill="hold"/>
+                                        <p:tgtEl>
+                                          <p:spTgt spid="5"/>
+                                        </p:tgtEl>
+                                        <p:attrNameLst>
+                                          <p:attrName>ppt_h</p:attrName>
+                                        </p:attrNameLst>
+                                      </p:cBhvr>
+                                      <p:tavLst>
+                                        <p:tav tm="0">
+                                          <p:val>
+                                            <p:fltVal val="0"/>
+                                          </p:val>
+                                        </p:tav>
+                                        <p:tav tm="100000">
+                                          <p:val>
+                                            <p:strVal val="#ppt_h"/>
+                                          </p:val>
+                                        </p:tav>
+                                      </p:tavLst>
+                                    </p:anim>
+                                    <p:animEffect transition="in" filter="fade">
+                                      <p:cBhvr>
+                                        <p:cTn id="14" dur="1000"/>
+                                        <p:tgtEl>
+                                          <p:spTgt spid="5"/>
+                                        </p:tgtEl>
+                                      </p:cBhvr>
+                                    </p:animEffect>
+                                  </p:childTnLst>
+                                </p:cTn>
+                              </p:par>
                             </p:childTnLst>
                           </p:cTn>
                         </p:par>
@@ -4266,26 +4389,26 @@
                     </p:cTn>
                   </p:par>
                   <p:par>
-                    <p:cTn id="10" fill="hold">
+                    <p:cTn id="15" fill="hold">
                       <p:stCondLst>
                         <p:cond delay="indefinite"/>
                       </p:stCondLst>
                       <p:childTnLst>
                         <p:par>
-                          <p:cTn id="11" fill="hold">
+                          <p:cTn id="16" fill="hold">
                             <p:stCondLst>
                               <p:cond delay="0"/>
                             </p:stCondLst>
                             <p:childTnLst>
                               <p:par>
-                                <p:cTn id="12" presetID="42" presetClass="entr" presetSubtype="0" fill="hold" grpId="0" nodeType="clickEffect">
+                                <p:cTn id="17" presetID="42" presetClass="entr" presetSubtype="0" fill="hold" grpId="0" nodeType="clickEffect">
                                   <p:stCondLst>
                                     <p:cond delay="0"/>
                                   </p:stCondLst>
                                   <p:childTnLst>
                                     <p:set>
                                       <p:cBhvr>
-                                        <p:cTn id="13" dur="1" fill="hold">
+                                        <p:cTn id="18" dur="1" fill="hold">
                                           <p:stCondLst>
                                             <p:cond delay="0"/>
                                           </p:stCondLst>
@@ -4307,7 +4430,7 @@
                                     </p:set>
                                     <p:animEffect transition="in" filter="fade">
                                       <p:cBhvr>
-                                        <p:cTn id="14" dur="1000"/>
+                                        <p:cTn id="19" dur="1000"/>
                                         <p:tgtEl>
                                           <p:spTgt spid="3">
                                             <p:txEl>
@@ -4319,7 +4442,7 @@
                                     </p:animEffect>
                                     <p:anim calcmode="lin" valueType="num">
                                       <p:cBhvr>
-                                        <p:cTn id="15" dur="1000" fill="hold"/>
+                                        <p:cTn id="20" dur="1000" fill="hold"/>
                                         <p:tgtEl>
                                           <p:spTgt spid="3">
                                             <p:txEl>
@@ -4346,7 +4469,7 @@
                                     </p:anim>
                                     <p:anim calcmode="lin" valueType="num">
                                       <p:cBhvr>
-                                        <p:cTn id="16" dur="1000" fill="hold"/>
+                                        <p:cTn id="21" dur="1000" fill="hold"/>
                                         <p:tgtEl>
                                           <p:spTgt spid="3">
                                             <p:txEl>
@@ -4381,26 +4504,26 @@
                     </p:cTn>
                   </p:par>
                   <p:par>
-                    <p:cTn id="17" fill="hold">
+                    <p:cTn id="22" fill="hold">
                       <p:stCondLst>
                         <p:cond delay="indefinite"/>
                       </p:stCondLst>
                       <p:childTnLst>
                         <p:par>
-                          <p:cTn id="18" fill="hold">
+                          <p:cTn id="23" fill="hold">
                             <p:stCondLst>
                               <p:cond delay="0"/>
                             </p:stCondLst>
                             <p:childTnLst>
                               <p:par>
-                                <p:cTn id="19" presetID="42" presetClass="entr" presetSubtype="0" fill="hold" grpId="0" nodeType="clickEffect">
+                                <p:cTn id="24" presetID="42" presetClass="entr" presetSubtype="0" fill="hold" grpId="0" nodeType="clickEffect">
                                   <p:stCondLst>
                                     <p:cond delay="0"/>
                                   </p:stCondLst>
                                   <p:childTnLst>
                                     <p:set>
                                       <p:cBhvr>
-                                        <p:cTn id="20" dur="1" fill="hold">
+                                        <p:cTn id="25" dur="1" fill="hold">
                                           <p:stCondLst>
                                             <p:cond delay="0"/>
                                           </p:stCondLst>
@@ -4422,7 +4545,7 @@
                                     </p:set>
                                     <p:animEffect transition="in" filter="fade">
                                       <p:cBhvr>
-                                        <p:cTn id="21" dur="1000"/>
+                                        <p:cTn id="26" dur="1000"/>
                                         <p:tgtEl>
                                           <p:spTgt spid="3">
                                             <p:txEl>
@@ -4434,7 +4557,7 @@
                                     </p:animEffect>
                                     <p:anim calcmode="lin" valueType="num">
                                       <p:cBhvr>
-                                        <p:cTn id="22" dur="1000" fill="hold"/>
+                                        <p:cTn id="27" dur="1000" fill="hold"/>
                                         <p:tgtEl>
                                           <p:spTgt spid="3">
                                             <p:txEl>
@@ -4461,7 +4584,7 @@
                                     </p:anim>
                                     <p:anim calcmode="lin" valueType="num">
                                       <p:cBhvr>
-                                        <p:cTn id="23" dur="1000" fill="hold"/>
+                                        <p:cTn id="28" dur="1000" fill="hold"/>
                                         <p:tgtEl>
                                           <p:spTgt spid="3">
                                             <p:txEl>
@@ -4708,10 +4831,11 @@
           <a:lstStyle/>
           <a:p>
             <a:r>
-              <a:rPr lang="fi-FI">
+              <a:rPr lang="fi-FI" dirty="0">
                 <a:solidFill>
                   <a:srgbClr val="000000"/>
                 </a:solidFill>
+                <a:latin typeface="H0bby of night" panose="02000506000000020003" pitchFamily="2" charset="0"/>
               </a:rPr>
               <a:t>What?</a:t>
             </a:r>
@@ -4884,7 +5008,7 @@
         </p:nvSpPr>
         <p:spPr>
           <a:xfrm>
-            <a:off x="6090574" y="2421682"/>
+            <a:off x="6094104" y="2066575"/>
             <a:ext cx="4977578" cy="3639289"/>
           </a:xfrm>
         </p:spPr>
@@ -4895,7 +5019,7 @@
           <a:lstStyle/>
           <a:p>
             <a:r>
-              <a:rPr lang="en-US" sz="1600">
+              <a:rPr lang="en-US" sz="1600" dirty="0">
                 <a:solidFill>
                   <a:srgbClr val="000000"/>
                 </a:solidFill>
@@ -4905,7 +5029,7 @@
           </a:p>
           <a:p>
             <a:r>
-              <a:rPr lang="en-US" sz="1600">
+              <a:rPr lang="en-US" sz="1600" dirty="0">
                 <a:solidFill>
                   <a:srgbClr val="000000"/>
                 </a:solidFill>
@@ -4916,7 +5040,7 @@
           <a:p>
             <a:pPr lvl="1"/>
             <a:r>
-              <a:rPr lang="en-US" sz="1600">
+              <a:rPr lang="en-US" sz="1600" dirty="0">
                 <a:solidFill>
                   <a:srgbClr val="000000"/>
                 </a:solidFill>
@@ -4926,7 +5050,7 @@
           </a:p>
           <a:p>
             <a:r>
-              <a:rPr lang="en-US" sz="1600">
+              <a:rPr lang="en-US" sz="1600" dirty="0">
                 <a:solidFill>
                   <a:srgbClr val="000000"/>
                 </a:solidFill>
@@ -4937,7 +5061,7 @@
           <a:p>
             <a:pPr lvl="1"/>
             <a:r>
-              <a:rPr lang="en-US" sz="1600">
+              <a:rPr lang="en-US" sz="1600" dirty="0">
                 <a:solidFill>
                   <a:srgbClr val="000000"/>
                 </a:solidFill>
@@ -4947,7 +5071,7 @@
           </a:p>
           <a:p>
             <a:r>
-              <a:rPr lang="en-US" sz="1600">
+              <a:rPr lang="en-US" sz="1600" dirty="0">
                 <a:solidFill>
                   <a:srgbClr val="000000"/>
                 </a:solidFill>
@@ -4958,7 +5082,7 @@
           <a:p>
             <a:pPr lvl="1"/>
             <a:r>
-              <a:rPr lang="en-US" sz="1600">
+              <a:rPr lang="en-US" sz="1600" dirty="0">
                 <a:solidFill>
                   <a:srgbClr val="000000"/>
                 </a:solidFill>
@@ -4969,7 +5093,7 @@
           <a:p>
             <a:pPr lvl="1"/>
             <a:r>
-              <a:rPr lang="en-US" sz="1600">
+              <a:rPr lang="en-US" sz="1600" dirty="0">
                 <a:solidFill>
                   <a:srgbClr val="000000"/>
                 </a:solidFill>
@@ -4980,7 +5104,7 @@
           <a:p>
             <a:pPr lvl="1"/>
             <a:r>
-              <a:rPr lang="en-US" sz="1600">
+              <a:rPr lang="en-US" sz="1600" dirty="0">
                 <a:solidFill>
                   <a:srgbClr val="000000"/>
                 </a:solidFill>
@@ -4990,7 +5114,7 @@
           </a:p>
           <a:p>
             <a:r>
-              <a:rPr lang="en-US" sz="1600">
+              <a:rPr lang="en-US" sz="1600" dirty="0">
                 <a:solidFill>
                   <a:srgbClr val="000000"/>
                 </a:solidFill>
@@ -6378,10 +6502,11 @@
           <a:lstStyle/>
           <a:p>
             <a:r>
-              <a:rPr lang="fi-FI">
+              <a:rPr lang="fi-FI" dirty="0">
                 <a:solidFill>
                   <a:srgbClr val="000000"/>
                 </a:solidFill>
+                <a:latin typeface="H0bby of night" panose="02000506000000020003" pitchFamily="2" charset="0"/>
               </a:rPr>
               <a:t>Who?</a:t>
             </a:r>
@@ -6554,7 +6679,7 @@
         </p:nvSpPr>
         <p:spPr>
           <a:xfrm>
-            <a:off x="6090574" y="2421682"/>
+            <a:off x="6094503" y="2103494"/>
             <a:ext cx="4977578" cy="3639289"/>
           </a:xfrm>
         </p:spPr>
@@ -6565,17 +6690,33 @@
           <a:lstStyle/>
           <a:p>
             <a:r>
-              <a:rPr lang="fi-FI" sz="2000">
+              <a:rPr lang="fi-FI" sz="2000" dirty="0">
                 <a:solidFill>
                   <a:srgbClr val="000000"/>
                 </a:solidFill>
               </a:rPr>
-              <a:t>Team of four:</a:t>
-            </a:r>
-          </a:p>
-          <a:p>
-            <a:r>
-              <a:rPr lang="fi-FI" sz="2000">
+              <a:t>Team of </a:t>
+            </a:r>
+            <a:r>
+              <a:rPr lang="fi-FI" sz="2000" dirty="0" err="1">
+                <a:solidFill>
+                  <a:srgbClr val="000000"/>
+                </a:solidFill>
+              </a:rPr>
+              <a:t>four</a:t>
+            </a:r>
+            <a:r>
+              <a:rPr lang="fi-FI" sz="2000" dirty="0">
+                <a:solidFill>
+                  <a:srgbClr val="000000"/>
+                </a:solidFill>
+              </a:rPr>
+              <a:t>:</a:t>
+            </a:r>
+          </a:p>
+          <a:p>
+            <a:r>
+              <a:rPr lang="fi-FI" sz="2000" dirty="0">
                 <a:solidFill>
                   <a:srgbClr val="000000"/>
                 </a:solidFill>
@@ -6586,7 +6727,7 @@
           <a:p>
             <a:pPr lvl="1"/>
             <a:r>
-              <a:rPr lang="fi-FI" sz="2000">
+              <a:rPr lang="fi-FI" sz="2000" dirty="0">
                 <a:solidFill>
                   <a:srgbClr val="000000"/>
                 </a:solidFill>
@@ -6596,7 +6737,7 @@
           </a:p>
           <a:p>
             <a:r>
-              <a:rPr lang="fi-FI" sz="2000">
+              <a:rPr lang="fi-FI" sz="2000" dirty="0">
                 <a:solidFill>
                   <a:srgbClr val="000000"/>
                 </a:solidFill>
@@ -6607,28 +6748,57 @@
           <a:p>
             <a:pPr lvl="1"/>
             <a:r>
-              <a:rPr lang="fi-FI" sz="2000">
+              <a:rPr lang="fi-FI" sz="2000" dirty="0" err="1">
                 <a:solidFill>
                   <a:srgbClr val="000000"/>
                 </a:solidFill>
               </a:rPr>
-              <a:t>Art + Design</a:t>
-            </a:r>
-          </a:p>
-          <a:p>
-            <a:r>
-              <a:rPr lang="fi-FI" sz="2000">
+              <a:t>Art</a:t>
+            </a:r>
+            <a:r>
+              <a:rPr lang="fi-FI" sz="2000" dirty="0">
                 <a:solidFill>
                   <a:srgbClr val="000000"/>
                 </a:solidFill>
               </a:rPr>
-              <a:t>Cerdic Voncken</a:t>
-            </a:r>
+              <a:t> + Design</a:t>
+            </a:r>
+          </a:p>
+          <a:p>
+            <a:r>
+              <a:rPr lang="fi-FI" sz="2000" dirty="0" err="1">
+                <a:solidFill>
+                  <a:srgbClr val="000000"/>
+                </a:solidFill>
+              </a:rPr>
+              <a:t>Cerdic</a:t>
+            </a:r>
+            <a:r>
+              <a:rPr lang="fi-FI" sz="2000" dirty="0">
+                <a:solidFill>
+                  <a:srgbClr val="000000"/>
+                </a:solidFill>
+              </a:rPr>
+              <a:t> </a:t>
+            </a:r>
+            <a:r>
+              <a:rPr lang="fi-FI" sz="2000" dirty="0" err="1">
+                <a:solidFill>
+                  <a:srgbClr val="000000"/>
+                </a:solidFill>
+              </a:rPr>
+              <a:t>Voncken</a:t>
+            </a:r>
+            <a:endParaRPr lang="fi-FI" sz="2000" dirty="0">
+              <a:solidFill>
+                <a:srgbClr val="000000"/>
+              </a:solidFill>
+            </a:endParaRPr>
           </a:p>
           <a:p>
             <a:pPr lvl="1"/>
             <a:r>
-              <a:rPr lang="fi-FI" sz="2000">
+              <a:rPr lang="fi-FI" sz="2000" dirty="0">
                 <a:solidFill>
                   <a:srgbClr val="000000"/>
                 </a:solidFill>
@@ -6638,18 +6808,31 @@
           </a:p>
           <a:p>
             <a:r>
-              <a:rPr lang="fi-FI" sz="2000">
+              <a:rPr lang="fi-FI" sz="2000" dirty="0">
                 <a:solidFill>
                   <a:srgbClr val="000000"/>
                 </a:solidFill>
               </a:rPr>
-              <a:t>Nick Hermsen</a:t>
-            </a:r>
+              <a:t>Nick </a:t>
+            </a:r>
+            <a:r>
+              <a:rPr lang="fi-FI" sz="2000" dirty="0" err="1">
+                <a:solidFill>
+                  <a:srgbClr val="000000"/>
+                </a:solidFill>
+              </a:rPr>
+              <a:t>Hermsen</a:t>
+            </a:r>
+            <a:endParaRPr lang="fi-FI" sz="2000" dirty="0">
+              <a:solidFill>
+                <a:srgbClr val="000000"/>
+              </a:solidFill>
+            </a:endParaRPr>
           </a:p>
           <a:p>
             <a:pPr lvl="1"/>
             <a:r>
-              <a:rPr lang="fi-FI" sz="2000">
+              <a:rPr lang="fi-FI" sz="2000" dirty="0">
                 <a:solidFill>
                   <a:srgbClr val="000000"/>
                 </a:solidFill>
@@ -6934,24 +7117,15 @@
                                   </p:childTnLst>
                                 </p:cTn>
                               </p:par>
-                            </p:childTnLst>
-                          </p:cTn>
-                        </p:par>
-                        <p:par>
-                          <p:cTn id="16" fill="hold">
-                            <p:stCondLst>
-                              <p:cond delay="2000"/>
-                            </p:stCondLst>
-                            <p:childTnLst>
                               <p:par>
-                                <p:cTn id="17" presetID="42" presetClass="entr" presetSubtype="0" fill="hold" grpId="0" nodeType="afterEffect">
+                                <p:cTn id="16" presetID="42" presetClass="entr" presetSubtype="0" fill="hold" grpId="0" nodeType="withEffect">
                                   <p:stCondLst>
                                     <p:cond delay="0"/>
                                   </p:stCondLst>
                                   <p:childTnLst>
                                     <p:set>
                                       <p:cBhvr>
-                                        <p:cTn id="18" dur="1" fill="hold">
+                                        <p:cTn id="17" dur="1" fill="hold">
                                           <p:stCondLst>
                                             <p:cond delay="0"/>
                                           </p:stCondLst>
@@ -6973,7 +7147,7 @@
                                     </p:set>
                                     <p:animEffect transition="in" filter="fade">
                                       <p:cBhvr>
-                                        <p:cTn id="19" dur="1000"/>
+                                        <p:cTn id="18" dur="1000"/>
                                         <p:tgtEl>
                                           <p:spTgt spid="3">
                                             <p:txEl>
@@ -6985,7 +7159,7 @@
                                     </p:animEffect>
                                     <p:anim calcmode="lin" valueType="num">
                                       <p:cBhvr>
-                                        <p:cTn id="20" dur="1000" fill="hold"/>
+                                        <p:cTn id="19" dur="1000" fill="hold"/>
                                         <p:tgtEl>
                                           <p:spTgt spid="3">
                                             <p:txEl>
@@ -7012,7 +7186,7 @@
                                     </p:anim>
                                     <p:anim calcmode="lin" valueType="num">
                                       <p:cBhvr>
-                                        <p:cTn id="21" dur="1000" fill="hold"/>
+                                        <p:cTn id="20" dur="1000" fill="hold"/>
                                         <p:tgtEl>
                                           <p:spTgt spid="3">
                                             <p:txEl>
@@ -7044,20 +7218,20 @@
                           </p:cTn>
                         </p:par>
                         <p:par>
-                          <p:cTn id="22" fill="hold">
+                          <p:cTn id="21" fill="hold">
                             <p:stCondLst>
-                              <p:cond delay="3000"/>
+                              <p:cond delay="2000"/>
                             </p:stCondLst>
                             <p:childTnLst>
                               <p:par>
-                                <p:cTn id="23" presetID="42" presetClass="entr" presetSubtype="0" fill="hold" grpId="0" nodeType="afterEffect">
+                                <p:cTn id="22" presetID="42" presetClass="entr" presetSubtype="0" fill="hold" grpId="0" nodeType="afterEffect">
                                   <p:stCondLst>
                                     <p:cond delay="0"/>
                                   </p:stCondLst>
                                   <p:childTnLst>
                                     <p:set>
                                       <p:cBhvr>
-                                        <p:cTn id="24" dur="1" fill="hold">
+                                        <p:cTn id="23" dur="1" fill="hold">
                                           <p:stCondLst>
                                             <p:cond delay="0"/>
                                           </p:stCondLst>
@@ -7079,7 +7253,7 @@
                                     </p:set>
                                     <p:animEffect transition="in" filter="fade">
                                       <p:cBhvr>
-                                        <p:cTn id="25" dur="1000"/>
+                                        <p:cTn id="24" dur="1000"/>
                                         <p:tgtEl>
                                           <p:spTgt spid="3">
                                             <p:txEl>
@@ -7091,7 +7265,7 @@
                                     </p:animEffect>
                                     <p:anim calcmode="lin" valueType="num">
                                       <p:cBhvr>
-                                        <p:cTn id="26" dur="1000" fill="hold"/>
+                                        <p:cTn id="25" dur="1000" fill="hold"/>
                                         <p:tgtEl>
                                           <p:spTgt spid="3">
                                             <p:txEl>
@@ -7118,11 +7292,108 @@
                                     </p:anim>
                                     <p:anim calcmode="lin" valueType="num">
                                       <p:cBhvr>
-                                        <p:cTn id="27" dur="1000" fill="hold"/>
+                                        <p:cTn id="26" dur="1000" fill="hold"/>
                                         <p:tgtEl>
                                           <p:spTgt spid="3">
                                             <p:txEl>
                                               <p:pRg st="3" end="3"/>
+                                            </p:txEl>
+                                          </p:spTgt>
+                                        </p:tgtEl>
+                                        <p:attrNameLst>
+                                          <p:attrName>ppt_y</p:attrName>
+                                        </p:attrNameLst>
+                                      </p:cBhvr>
+                                      <p:tavLst>
+                                        <p:tav tm="0">
+                                          <p:val>
+                                            <p:strVal val="#ppt_y+.1"/>
+                                          </p:val>
+                                        </p:tav>
+                                        <p:tav tm="100000">
+                                          <p:val>
+                                            <p:strVal val="#ppt_y"/>
+                                          </p:val>
+                                        </p:tav>
+                                      </p:tavLst>
+                                    </p:anim>
+                                  </p:childTnLst>
+                                </p:cTn>
+                              </p:par>
+                              <p:par>
+                                <p:cTn id="27" presetID="42" presetClass="entr" presetSubtype="0" fill="hold" grpId="0" nodeType="withEffect">
+                                  <p:stCondLst>
+                                    <p:cond delay="0"/>
+                                  </p:stCondLst>
+                                  <p:childTnLst>
+                                    <p:set>
+                                      <p:cBhvr>
+                                        <p:cTn id="28" dur="1" fill="hold">
+                                          <p:stCondLst>
+                                            <p:cond delay="0"/>
+                                          </p:stCondLst>
+                                        </p:cTn>
+                                        <p:tgtEl>
+                                          <p:spTgt spid="3">
+                                            <p:txEl>
+                                              <p:pRg st="4" end="4"/>
+                                            </p:txEl>
+                                          </p:spTgt>
+                                        </p:tgtEl>
+                                        <p:attrNameLst>
+                                          <p:attrName>style.visibility</p:attrName>
+                                        </p:attrNameLst>
+                                      </p:cBhvr>
+                                      <p:to>
+                                        <p:strVal val="visible"/>
+                                      </p:to>
+                                    </p:set>
+                                    <p:animEffect transition="in" filter="fade">
+                                      <p:cBhvr>
+                                        <p:cTn id="29" dur="1000"/>
+                                        <p:tgtEl>
+                                          <p:spTgt spid="3">
+                                            <p:txEl>
+                                              <p:pRg st="4" end="4"/>
+                                            </p:txEl>
+                                          </p:spTgt>
+                                        </p:tgtEl>
+                                      </p:cBhvr>
+                                    </p:animEffect>
+                                    <p:anim calcmode="lin" valueType="num">
+                                      <p:cBhvr>
+                                        <p:cTn id="30" dur="1000" fill="hold"/>
+                                        <p:tgtEl>
+                                          <p:spTgt spid="3">
+                                            <p:txEl>
+                                              <p:pRg st="4" end="4"/>
+                                            </p:txEl>
+                                          </p:spTgt>
+                                        </p:tgtEl>
+                                        <p:attrNameLst>
+                                          <p:attrName>ppt_x</p:attrName>
+                                        </p:attrNameLst>
+                                      </p:cBhvr>
+                                      <p:tavLst>
+                                        <p:tav tm="0">
+                                          <p:val>
+                                            <p:strVal val="#ppt_x"/>
+                                          </p:val>
+                                        </p:tav>
+                                        <p:tav tm="100000">
+                                          <p:val>
+                                            <p:strVal val="#ppt_x"/>
+                                          </p:val>
+                                        </p:tav>
+                                      </p:tavLst>
+                                    </p:anim>
+                                    <p:anim calcmode="lin" valueType="num">
+                                      <p:cBhvr>
+                                        <p:cTn id="31" dur="1000" fill="hold"/>
+                                        <p:tgtEl>
+                                          <p:spTgt spid="3">
+                                            <p:txEl>
+                                              <p:pRg st="4" end="4"/>
                                             </p:txEl>
                                           </p:spTgt>
                                         </p:tgtEl>
@@ -7150,20 +7421,20 @@
                           </p:cTn>
                         </p:par>
                         <p:par>
-                          <p:cTn id="28" fill="hold">
+                          <p:cTn id="32" fill="hold">
                             <p:stCondLst>
-                              <p:cond delay="4000"/>
+                              <p:cond delay="3000"/>
                             </p:stCondLst>
                             <p:childTnLst>
                               <p:par>
-                                <p:cTn id="29" presetID="42" presetClass="entr" presetSubtype="0" fill="hold" grpId="0" nodeType="afterEffect">
+                                <p:cTn id="33" presetID="42" presetClass="entr" presetSubtype="0" fill="hold" grpId="0" nodeType="afterEffect">
                                   <p:stCondLst>
                                     <p:cond delay="0"/>
                                   </p:stCondLst>
                                   <p:childTnLst>
                                     <p:set>
                                       <p:cBhvr>
-                                        <p:cTn id="30" dur="1" fill="hold">
+                                        <p:cTn id="34" dur="1" fill="hold">
                                           <p:stCondLst>
                                             <p:cond delay="0"/>
                                           </p:stCondLst>
@@ -7171,7 +7442,7 @@
                                         <p:tgtEl>
                                           <p:spTgt spid="3">
                                             <p:txEl>
-                                              <p:pRg st="4" end="4"/>
+                                              <p:pRg st="5" end="5"/>
                                             </p:txEl>
                                           </p:spTgt>
                                         </p:tgtEl>
@@ -7185,11 +7456,11 @@
                                     </p:set>
                                     <p:animEffect transition="in" filter="fade">
                                       <p:cBhvr>
-                                        <p:cTn id="31" dur="1000"/>
-                                        <p:tgtEl>
-                                          <p:spTgt spid="3">
-                                            <p:txEl>
-                                              <p:pRg st="4" end="4"/>
+                                        <p:cTn id="35" dur="1000"/>
+                                        <p:tgtEl>
+                                          <p:spTgt spid="3">
+                                            <p:txEl>
+                                              <p:pRg st="5" end="5"/>
                                             </p:txEl>
                                           </p:spTgt>
                                         </p:tgtEl>
@@ -7197,11 +7468,11 @@
                                     </p:animEffect>
                                     <p:anim calcmode="lin" valueType="num">
                                       <p:cBhvr>
-                                        <p:cTn id="32" dur="1000" fill="hold"/>
-                                        <p:tgtEl>
-                                          <p:spTgt spid="3">
-                                            <p:txEl>
-                                              <p:pRg st="4" end="4"/>
+                                        <p:cTn id="36" dur="1000" fill="hold"/>
+                                        <p:tgtEl>
+                                          <p:spTgt spid="3">
+                                            <p:txEl>
+                                              <p:pRg st="5" end="5"/>
                                             </p:txEl>
                                           </p:spTgt>
                                         </p:tgtEl>
@@ -7224,11 +7495,108 @@
                                     </p:anim>
                                     <p:anim calcmode="lin" valueType="num">
                                       <p:cBhvr>
-                                        <p:cTn id="33" dur="1000" fill="hold"/>
-                                        <p:tgtEl>
-                                          <p:spTgt spid="3">
-                                            <p:txEl>
-                                              <p:pRg st="4" end="4"/>
+                                        <p:cTn id="37" dur="1000" fill="hold"/>
+                                        <p:tgtEl>
+                                          <p:spTgt spid="3">
+                                            <p:txEl>
+                                              <p:pRg st="5" end="5"/>
+                                            </p:txEl>
+                                          </p:spTgt>
+                                        </p:tgtEl>
+                                        <p:attrNameLst>
+                                          <p:attrName>ppt_y</p:attrName>
+                                        </p:attrNameLst>
+                                      </p:cBhvr>
+                                      <p:tavLst>
+                                        <p:tav tm="0">
+                                          <p:val>
+                                            <p:strVal val="#ppt_y+.1"/>
+                                          </p:val>
+                                        </p:tav>
+                                        <p:tav tm="100000">
+                                          <p:val>
+                                            <p:strVal val="#ppt_y"/>
+                                          </p:val>
+                                        </p:tav>
+                                      </p:tavLst>
+                                    </p:anim>
+                                  </p:childTnLst>
+                                </p:cTn>
+                              </p:par>
+                              <p:par>
+                                <p:cTn id="38" presetID="42" presetClass="entr" presetSubtype="0" fill="hold" grpId="0" nodeType="withEffect">
+                                  <p:stCondLst>
+                                    <p:cond delay="0"/>
+                                  </p:stCondLst>
+                                  <p:childTnLst>
+                                    <p:set>
+                                      <p:cBhvr>
+                                        <p:cTn id="39" dur="1" fill="hold">
+                                          <p:stCondLst>
+                                            <p:cond delay="0"/>
+                                          </p:stCondLst>
+                                        </p:cTn>
+                                        <p:tgtEl>
+                                          <p:spTgt spid="3">
+                                            <p:txEl>
+                                              <p:pRg st="6" end="6"/>
+                                            </p:txEl>
+                                          </p:spTgt>
+                                        </p:tgtEl>
+                                        <p:attrNameLst>
+                                          <p:attrName>style.visibility</p:attrName>
+                                        </p:attrNameLst>
+                                      </p:cBhvr>
+                                      <p:to>
+                                        <p:strVal val="visible"/>
+                                      </p:to>
+                                    </p:set>
+                                    <p:animEffect transition="in" filter="fade">
+                                      <p:cBhvr>
+                                        <p:cTn id="40" dur="1000"/>
+                                        <p:tgtEl>
+                                          <p:spTgt spid="3">
+                                            <p:txEl>
+                                              <p:pRg st="6" end="6"/>
+                                            </p:txEl>
+                                          </p:spTgt>
+                                        </p:tgtEl>
+                                      </p:cBhvr>
+                                    </p:animEffect>
+                                    <p:anim calcmode="lin" valueType="num">
+                                      <p:cBhvr>
+                                        <p:cTn id="41" dur="1000" fill="hold"/>
+                                        <p:tgtEl>
+                                          <p:spTgt spid="3">
+                                            <p:txEl>
+                                              <p:pRg st="6" end="6"/>
+                                            </p:txEl>
+                                          </p:spTgt>
+                                        </p:tgtEl>
+                                        <p:attrNameLst>
+                                          <p:attrName>ppt_x</p:attrName>
+                                        </p:attrNameLst>
+                                      </p:cBhvr>
+                                      <p:tavLst>
+                                        <p:tav tm="0">
+                                          <p:val>
+                                            <p:strVal val="#ppt_x"/>
+                                          </p:val>
+                                        </p:tav>
+                                        <p:tav tm="100000">
+                                          <p:val>
+                                            <p:strVal val="#ppt_x"/>
+                                          </p:val>
+                                        </p:tav>
+                                      </p:tavLst>
+                                    </p:anim>
+                                    <p:anim calcmode="lin" valueType="num">
+                                      <p:cBhvr>
+                                        <p:cTn id="42" dur="1000" fill="hold"/>
+                                        <p:tgtEl>
+                                          <p:spTgt spid="3">
+                                            <p:txEl>
+                                              <p:pRg st="6" end="6"/>
                                             </p:txEl>
                                           </p:spTgt>
                                         </p:tgtEl>
@@ -7256,20 +7624,20 @@
                           </p:cTn>
                         </p:par>
                         <p:par>
-                          <p:cTn id="34" fill="hold">
+                          <p:cTn id="43" fill="hold">
                             <p:stCondLst>
-                              <p:cond delay="5000"/>
+                              <p:cond delay="4000"/>
                             </p:stCondLst>
                             <p:childTnLst>
                               <p:par>
-                                <p:cTn id="35" presetID="42" presetClass="entr" presetSubtype="0" fill="hold" grpId="0" nodeType="afterEffect">
+                                <p:cTn id="44" presetID="42" presetClass="entr" presetSubtype="0" fill="hold" grpId="0" nodeType="afterEffect">
                                   <p:stCondLst>
                                     <p:cond delay="0"/>
                                   </p:stCondLst>
                                   <p:childTnLst>
                                     <p:set>
                                       <p:cBhvr>
-                                        <p:cTn id="36" dur="1" fill="hold">
+                                        <p:cTn id="45" dur="1" fill="hold">
                                           <p:stCondLst>
                                             <p:cond delay="0"/>
                                           </p:stCondLst>
@@ -7277,7 +7645,7 @@
                                         <p:tgtEl>
                                           <p:spTgt spid="3">
                                             <p:txEl>
-                                              <p:pRg st="5" end="5"/>
+                                              <p:pRg st="7" end="7"/>
                                             </p:txEl>
                                           </p:spTgt>
                                         </p:tgtEl>
@@ -7291,11 +7659,11 @@
                                     </p:set>
                                     <p:animEffect transition="in" filter="fade">
                                       <p:cBhvr>
-                                        <p:cTn id="37" dur="1000"/>
-                                        <p:tgtEl>
-                                          <p:spTgt spid="3">
-                                            <p:txEl>
-                                              <p:pRg st="5" end="5"/>
+                                        <p:cTn id="46" dur="1000"/>
+                                        <p:tgtEl>
+                                          <p:spTgt spid="3">
+                                            <p:txEl>
+                                              <p:pRg st="7" end="7"/>
                                             </p:txEl>
                                           </p:spTgt>
                                         </p:tgtEl>
@@ -7303,11 +7671,11 @@
                                     </p:animEffect>
                                     <p:anim calcmode="lin" valueType="num">
                                       <p:cBhvr>
-                                        <p:cTn id="38" dur="1000" fill="hold"/>
-                                        <p:tgtEl>
-                                          <p:spTgt spid="3">
-                                            <p:txEl>
-                                              <p:pRg st="5" end="5"/>
+                                        <p:cTn id="47" dur="1000" fill="hold"/>
+                                        <p:tgtEl>
+                                          <p:spTgt spid="3">
+                                            <p:txEl>
+                                              <p:pRg st="7" end="7"/>
                                             </p:txEl>
                                           </p:spTgt>
                                         </p:tgtEl>
@@ -7330,11 +7698,11 @@
                                     </p:anim>
                                     <p:anim calcmode="lin" valueType="num">
                                       <p:cBhvr>
-                                        <p:cTn id="39" dur="1000" fill="hold"/>
-                                        <p:tgtEl>
-                                          <p:spTgt spid="3">
-                                            <p:txEl>
-                                              <p:pRg st="5" end="5"/>
+                                        <p:cTn id="48" dur="1000" fill="hold"/>
+                                        <p:tgtEl>
+                                          <p:spTgt spid="3">
+                                            <p:txEl>
+                                              <p:pRg st="7" end="7"/>
                                             </p:txEl>
                                           </p:spTgt>
                                         </p:tgtEl>
@@ -7358,24 +7726,15 @@
                                   </p:childTnLst>
                                 </p:cTn>
                               </p:par>
-                            </p:childTnLst>
-                          </p:cTn>
-                        </p:par>
-                        <p:par>
-                          <p:cTn id="40" fill="hold">
-                            <p:stCondLst>
-                              <p:cond delay="6000"/>
-                            </p:stCondLst>
-                            <p:childTnLst>
                               <p:par>
-                                <p:cTn id="41" presetID="42" presetClass="entr" presetSubtype="0" fill="hold" grpId="0" nodeType="afterEffect">
+                                <p:cTn id="49" presetID="42" presetClass="entr" presetSubtype="0" fill="hold" grpId="0" nodeType="withEffect">
                                   <p:stCondLst>
                                     <p:cond delay="0"/>
                                   </p:stCondLst>
                                   <p:childTnLst>
                                     <p:set>
                                       <p:cBhvr>
-                                        <p:cTn id="42" dur="1" fill="hold">
+                                        <p:cTn id="50" dur="1" fill="hold">
                                           <p:stCondLst>
                                             <p:cond delay="0"/>
                                           </p:stCondLst>
@@ -7383,7 +7742,7 @@
                                         <p:tgtEl>
                                           <p:spTgt spid="3">
                                             <p:txEl>
-                                              <p:pRg st="6" end="6"/>
+                                              <p:pRg st="8" end="8"/>
                                             </p:txEl>
                                           </p:spTgt>
                                         </p:tgtEl>
@@ -7397,11 +7756,11 @@
                                     </p:set>
                                     <p:animEffect transition="in" filter="fade">
                                       <p:cBhvr>
-                                        <p:cTn id="43" dur="1000"/>
-                                        <p:tgtEl>
-                                          <p:spTgt spid="3">
-                                            <p:txEl>
-                                              <p:pRg st="6" end="6"/>
+                                        <p:cTn id="51" dur="1000"/>
+                                        <p:tgtEl>
+                                          <p:spTgt spid="3">
+                                            <p:txEl>
+                                              <p:pRg st="8" end="8"/>
                                             </p:txEl>
                                           </p:spTgt>
                                         </p:tgtEl>
@@ -7409,11 +7768,11 @@
                                     </p:animEffect>
                                     <p:anim calcmode="lin" valueType="num">
                                       <p:cBhvr>
-                                        <p:cTn id="44" dur="1000" fill="hold"/>
-                                        <p:tgtEl>
-                                          <p:spTgt spid="3">
-                                            <p:txEl>
-                                              <p:pRg st="6" end="6"/>
+                                        <p:cTn id="52" dur="1000" fill="hold"/>
+                                        <p:tgtEl>
+                                          <p:spTgt spid="3">
+                                            <p:txEl>
+                                              <p:pRg st="8" end="8"/>
                                             </p:txEl>
                                           </p:spTgt>
                                         </p:tgtEl>
@@ -7436,219 +7795,7 @@
                                     </p:anim>
                                     <p:anim calcmode="lin" valueType="num">
                                       <p:cBhvr>
-                                        <p:cTn id="45" dur="1000" fill="hold"/>
-                                        <p:tgtEl>
-                                          <p:spTgt spid="3">
-                                            <p:txEl>
-                                              <p:pRg st="6" end="6"/>
-                                            </p:txEl>
-                                          </p:spTgt>
-                                        </p:tgtEl>
-                                        <p:attrNameLst>
-                                          <p:attrName>ppt_y</p:attrName>
-                                        </p:attrNameLst>
-                                      </p:cBhvr>
-                                      <p:tavLst>
-                                        <p:tav tm="0">
-                                          <p:val>
-                                            <p:strVal val="#ppt_y+.1"/>
-                                          </p:val>
-                                        </p:tav>
-                                        <p:tav tm="100000">
-                                          <p:val>
-                                            <p:strVal val="#ppt_y"/>
-                                          </p:val>
-                                        </p:tav>
-                                      </p:tavLst>
-                                    </p:anim>
-                                  </p:childTnLst>
-                                </p:cTn>
-                              </p:par>
-                            </p:childTnLst>
-                          </p:cTn>
-                        </p:par>
-                        <p:par>
-                          <p:cTn id="46" fill="hold">
-                            <p:stCondLst>
-                              <p:cond delay="7000"/>
-                            </p:stCondLst>
-                            <p:childTnLst>
-                              <p:par>
-                                <p:cTn id="47" presetID="42" presetClass="entr" presetSubtype="0" fill="hold" grpId="0" nodeType="afterEffect">
-                                  <p:stCondLst>
-                                    <p:cond delay="0"/>
-                                  </p:stCondLst>
-                                  <p:childTnLst>
-                                    <p:set>
-                                      <p:cBhvr>
-                                        <p:cTn id="48" dur="1" fill="hold">
-                                          <p:stCondLst>
-                                            <p:cond delay="0"/>
-                                          </p:stCondLst>
-                                        </p:cTn>
-                                        <p:tgtEl>
-                                          <p:spTgt spid="3">
-                                            <p:txEl>
-                                              <p:pRg st="7" end="7"/>
-                                            </p:txEl>
-                                          </p:spTgt>
-                                        </p:tgtEl>
-                                        <p:attrNameLst>
-                                          <p:attrName>style.visibility</p:attrName>
-                                        </p:attrNameLst>
-                                      </p:cBhvr>
-                                      <p:to>
-                                        <p:strVal val="visible"/>
-                                      </p:to>
-                                    </p:set>
-                                    <p:animEffect transition="in" filter="fade">
-                                      <p:cBhvr>
-                                        <p:cTn id="49" dur="1000"/>
-                                        <p:tgtEl>
-                                          <p:spTgt spid="3">
-                                            <p:txEl>
-                                              <p:pRg st="7" end="7"/>
-                                            </p:txEl>
-                                          </p:spTgt>
-                                        </p:tgtEl>
-                                      </p:cBhvr>
-                                    </p:animEffect>
-                                    <p:anim calcmode="lin" valueType="num">
-                                      <p:cBhvr>
-                                        <p:cTn id="50" dur="1000" fill="hold"/>
-                                        <p:tgtEl>
-                                          <p:spTgt spid="3">
-                                            <p:txEl>
-                                              <p:pRg st="7" end="7"/>
-                                            </p:txEl>
-                                          </p:spTgt>
-                                        </p:tgtEl>
-                                        <p:attrNameLst>
-                                          <p:attrName>ppt_x</p:attrName>
-                                        </p:attrNameLst>
-                                      </p:cBhvr>
-                                      <p:tavLst>
-                                        <p:tav tm="0">
-                                          <p:val>
-                                            <p:strVal val="#ppt_x"/>
-                                          </p:val>
-                                        </p:tav>
-                                        <p:tav tm="100000">
-                                          <p:val>
-                                            <p:strVal val="#ppt_x"/>
-                                          </p:val>
-                                        </p:tav>
-                                      </p:tavLst>
-                                    </p:anim>
-                                    <p:anim calcmode="lin" valueType="num">
-                                      <p:cBhvr>
-                                        <p:cTn id="51" dur="1000" fill="hold"/>
-                                        <p:tgtEl>
-                                          <p:spTgt spid="3">
-                                            <p:txEl>
-                                              <p:pRg st="7" end="7"/>
-                                            </p:txEl>
-                                          </p:spTgt>
-                                        </p:tgtEl>
-                                        <p:attrNameLst>
-                                          <p:attrName>ppt_y</p:attrName>
-                                        </p:attrNameLst>
-                                      </p:cBhvr>
-                                      <p:tavLst>
-                                        <p:tav tm="0">
-                                          <p:val>
-                                            <p:strVal val="#ppt_y+.1"/>
-                                          </p:val>
-                                        </p:tav>
-                                        <p:tav tm="100000">
-                                          <p:val>
-                                            <p:strVal val="#ppt_y"/>
-                                          </p:val>
-                                        </p:tav>
-                                      </p:tavLst>
-                                    </p:anim>
-                                  </p:childTnLst>
-                                </p:cTn>
-                              </p:par>
-                            </p:childTnLst>
-                          </p:cTn>
-                        </p:par>
-                        <p:par>
-                          <p:cTn id="52" fill="hold">
-                            <p:stCondLst>
-                              <p:cond delay="8000"/>
-                            </p:stCondLst>
-                            <p:childTnLst>
-                              <p:par>
-                                <p:cTn id="53" presetID="42" presetClass="entr" presetSubtype="0" fill="hold" grpId="0" nodeType="afterEffect">
-                                  <p:stCondLst>
-                                    <p:cond delay="0"/>
-                                  </p:stCondLst>
-                                  <p:childTnLst>
-                                    <p:set>
-                                      <p:cBhvr>
-                                        <p:cTn id="54" dur="1" fill="hold">
-                                          <p:stCondLst>
-                                            <p:cond delay="0"/>
-                                          </p:stCondLst>
-                                        </p:cTn>
-                                        <p:tgtEl>
-                                          <p:spTgt spid="3">
-                                            <p:txEl>
-                                              <p:pRg st="8" end="8"/>
-                                            </p:txEl>
-                                          </p:spTgt>
-                                        </p:tgtEl>
-                                        <p:attrNameLst>
-                                          <p:attrName>style.visibility</p:attrName>
-                                        </p:attrNameLst>
-                                      </p:cBhvr>
-                                      <p:to>
-                                        <p:strVal val="visible"/>
-                                      </p:to>
-                                    </p:set>
-                                    <p:animEffect transition="in" filter="fade">
-                                      <p:cBhvr>
-                                        <p:cTn id="55" dur="1000"/>
-                                        <p:tgtEl>
-                                          <p:spTgt spid="3">
-                                            <p:txEl>
-                                              <p:pRg st="8" end="8"/>
-                                            </p:txEl>
-                                          </p:spTgt>
-                                        </p:tgtEl>
-                                      </p:cBhvr>
-                                    </p:animEffect>
-                                    <p:anim calcmode="lin" valueType="num">
-                                      <p:cBhvr>
-                                        <p:cTn id="56" dur="1000" fill="hold"/>
-                                        <p:tgtEl>
-                                          <p:spTgt spid="3">
-                                            <p:txEl>
-                                              <p:pRg st="8" end="8"/>
-                                            </p:txEl>
-                                          </p:spTgt>
-                                        </p:tgtEl>
-                                        <p:attrNameLst>
-                                          <p:attrName>ppt_x</p:attrName>
-                                        </p:attrNameLst>
-                                      </p:cBhvr>
-                                      <p:tavLst>
-                                        <p:tav tm="0">
-                                          <p:val>
-                                            <p:strVal val="#ppt_x"/>
-                                          </p:val>
-                                        </p:tav>
-                                        <p:tav tm="100000">
-                                          <p:val>
-                                            <p:strVal val="#ppt_x"/>
-                                          </p:val>
-                                        </p:tav>
-                                      </p:tavLst>
-                                    </p:anim>
-                                    <p:anim calcmode="lin" valueType="num">
-                                      <p:cBhvr>
-                                        <p:cTn id="57" dur="1000" fill="hold"/>
+                                        <p:cTn id="53" dur="1000" fill="hold"/>
                                         <p:tgtEl>
                                           <p:spTgt spid="3">
                                             <p:txEl>
@@ -7895,12 +8042,58 @@
           <a:lstStyle/>
           <a:p>
             <a:r>
-              <a:rPr lang="fi-FI">
+              <a:rPr lang="fi-FI" dirty="0" err="1">
                 <a:solidFill>
                   <a:srgbClr val="000000"/>
                 </a:solidFill>
+                <a:latin typeface="H0bby of night" panose="02000506000000020003" pitchFamily="2" charset="0"/>
               </a:rPr>
-              <a:t>Where I can download it?</a:t>
+              <a:t>Where</a:t>
+            </a:r>
+            <a:r>
+              <a:rPr lang="fi-FI" dirty="0">
+                <a:solidFill>
+                  <a:srgbClr val="000000"/>
+                </a:solidFill>
+                <a:latin typeface="H0bby of night" panose="02000506000000020003" pitchFamily="2" charset="0"/>
+              </a:rPr>
+              <a:t> I </a:t>
+            </a:r>
+            <a:r>
+              <a:rPr lang="fi-FI" dirty="0" err="1">
+                <a:solidFill>
+                  <a:srgbClr val="000000"/>
+                </a:solidFill>
+                <a:latin typeface="H0bby of night" panose="02000506000000020003" pitchFamily="2" charset="0"/>
+              </a:rPr>
+              <a:t>can</a:t>
+            </a:r>
+            <a:r>
+              <a:rPr lang="fi-FI" dirty="0">
+                <a:solidFill>
+                  <a:srgbClr val="000000"/>
+                </a:solidFill>
+                <a:latin typeface="H0bby of night" panose="02000506000000020003" pitchFamily="2" charset="0"/>
+              </a:rPr>
+              <a:t> </a:t>
+            </a:r>
+            <a:r>
+              <a:rPr lang="fi-FI" dirty="0" err="1">
+                <a:solidFill>
+                  <a:srgbClr val="000000"/>
+                </a:solidFill>
+                <a:latin typeface="H0bby of night" panose="02000506000000020003" pitchFamily="2" charset="0"/>
+              </a:rPr>
+              <a:t>download</a:t>
+            </a:r>
+            <a:r>
+              <a:rPr lang="fi-FI" dirty="0">
+                <a:solidFill>
+                  <a:srgbClr val="000000"/>
+                </a:solidFill>
+                <a:latin typeface="H0bby of night" panose="02000506000000020003" pitchFamily="2" charset="0"/>
+              </a:rPr>
+              <a:t> it?</a:t>
             </a:r>
           </a:p>
         </p:txBody>
@@ -8151,7 +8344,7 @@
         </p:nvSpPr>
         <p:spPr>
           <a:xfrm>
-            <a:off x="6090574" y="2421682"/>
+            <a:off x="6094503" y="1951419"/>
             <a:ext cx="4977578" cy="3639289"/>
           </a:xfrm>
         </p:spPr>
@@ -8165,22 +8358,46 @@
               <a:buNone/>
             </a:pPr>
             <a:r>
-              <a:rPr lang="fi-FI" sz="2000">
+              <a:rPr lang="fi-FI" dirty="0">
                 <a:solidFill>
                   <a:srgbClr val="000000"/>
                 </a:solidFill>
               </a:rPr>
-              <a:t>Itch.io search </a:t>
-            </a:r>
-            <a:r>
-              <a:rPr lang="fi-FI" sz="2000" b="1">
+              <a:t>Itch.io </a:t>
+            </a:r>
+            <a:r>
+              <a:rPr lang="fi-FI" dirty="0" err="1">
                 <a:solidFill>
                   <a:srgbClr val="000000"/>
                 </a:solidFill>
               </a:rPr>
-              <a:t>Quack-A-Moley</a:t>
-            </a:r>
-            <a:endParaRPr lang="fi-FI" sz="2000" b="1">
+              <a:t>search</a:t>
+            </a:r>
+            <a:r>
+              <a:rPr lang="fi-FI" dirty="0">
+                <a:solidFill>
+                  <a:srgbClr val="000000"/>
+                </a:solidFill>
+              </a:rPr>
+              <a:t> </a:t>
+            </a:r>
+            <a:r>
+              <a:rPr lang="fi-FI" b="1" dirty="0">
+                <a:solidFill>
+                  <a:srgbClr val="000000"/>
+                </a:solidFill>
+              </a:rPr>
+              <a:t>Quack-A-</a:t>
+            </a:r>
+            <a:r>
+              <a:rPr lang="fi-FI" b="1" dirty="0" err="1">
+                <a:solidFill>
+                  <a:srgbClr val="000000"/>
+                </a:solidFill>
+              </a:rPr>
+              <a:t>Moley</a:t>
+            </a:r>
+            <a:endParaRPr lang="fi-FI" b="1" dirty="0">
               <a:solidFill>
                 <a:srgbClr val="000000"/>
               </a:solidFill>
@@ -8191,7 +8408,7 @@
             <a:pPr marL="0" indent="0">
               <a:buNone/>
             </a:pPr>
-            <a:endParaRPr lang="fi-FI" sz="2000">
+            <a:endParaRPr lang="fi-FI" sz="2000" dirty="0">
               <a:solidFill>
                 <a:srgbClr val="000000"/>
               </a:solidFill>
@@ -8203,7 +8420,7 @@
               <a:buNone/>
             </a:pPr>
             <a:r>
-              <a:rPr lang="fi-FI" sz="2000">
+              <a:rPr lang="fi-FI" sz="2000" dirty="0">
                 <a:solidFill>
                   <a:srgbClr val="000000"/>
                 </a:solidFill>
@@ -8211,7 +8428,7 @@
               </a:rPr>
               <a:t>https://gentlemanni.itch.io/quack-a-moley</a:t>
             </a:r>
-            <a:endParaRPr lang="fi-FI" sz="2000">
+            <a:endParaRPr lang="fi-FI" sz="2000" dirty="0">
               <a:solidFill>
                 <a:srgbClr val="000000"/>
               </a:solidFill>
